--- a/Updated_Emergency_Drone_Presentation.pptx
+++ b/Updated_Emergency_Drone_Presentation.pptx
@@ -5,10 +5,10 @@
     <p:sldMasterId id="2147483648" r:id="rId1"/>
   </p:sldMasterIdLst>
   <p:notesMasterIdLst>
-    <p:notesMasterId r:id="rId14"/>
+    <p:notesMasterId r:id="rId17"/>
   </p:notesMasterIdLst>
   <p:handoutMasterIdLst>
-    <p:handoutMasterId r:id="rId15"/>
+    <p:handoutMasterId r:id="rId18"/>
   </p:handoutMasterIdLst>
   <p:sldIdLst>
     <p:sldId id="531" r:id="rId2"/>
@@ -16,78 +16,74 @@
     <p:sldId id="308" r:id="rId4"/>
     <p:sldId id="533" r:id="rId5"/>
     <p:sldId id="534" r:id="rId6"/>
-    <p:sldId id="535" r:id="rId7"/>
-    <p:sldId id="302" r:id="rId8"/>
-    <p:sldId id="303" r:id="rId9"/>
-    <p:sldId id="305" r:id="rId10"/>
-    <p:sldId id="306" r:id="rId11"/>
-    <p:sldId id="307" r:id="rId12"/>
-    <p:sldId id="301" r:id="rId13"/>
+    <p:sldId id="536" r:id="rId7"/>
+    <p:sldId id="535" r:id="rId8"/>
+    <p:sldId id="537" r:id="rId9"/>
+    <p:sldId id="302" r:id="rId10"/>
+    <p:sldId id="303" r:id="rId11"/>
+    <p:sldId id="306" r:id="rId12"/>
+    <p:sldId id="307" r:id="rId13"/>
+    <p:sldId id="538" r:id="rId14"/>
+    <p:sldId id="301" r:id="rId15"/>
+    <p:sldId id="539" r:id="rId16"/>
   </p:sldIdLst>
   <p:sldSz cx="12192000" cy="6858000"/>
   <p:notesSz cx="6858000" cy="9144000"/>
   <p:embeddedFontLst>
     <p:embeddedFont>
       <p:font typeface="Aharoni" panose="02010803020104030203" pitchFamily="2" charset="-79"/>
-      <p:bold r:id="rId16"/>
+      <p:bold r:id="rId19"/>
     </p:embeddedFont>
     <p:embeddedFont>
       <p:font typeface="Calibri" panose="020F0502020204030204" pitchFamily="34" charset="0"/>
-      <p:regular r:id="rId17"/>
-      <p:bold r:id="rId18"/>
-      <p:italic r:id="rId19"/>
-      <p:boldItalic r:id="rId20"/>
-    </p:embeddedFont>
-    <p:embeddedFont>
-      <p:font typeface="Merriweather Sans" pitchFamily="2" charset="0"/>
-      <p:regular r:id="rId21"/>
-      <p:bold r:id="rId22"/>
-      <p:italic r:id="rId23"/>
-      <p:boldItalic r:id="rId24"/>
+      <p:regular r:id="rId20"/>
+      <p:bold r:id="rId21"/>
+      <p:italic r:id="rId22"/>
+      <p:boldItalic r:id="rId23"/>
     </p:embeddedFont>
     <p:embeddedFont>
       <p:font typeface="Montserrat" panose="00000500000000000000" pitchFamily="2" charset="0"/>
-      <p:regular r:id="rId25"/>
-      <p:bold r:id="rId26"/>
-      <p:italic r:id="rId27"/>
-      <p:boldItalic r:id="rId28"/>
+      <p:regular r:id="rId24"/>
+      <p:bold r:id="rId25"/>
+      <p:italic r:id="rId26"/>
+      <p:boldItalic r:id="rId27"/>
     </p:embeddedFont>
     <p:embeddedFont>
       <p:font typeface="Montserrat Medium" panose="00000600000000000000" pitchFamily="2" charset="0"/>
-      <p:regular r:id="rId29"/>
-      <p:italic r:id="rId30"/>
+      <p:regular r:id="rId28"/>
+      <p:italic r:id="rId29"/>
     </p:embeddedFont>
     <p:embeddedFont>
       <p:font typeface="Open Sans" panose="020B0606030504020204" pitchFamily="34" charset="0"/>
-      <p:regular r:id="rId31"/>
-      <p:bold r:id="rId32"/>
-      <p:italic r:id="rId33"/>
-      <p:boldItalic r:id="rId34"/>
+      <p:regular r:id="rId30"/>
+      <p:bold r:id="rId31"/>
+      <p:italic r:id="rId32"/>
+      <p:boldItalic r:id="rId33"/>
     </p:embeddedFont>
     <p:embeddedFont>
       <p:font typeface="Plus Jakarta Sans" panose="020B0604020202020204" charset="0"/>
-      <p:regular r:id="rId35"/>
-      <p:bold r:id="rId36"/>
-      <p:italic r:id="rId37"/>
-      <p:boldItalic r:id="rId38"/>
+      <p:regular r:id="rId34"/>
+      <p:bold r:id="rId35"/>
+      <p:italic r:id="rId36"/>
+      <p:boldItalic r:id="rId37"/>
     </p:embeddedFont>
     <p:embeddedFont>
       <p:font typeface="Poppins SemiBold" panose="00000700000000000000" pitchFamily="2" charset="0"/>
-      <p:regular r:id="rId39"/>
-      <p:bold r:id="rId40"/>
-      <p:italic r:id="rId41"/>
-      <p:boldItalic r:id="rId42"/>
+      <p:regular r:id="rId38"/>
+      <p:bold r:id="rId39"/>
+      <p:italic r:id="rId40"/>
+      <p:boldItalic r:id="rId41"/>
     </p:embeddedFont>
     <p:embeddedFont>
       <p:font typeface="Verdana" panose="020B0604030504040204" pitchFamily="34" charset="0"/>
-      <p:regular r:id="rId43"/>
-      <p:bold r:id="rId44"/>
-      <p:italic r:id="rId45"/>
-      <p:boldItalic r:id="rId46"/>
+      <p:regular r:id="rId42"/>
+      <p:bold r:id="rId43"/>
+      <p:italic r:id="rId44"/>
+      <p:boldItalic r:id="rId45"/>
     </p:embeddedFont>
   </p:embeddedFontLst>
   <p:custDataLst>
-    <p:tags r:id="rId47"/>
+    <p:tags r:id="rId46"/>
   </p:custDataLst>
   <p:defaultTextStyle>
     <a:defPPr marR="0" lvl="0" algn="l" rtl="0">
@@ -432,7 +428,7 @@
           <a:p>
             <a:fld id="{77014F2F-8EAD-49A7-A8EF-9A8E9DCC375B}" type="datetimeFigureOut">
               <a:rPr lang="en-IN" smtClean="0"/>
-              <a:t>19-03-2025</a:t>
+              <a:t>25-03-2025</a:t>
             </a:fld>
             <a:endParaRPr lang="en-IN"/>
           </a:p>
@@ -7942,6 +7938,425 @@
         <p:cNvPr id="1" name="">
           <a:extLst>
             <a:ext uri="{FF2B5EF4-FFF2-40B4-BE49-F238E27FC236}">
+              <a16:creationId xmlns:a16="http://schemas.microsoft.com/office/drawing/2014/main" id="{8384FB4E-AB25-B986-6544-C0296069542F}"/>
+            </a:ext>
+          </a:extLst>
+        </p:cNvPr>
+        <p:cNvGrpSpPr/>
+        <p:nvPr/>
+      </p:nvGrpSpPr>
+      <p:grpSpPr>
+        <a:xfrm>
+          <a:off x="0" y="0"/>
+          <a:ext cx="0" cy="0"/>
+          <a:chOff x="0" y="0"/>
+          <a:chExt cx="0" cy="0"/>
+        </a:xfrm>
+      </p:grpSpPr>
+      <p:sp>
+        <p:nvSpPr>
+          <p:cNvPr id="3" name="Slide Number Placeholder 2">
+            <a:extLst>
+              <a:ext uri="{FF2B5EF4-FFF2-40B4-BE49-F238E27FC236}">
+                <a16:creationId xmlns:a16="http://schemas.microsoft.com/office/drawing/2014/main" id="{F62EDE2B-D87B-D03F-3482-F7F114A4F0D9}"/>
+              </a:ext>
+            </a:extLst>
+          </p:cNvPr>
+          <p:cNvSpPr>
+            <a:spLocks noGrp="1"/>
+          </p:cNvSpPr>
+          <p:nvPr>
+            <p:ph type="sldNum" idx="12"/>
+          </p:nvPr>
+        </p:nvSpPr>
+        <p:spPr/>
+        <p:txBody>
+          <a:bodyPr/>
+          <a:lstStyle/>
+          <a:p>
+            <a:r>
+              <a:t>Design Considerations</a:t>
+            </a:r>
+          </a:p>
+        </p:txBody>
+      </p:sp>
+      <p:sp>
+        <p:nvSpPr>
+          <p:cNvPr id="4" name="Google Shape;125;p3">
+            <a:extLst>
+              <a:ext uri="{FF2B5EF4-FFF2-40B4-BE49-F238E27FC236}">
+                <a16:creationId xmlns:a16="http://schemas.microsoft.com/office/drawing/2014/main" id="{C625E54E-A86D-9B94-B470-0435C69F95E5}"/>
+              </a:ext>
+            </a:extLst>
+          </p:cNvPr>
+          <p:cNvSpPr txBox="1"/>
+          <p:nvPr/>
+        </p:nvSpPr>
+        <p:spPr>
+          <a:xfrm>
+            <a:off x="1000124" y="232275"/>
+            <a:ext cx="10515600" cy="493857"/>
+          </a:xfrm>
+          <a:prstGeom prst="rect">
+            <a:avLst/>
+          </a:prstGeom>
+          <a:noFill/>
+          <a:ln>
+            <a:noFill/>
+          </a:ln>
+        </p:spPr>
+        <p:txBody>
+          <a:bodyPr spcFirstLastPara="1" wrap="square" lIns="91425" tIns="45700" rIns="91425" bIns="45700" anchor="t" anchorCtr="0">
+            <a:noAutofit/>
+          </a:bodyPr>
+          <a:lstStyle/>
+          <a:p>
+            <a:pPr marL="0" marR="0" lvl="0" indent="0" algn="ctr" rtl="0">
+              <a:lnSpc>
+                <a:spcPct val="100000"/>
+              </a:lnSpc>
+              <a:spcBef>
+                <a:spcPts val="0"/>
+              </a:spcBef>
+              <a:spcAft>
+                <a:spcPts val="0"/>
+              </a:spcAft>
+              <a:buClr>
+                <a:srgbClr val="000000"/>
+              </a:buClr>
+              <a:buSzPts val="2400"/>
+              <a:buFont typeface="Arial"/>
+              <a:buNone/>
+            </a:pPr>
+            <a:r>
+              <a:rPr lang="en-US" sz="2400" b="1" i="0" u="none" strike="noStrike" cap="none" dirty="0">
+                <a:solidFill>
+                  <a:srgbClr val="000000"/>
+                </a:solidFill>
+                <a:latin typeface="Montserrat"/>
+                <a:ea typeface="Montserrat"/>
+                <a:cs typeface="Montserrat"/>
+                <a:sym typeface="Montserrat"/>
+              </a:rPr>
+              <a:t>Implementation and Results – Iteration 2 </a:t>
+            </a:r>
+            <a:endParaRPr lang="en-US" sz="1400" b="0" i="0" u="none" strike="noStrike" cap="none" dirty="0">
+              <a:solidFill>
+                <a:srgbClr val="000000"/>
+              </a:solidFill>
+              <a:latin typeface="Arial"/>
+              <a:ea typeface="Arial"/>
+              <a:cs typeface="Arial"/>
+              <a:sym typeface="Arial"/>
+            </a:endParaRPr>
+          </a:p>
+        </p:txBody>
+      </p:sp>
+      <p:sp>
+        <p:nvSpPr>
+          <p:cNvPr id="5" name="Google Shape;125;p3">
+            <a:extLst>
+              <a:ext uri="{FF2B5EF4-FFF2-40B4-BE49-F238E27FC236}">
+                <a16:creationId xmlns:a16="http://schemas.microsoft.com/office/drawing/2014/main" id="{67B823CE-7BA9-D714-A424-29AA44BD6144}"/>
+              </a:ext>
+            </a:extLst>
+          </p:cNvPr>
+          <p:cNvSpPr txBox="1"/>
+          <p:nvPr/>
+        </p:nvSpPr>
+        <p:spPr>
+          <a:xfrm>
+            <a:off x="452283" y="813164"/>
+            <a:ext cx="11326761" cy="5735761"/>
+          </a:xfrm>
+          <a:prstGeom prst="rect">
+            <a:avLst/>
+          </a:prstGeom>
+          <a:noFill/>
+          <a:ln>
+            <a:noFill/>
+          </a:ln>
+        </p:spPr>
+        <p:txBody>
+          <a:bodyPr spcFirstLastPara="1" wrap="square" lIns="91425" tIns="45700" rIns="91425" bIns="45700" anchor="t" anchorCtr="0">
+            <a:noAutofit/>
+          </a:bodyPr>
+          <a:lstStyle/>
+          <a:p>
+            <a:pPr marL="0" marR="0">
+              <a:lnSpc>
+                <a:spcPct val="115000"/>
+              </a:lnSpc>
+              <a:spcBef>
+                <a:spcPts val="0"/>
+              </a:spcBef>
+              <a:spcAft>
+                <a:spcPts val="0"/>
+              </a:spcAft>
+            </a:pPr>
+            <a:r>
+              <a:rPr lang="en-US" sz="1800" b="1" dirty="0">
+                <a:effectLst/>
+                <a:latin typeface="Times New Roman" panose="02020603050405020304" pitchFamily="18" charset="0"/>
+                <a:ea typeface="Times New Roman" panose="02020603050405020304" pitchFamily="18" charset="0"/>
+              </a:rPr>
+              <a:t>1. Flight Performance and Stability</a:t>
+            </a:r>
+            <a:endParaRPr lang="en-US" sz="1800" dirty="0">
+              <a:effectLst/>
+              <a:latin typeface="Arial" panose="020B0604020202020204" pitchFamily="34" charset="0"/>
+              <a:ea typeface="Arial" panose="020B0604020202020204" pitchFamily="34" charset="0"/>
+            </a:endParaRPr>
+          </a:p>
+          <a:p>
+            <a:pPr marL="0" marR="0">
+              <a:lnSpc>
+                <a:spcPct val="115000"/>
+              </a:lnSpc>
+              <a:spcBef>
+                <a:spcPts val="0"/>
+              </a:spcBef>
+              <a:spcAft>
+                <a:spcPts val="0"/>
+              </a:spcAft>
+            </a:pPr>
+            <a:r>
+              <a:rPr lang="en-US" sz="1800" dirty="0">
+                <a:effectLst/>
+                <a:latin typeface="Times New Roman" panose="02020603050405020304" pitchFamily="18" charset="0"/>
+                <a:ea typeface="Times New Roman" panose="02020603050405020304" pitchFamily="18" charset="0"/>
+              </a:rPr>
+              <a:t>The drone exhibited stable flight performance during test trials, successfully maneuvering in both open and obstacle-rich environments. The implementation of sensor fusion techniques and PID tuning enhanced flight stability, ensuring smooth navigation and minimal drift.</a:t>
+            </a:r>
+            <a:endParaRPr lang="en-US" sz="1800" dirty="0">
+              <a:effectLst/>
+              <a:latin typeface="Arial" panose="020B0604020202020204" pitchFamily="34" charset="0"/>
+              <a:ea typeface="Arial" panose="020B0604020202020204" pitchFamily="34" charset="0"/>
+            </a:endParaRPr>
+          </a:p>
+          <a:p>
+            <a:pPr marL="0" marR="0">
+              <a:lnSpc>
+                <a:spcPct val="115000"/>
+              </a:lnSpc>
+              <a:spcBef>
+                <a:spcPts val="0"/>
+              </a:spcBef>
+              <a:spcAft>
+                <a:spcPts val="0"/>
+              </a:spcAft>
+            </a:pPr>
+            <a:r>
+              <a:rPr lang="en-US" sz="1800" b="1" dirty="0">
+                <a:effectLst/>
+                <a:latin typeface="Times New Roman" panose="02020603050405020304" pitchFamily="18" charset="0"/>
+                <a:ea typeface="Times New Roman" panose="02020603050405020304" pitchFamily="18" charset="0"/>
+              </a:rPr>
+              <a:t>2. Video Transmission and Data Processing</a:t>
+            </a:r>
+            <a:endParaRPr lang="en-US" sz="1800" dirty="0">
+              <a:effectLst/>
+              <a:latin typeface="Arial" panose="020B0604020202020204" pitchFamily="34" charset="0"/>
+              <a:ea typeface="Arial" panose="020B0604020202020204" pitchFamily="34" charset="0"/>
+            </a:endParaRPr>
+          </a:p>
+          <a:p>
+            <a:pPr marL="0" marR="0">
+              <a:lnSpc>
+                <a:spcPct val="115000"/>
+              </a:lnSpc>
+              <a:spcBef>
+                <a:spcPts val="0"/>
+              </a:spcBef>
+              <a:spcAft>
+                <a:spcPts val="0"/>
+              </a:spcAft>
+            </a:pPr>
+            <a:r>
+              <a:rPr lang="en-US" sz="1800" dirty="0">
+                <a:effectLst/>
+                <a:latin typeface="Times New Roman" panose="02020603050405020304" pitchFamily="18" charset="0"/>
+                <a:ea typeface="Times New Roman" panose="02020603050405020304" pitchFamily="18" charset="0"/>
+              </a:rPr>
+              <a:t>Real-time video transmission was achieved with minimal latency, allowing emergency teams to receive live footage without significant delays. The implementation of a high-gain antenna and optimized transmission protocols ensured reliable communication over long distances.</a:t>
+            </a:r>
+            <a:endParaRPr lang="en-US" sz="1800" dirty="0">
+              <a:effectLst/>
+              <a:latin typeface="Arial" panose="020B0604020202020204" pitchFamily="34" charset="0"/>
+              <a:ea typeface="Arial" panose="020B0604020202020204" pitchFamily="34" charset="0"/>
+            </a:endParaRPr>
+          </a:p>
+          <a:p>
+            <a:pPr marL="0" marR="0">
+              <a:lnSpc>
+                <a:spcPct val="115000"/>
+              </a:lnSpc>
+              <a:spcBef>
+                <a:spcPts val="0"/>
+              </a:spcBef>
+              <a:spcAft>
+                <a:spcPts val="0"/>
+              </a:spcAft>
+            </a:pPr>
+            <a:r>
+              <a:rPr lang="en-US" sz="1800" b="1" dirty="0">
+                <a:effectLst/>
+                <a:latin typeface="Times New Roman" panose="02020603050405020304" pitchFamily="18" charset="0"/>
+                <a:ea typeface="Times New Roman" panose="02020603050405020304" pitchFamily="18" charset="0"/>
+              </a:rPr>
+              <a:t>3. Autonomous Navigation and Obstacle Avoidance</a:t>
+            </a:r>
+            <a:endParaRPr lang="en-US" sz="1800" dirty="0">
+              <a:effectLst/>
+              <a:latin typeface="Arial" panose="020B0604020202020204" pitchFamily="34" charset="0"/>
+              <a:ea typeface="Arial" panose="020B0604020202020204" pitchFamily="34" charset="0"/>
+            </a:endParaRPr>
+          </a:p>
+          <a:p>
+            <a:pPr marL="0" marR="0">
+              <a:lnSpc>
+                <a:spcPct val="115000"/>
+              </a:lnSpc>
+              <a:spcBef>
+                <a:spcPts val="0"/>
+              </a:spcBef>
+              <a:spcAft>
+                <a:spcPts val="0"/>
+              </a:spcAft>
+            </a:pPr>
+            <a:r>
+              <a:rPr lang="en-US" sz="1800" dirty="0">
+                <a:effectLst/>
+                <a:latin typeface="Times New Roman" panose="02020603050405020304" pitchFamily="18" charset="0"/>
+                <a:ea typeface="Times New Roman" panose="02020603050405020304" pitchFamily="18" charset="0"/>
+              </a:rPr>
+              <a:t>The drone was able to follow predefined flight paths autonomously and demonstrated effective obstacle avoidance capabilities using onboard sensors. Path-planning algorithms helped optimize flight routes for efficient coverage of disaster zones.</a:t>
+            </a:r>
+            <a:endParaRPr lang="en-US" sz="1800" dirty="0">
+              <a:effectLst/>
+              <a:latin typeface="Arial" panose="020B0604020202020204" pitchFamily="34" charset="0"/>
+              <a:ea typeface="Arial" panose="020B0604020202020204" pitchFamily="34" charset="0"/>
+            </a:endParaRPr>
+          </a:p>
+          <a:p>
+            <a:pPr marL="0" marR="0">
+              <a:lnSpc>
+                <a:spcPct val="115000"/>
+              </a:lnSpc>
+              <a:spcBef>
+                <a:spcPts val="0"/>
+              </a:spcBef>
+              <a:spcAft>
+                <a:spcPts val="0"/>
+              </a:spcAft>
+            </a:pPr>
+            <a:r>
+              <a:rPr lang="en-US" sz="1800" b="1" dirty="0">
+                <a:effectLst/>
+                <a:latin typeface="Times New Roman" panose="02020603050405020304" pitchFamily="18" charset="0"/>
+                <a:ea typeface="Times New Roman" panose="02020603050405020304" pitchFamily="18" charset="0"/>
+              </a:rPr>
+              <a:t>4. Battery Performance and Flight Duration</a:t>
+            </a:r>
+            <a:endParaRPr lang="en-US" sz="1800" dirty="0">
+              <a:effectLst/>
+              <a:latin typeface="Arial" panose="020B0604020202020204" pitchFamily="34" charset="0"/>
+              <a:ea typeface="Arial" panose="020B0604020202020204" pitchFamily="34" charset="0"/>
+            </a:endParaRPr>
+          </a:p>
+          <a:p>
+            <a:pPr marL="0" marR="0">
+              <a:lnSpc>
+                <a:spcPct val="115000"/>
+              </a:lnSpc>
+              <a:spcBef>
+                <a:spcPts val="0"/>
+              </a:spcBef>
+              <a:spcAft>
+                <a:spcPts val="0"/>
+              </a:spcAft>
+            </a:pPr>
+            <a:r>
+              <a:rPr lang="en-US" sz="1800" dirty="0">
+                <a:effectLst/>
+                <a:latin typeface="Times New Roman" panose="02020603050405020304" pitchFamily="18" charset="0"/>
+                <a:ea typeface="Times New Roman" panose="02020603050405020304" pitchFamily="18" charset="0"/>
+              </a:rPr>
+              <a:t>Power management optimizations resulted in extended flight time, allowing the drone to operate for longer durations without frequent battery replacements. This ensured that the drone could cover larger areas without interruption.</a:t>
+            </a:r>
+            <a:endParaRPr lang="en-US" sz="1800" dirty="0">
+              <a:effectLst/>
+              <a:latin typeface="Arial" panose="020B0604020202020204" pitchFamily="34" charset="0"/>
+              <a:ea typeface="Arial" panose="020B0604020202020204" pitchFamily="34" charset="0"/>
+            </a:endParaRPr>
+          </a:p>
+          <a:p>
+            <a:pPr marL="0" marR="0">
+              <a:lnSpc>
+                <a:spcPct val="115000"/>
+              </a:lnSpc>
+              <a:spcBef>
+                <a:spcPts val="0"/>
+              </a:spcBef>
+              <a:spcAft>
+                <a:spcPts val="0"/>
+              </a:spcAft>
+            </a:pPr>
+            <a:r>
+              <a:rPr lang="en-US" sz="1800" dirty="0">
+                <a:effectLst/>
+                <a:latin typeface="Times New Roman" panose="02020603050405020304" pitchFamily="18" charset="0"/>
+                <a:ea typeface="Times New Roman" panose="02020603050405020304" pitchFamily="18" charset="0"/>
+              </a:rPr>
+              <a:t>Overall, the project demonstrated the feasibility of deploying an emergency support drone for disaster response, highlighting its potential to significantly enhance emergency management and rescue operations.</a:t>
+            </a:r>
+            <a:endParaRPr lang="en-US" sz="1800" dirty="0">
+              <a:effectLst/>
+              <a:latin typeface="Arial" panose="020B0604020202020204" pitchFamily="34" charset="0"/>
+              <a:ea typeface="Arial" panose="020B0604020202020204" pitchFamily="34" charset="0"/>
+            </a:endParaRPr>
+          </a:p>
+          <a:p>
+            <a:pPr marL="0" marR="0" lvl="0" indent="0" rtl="0">
+              <a:lnSpc>
+                <a:spcPct val="100000"/>
+              </a:lnSpc>
+              <a:spcBef>
+                <a:spcPts val="0"/>
+              </a:spcBef>
+              <a:spcAft>
+                <a:spcPts val="0"/>
+              </a:spcAft>
+              <a:buNone/>
+            </a:pPr>
+            <a:endParaRPr lang="en-IN" dirty="0">
+              <a:latin typeface="Verdana" panose="020B0604030504040204" pitchFamily="34" charset="0"/>
+              <a:ea typeface="Verdana" panose="020B0604030504040204" pitchFamily="34" charset="0"/>
+            </a:endParaRPr>
+          </a:p>
+        </p:txBody>
+      </p:sp>
+    </p:spTree>
+    <p:extLst>
+      <p:ext uri="{BB962C8B-B14F-4D97-AF65-F5344CB8AC3E}">
+        <p14:creationId xmlns:p14="http://schemas.microsoft.com/office/powerpoint/2010/main" val="2761468039"/>
+      </p:ext>
+    </p:extLst>
+  </p:cSld>
+  <p:clrMapOvr>
+    <a:masterClrMapping/>
+  </p:clrMapOvr>
+</p:sld>
+</file>
+
+<file path=ppt/slides/slide11.xml><?xml version="1.0" encoding="utf-8"?>
+<p:sld xmlns:a="http://schemas.openxmlformats.org/drawingml/2006/main" xmlns:r="http://schemas.openxmlformats.org/officeDocument/2006/relationships" xmlns:p="http://schemas.openxmlformats.org/presentationml/2006/main">
+  <p:cSld>
+    <p:spTree>
+      <p:nvGrpSpPr>
+        <p:cNvPr id="1" name="">
+          <a:extLst>
+            <a:ext uri="{FF2B5EF4-FFF2-40B4-BE49-F238E27FC236}">
               <a16:creationId xmlns:a16="http://schemas.microsoft.com/office/drawing/2014/main" id="{866E2842-485B-A1BA-74A8-3079DADFFA4D}"/>
             </a:ext>
           </a:extLst>
@@ -8474,7 +8889,7 @@
 </p:sld>
 </file>
 
-<file path=ppt/slides/slide11.xml><?xml version="1.0" encoding="utf-8"?>
+<file path=ppt/slides/slide12.xml><?xml version="1.0" encoding="utf-8"?>
 <p:sld xmlns:a="http://schemas.openxmlformats.org/drawingml/2006/main" xmlns:r="http://schemas.openxmlformats.org/officeDocument/2006/relationships" xmlns:p="http://schemas.openxmlformats.org/presentationml/2006/main">
   <p:cSld>
     <p:spTree>
@@ -8627,7 +9042,7 @@
           </a:bodyPr>
           <a:lstStyle/>
           <a:p>
-            <a:pPr marL="0" marR="0" lvl="0" indent="0" rtl="0">
+            <a:pPr marL="0" marR="0" lvl="0" indent="0" algn="ctr" rtl="0">
               <a:lnSpc>
                 <a:spcPct val="100000"/>
               </a:lnSpc>
@@ -8640,15 +9055,22 @@
               <a:buNone/>
             </a:pPr>
             <a:r>
-              <a:rPr lang="en-IN" b="1" dirty="0">
-                <a:latin typeface="Verdana" panose="020B0604030504040204" pitchFamily="34" charset="0"/>
+              <a:rPr lang="en-IN" sz="2000" b="1" u="sng" dirty="0">
+                <a:latin typeface="+mn-lt"/>
                 <a:ea typeface="Verdana" panose="020B0604030504040204" pitchFamily="34" charset="0"/>
               </a:rPr>
-              <a:t>Summary and Conclusion </a:t>
-            </a:r>
-          </a:p>
-          <a:p>
-            <a:pPr marL="0" marR="0" lvl="0" indent="0" rtl="0">
+              <a:t>Summary and Conclusion</a:t>
+            </a:r>
+            <a:r>
+              <a:rPr lang="en-IN" sz="1600" b="1" dirty="0">
+                <a:latin typeface="+mn-lt"/>
+                <a:ea typeface="Verdana" panose="020B0604030504040204" pitchFamily="34" charset="0"/>
+              </a:rPr>
+              <a:t> </a:t>
+            </a:r>
+          </a:p>
+          <a:p>
+            <a:pPr marL="0" marR="0" lvl="0" indent="0" algn="ctr" rtl="0">
               <a:lnSpc>
                 <a:spcPct val="100000"/>
               </a:lnSpc>
@@ -8660,13 +9082,251 @@
               </a:spcAft>
               <a:buNone/>
             </a:pPr>
-            <a:endParaRPr lang="en-IN" dirty="0">
-              <a:latin typeface="Verdana" panose="020B0604030504040204" pitchFamily="34" charset="0"/>
+            <a:endParaRPr lang="en-IN" sz="1600" b="1" dirty="0">
+              <a:latin typeface="+mn-lt"/>
               <a:ea typeface="Verdana" panose="020B0604030504040204" pitchFamily="34" charset="0"/>
             </a:endParaRPr>
           </a:p>
           <a:p>
-            <a:pPr marL="285750" marR="0" lvl="0" indent="-285750" rtl="0">
+            <a:pPr marL="0" marR="0">
+              <a:lnSpc>
+                <a:spcPct val="115000"/>
+              </a:lnSpc>
+              <a:spcBef>
+                <a:spcPts val="0"/>
+              </a:spcBef>
+              <a:spcAft>
+                <a:spcPts val="0"/>
+              </a:spcAft>
+            </a:pPr>
+            <a:r>
+              <a:rPr lang="en-US" sz="1600" dirty="0">
+                <a:effectLst/>
+                <a:latin typeface="+mn-lt"/>
+                <a:ea typeface="Times New Roman" panose="02020603050405020304" pitchFamily="18" charset="0"/>
+              </a:rPr>
+              <a:t>The development of the emergency support drone has demonstrated the potential of UAV technology in disaster response and emergency services. The project successfully addressed key challenges in reconnaissance, real-time video transmission, and autonomous navigation, making it a viable tool for enhancing situational awareness during natural disasters and accidents.</a:t>
+            </a:r>
+            <a:endParaRPr lang="en-US" dirty="0">
+              <a:effectLst/>
+              <a:latin typeface="+mn-lt"/>
+              <a:ea typeface="Arial" panose="020B0604020202020204" pitchFamily="34" charset="0"/>
+            </a:endParaRPr>
+          </a:p>
+          <a:p>
+            <a:pPr marL="0" marR="0">
+              <a:lnSpc>
+                <a:spcPct val="115000"/>
+              </a:lnSpc>
+              <a:spcBef>
+                <a:spcPts val="0"/>
+              </a:spcBef>
+              <a:spcAft>
+                <a:spcPts val="0"/>
+              </a:spcAft>
+            </a:pPr>
+            <a:r>
+              <a:rPr lang="en-US" sz="1600" dirty="0">
+                <a:effectLst/>
+                <a:latin typeface="+mn-lt"/>
+                <a:ea typeface="Times New Roman" panose="02020603050405020304" pitchFamily="18" charset="0"/>
+              </a:rPr>
+              <a:t>The key conclusions drawn from this project include:</a:t>
+            </a:r>
+            <a:endParaRPr lang="en-US" dirty="0">
+              <a:effectLst/>
+              <a:latin typeface="+mn-lt"/>
+              <a:ea typeface="Arial" panose="020B0604020202020204" pitchFamily="34" charset="0"/>
+            </a:endParaRPr>
+          </a:p>
+          <a:p>
+            <a:pPr marL="342900" marR="0" lvl="0" indent="-342900">
+              <a:lnSpc>
+                <a:spcPct val="115000"/>
+              </a:lnSpc>
+              <a:spcBef>
+                <a:spcPts val="0"/>
+              </a:spcBef>
+              <a:spcAft>
+                <a:spcPts val="0"/>
+              </a:spcAft>
+              <a:buSzPts val="1000"/>
+              <a:buFont typeface="Symbol" panose="05050102010706020507" pitchFamily="18" charset="2"/>
+              <a:buChar char=""/>
+              <a:tabLst>
+                <a:tab pos="457200" algn="l"/>
+              </a:tabLst>
+            </a:pPr>
+            <a:r>
+              <a:rPr lang="en-US" sz="1600" b="1" dirty="0">
+                <a:effectLst/>
+                <a:latin typeface="+mn-lt"/>
+                <a:ea typeface="Times New Roman" panose="02020603050405020304" pitchFamily="18" charset="0"/>
+              </a:rPr>
+              <a:t>Rapid Deployment Capability:</a:t>
+            </a:r>
+            <a:r>
+              <a:rPr lang="en-US" sz="1600" dirty="0">
+                <a:effectLst/>
+                <a:latin typeface="+mn-lt"/>
+                <a:ea typeface="Times New Roman" panose="02020603050405020304" pitchFamily="18" charset="0"/>
+              </a:rPr>
+              <a:t> The drone can be deployed quickly in emergency situations, providing crucial reconnaissance in the early stages of disaster response.</a:t>
+            </a:r>
+            <a:endParaRPr lang="en-US" dirty="0">
+              <a:effectLst/>
+              <a:latin typeface="+mn-lt"/>
+              <a:ea typeface="Arial" panose="020B0604020202020204" pitchFamily="34" charset="0"/>
+            </a:endParaRPr>
+          </a:p>
+          <a:p>
+            <a:pPr marL="342900" marR="0" lvl="0" indent="-342900">
+              <a:lnSpc>
+                <a:spcPct val="115000"/>
+              </a:lnSpc>
+              <a:spcBef>
+                <a:spcPts val="0"/>
+              </a:spcBef>
+              <a:spcAft>
+                <a:spcPts val="0"/>
+              </a:spcAft>
+              <a:buSzPts val="1000"/>
+              <a:buFont typeface="Symbol" panose="05050102010706020507" pitchFamily="18" charset="2"/>
+              <a:buChar char=""/>
+              <a:tabLst>
+                <a:tab pos="457200" algn="l"/>
+              </a:tabLst>
+            </a:pPr>
+            <a:r>
+              <a:rPr lang="en-US" sz="1600" b="1" dirty="0">
+                <a:effectLst/>
+                <a:latin typeface="+mn-lt"/>
+                <a:ea typeface="Times New Roman" panose="02020603050405020304" pitchFamily="18" charset="0"/>
+              </a:rPr>
+              <a:t>Enhanced Situational Awareness:</a:t>
+            </a:r>
+            <a:r>
+              <a:rPr lang="en-US" sz="1600" dirty="0">
+                <a:effectLst/>
+                <a:latin typeface="+mn-lt"/>
+                <a:ea typeface="Times New Roman" panose="02020603050405020304" pitchFamily="18" charset="0"/>
+              </a:rPr>
+              <a:t> Real-time video streaming enables emergency teams to assess damage, locate victims, and coordinate rescue efforts efficiently.</a:t>
+            </a:r>
+            <a:endParaRPr lang="en-US" dirty="0">
+              <a:effectLst/>
+              <a:latin typeface="+mn-lt"/>
+              <a:ea typeface="Arial" panose="020B0604020202020204" pitchFamily="34" charset="0"/>
+            </a:endParaRPr>
+          </a:p>
+          <a:p>
+            <a:pPr marL="342900" marR="0" lvl="0" indent="-342900">
+              <a:lnSpc>
+                <a:spcPct val="115000"/>
+              </a:lnSpc>
+              <a:spcBef>
+                <a:spcPts val="0"/>
+              </a:spcBef>
+              <a:spcAft>
+                <a:spcPts val="0"/>
+              </a:spcAft>
+              <a:buSzPts val="1000"/>
+              <a:buFont typeface="Symbol" panose="05050102010706020507" pitchFamily="18" charset="2"/>
+              <a:buChar char=""/>
+              <a:tabLst>
+                <a:tab pos="457200" algn="l"/>
+              </a:tabLst>
+            </a:pPr>
+            <a:r>
+              <a:rPr lang="en-US" sz="1600" b="1" dirty="0">
+                <a:effectLst/>
+                <a:latin typeface="+mn-lt"/>
+                <a:ea typeface="Times New Roman" panose="02020603050405020304" pitchFamily="18" charset="0"/>
+              </a:rPr>
+              <a:t>Autonomous and Reliable Operation:</a:t>
+            </a:r>
+            <a:r>
+              <a:rPr lang="en-US" sz="1600" dirty="0">
+                <a:effectLst/>
+                <a:latin typeface="+mn-lt"/>
+                <a:ea typeface="Times New Roman" panose="02020603050405020304" pitchFamily="18" charset="0"/>
+              </a:rPr>
+              <a:t> The integration of GPS-based navigation, sensor fusion, and obstacle avoidance ensures stable and autonomous flight, reducing the need for manual intervention.</a:t>
+            </a:r>
+            <a:endParaRPr lang="en-US" dirty="0">
+              <a:effectLst/>
+              <a:latin typeface="+mn-lt"/>
+              <a:ea typeface="Arial" panose="020B0604020202020204" pitchFamily="34" charset="0"/>
+            </a:endParaRPr>
+          </a:p>
+          <a:p>
+            <a:pPr marL="342900" marR="0" lvl="0" indent="-342900">
+              <a:lnSpc>
+                <a:spcPct val="115000"/>
+              </a:lnSpc>
+              <a:spcBef>
+                <a:spcPts val="0"/>
+              </a:spcBef>
+              <a:spcAft>
+                <a:spcPts val="0"/>
+              </a:spcAft>
+              <a:buSzPts val="1000"/>
+              <a:buFont typeface="Symbol" panose="05050102010706020507" pitchFamily="18" charset="2"/>
+              <a:buChar char=""/>
+              <a:tabLst>
+                <a:tab pos="457200" algn="l"/>
+              </a:tabLst>
+            </a:pPr>
+            <a:r>
+              <a:rPr lang="en-US" sz="1600" b="1" dirty="0">
+                <a:effectLst/>
+                <a:latin typeface="+mn-lt"/>
+                <a:ea typeface="Times New Roman" panose="02020603050405020304" pitchFamily="18" charset="0"/>
+              </a:rPr>
+              <a:t>Optimized Power Management:</a:t>
+            </a:r>
+            <a:r>
+              <a:rPr lang="en-US" sz="1600" dirty="0">
+                <a:effectLst/>
+                <a:latin typeface="+mn-lt"/>
+                <a:ea typeface="Times New Roman" panose="02020603050405020304" pitchFamily="18" charset="0"/>
+              </a:rPr>
+              <a:t> Energy-efficient flight paths and battery optimizations allow for extended operation, increasing the effectiveness of reconnaissance missions.</a:t>
+            </a:r>
+            <a:endParaRPr lang="en-US" dirty="0">
+              <a:effectLst/>
+              <a:latin typeface="+mn-lt"/>
+              <a:ea typeface="Arial" panose="020B0604020202020204" pitchFamily="34" charset="0"/>
+            </a:endParaRPr>
+          </a:p>
+          <a:p>
+            <a:pPr marL="0" marR="0">
+              <a:lnSpc>
+                <a:spcPct val="115000"/>
+              </a:lnSpc>
+              <a:spcBef>
+                <a:spcPts val="0"/>
+              </a:spcBef>
+              <a:spcAft>
+                <a:spcPts val="0"/>
+              </a:spcAft>
+            </a:pPr>
+            <a:r>
+              <a:rPr lang="en-US" sz="1600" dirty="0">
+                <a:effectLst/>
+                <a:latin typeface="+mn-lt"/>
+                <a:ea typeface="Times New Roman" panose="02020603050405020304" pitchFamily="18" charset="0"/>
+              </a:rPr>
+              <a:t>Despite the challenges faced, the project successfully achieved its goals, proving that drones can serve as valuable assets in emergency management. Future advancements can further refine the system to make it even more effective for real-world deployment.</a:t>
+            </a:r>
+            <a:endParaRPr lang="en-US" dirty="0">
+              <a:effectLst/>
+              <a:latin typeface="+mn-lt"/>
+              <a:ea typeface="Arial" panose="020B0604020202020204" pitchFamily="34" charset="0"/>
+            </a:endParaRPr>
+          </a:p>
+          <a:p>
+            <a:pPr marR="0" lvl="0" rtl="0">
               <a:lnSpc>
                 <a:spcPct val="100000"/>
               </a:lnSpc>
@@ -8676,206 +9336,8 @@
               <a:spcAft>
                 <a:spcPts val="0"/>
               </a:spcAft>
-              <a:buFont typeface="Arial" panose="020B0604020202020204" pitchFamily="34" charset="0"/>
-              <a:buChar char="•"/>
             </a:pPr>
-            <a:endParaRPr lang="en-IN" dirty="0">
-              <a:latin typeface="Verdana" panose="020B0604030504040204" pitchFamily="34" charset="0"/>
-              <a:ea typeface="Verdana" panose="020B0604030504040204" pitchFamily="34" charset="0"/>
-            </a:endParaRPr>
-          </a:p>
-          <a:p>
-            <a:pPr marR="0" lvl="0" rtl="0">
-              <a:lnSpc>
-                <a:spcPct val="100000"/>
-              </a:lnSpc>
-              <a:spcBef>
-                <a:spcPts val="0"/>
-              </a:spcBef>
-              <a:spcAft>
-                <a:spcPts val="0"/>
-              </a:spcAft>
-            </a:pPr>
-            <a:endParaRPr lang="en-IN" dirty="0">
-              <a:latin typeface="Verdana" panose="020B0604030504040204" pitchFamily="34" charset="0"/>
-              <a:ea typeface="Verdana" panose="020B0604030504040204" pitchFamily="34" charset="0"/>
-            </a:endParaRPr>
-          </a:p>
-          <a:p>
-            <a:pPr marR="0" lvl="0" rtl="0">
-              <a:lnSpc>
-                <a:spcPct val="100000"/>
-              </a:lnSpc>
-              <a:spcBef>
-                <a:spcPts val="0"/>
-              </a:spcBef>
-              <a:spcAft>
-                <a:spcPts val="0"/>
-              </a:spcAft>
-            </a:pPr>
-            <a:endParaRPr lang="en-IN" dirty="0">
-              <a:latin typeface="Verdana" panose="020B0604030504040204" pitchFamily="34" charset="0"/>
-              <a:ea typeface="Verdana" panose="020B0604030504040204" pitchFamily="34" charset="0"/>
-            </a:endParaRPr>
-          </a:p>
-          <a:p>
-            <a:pPr marR="0" lvl="0" rtl="0">
-              <a:lnSpc>
-                <a:spcPct val="100000"/>
-              </a:lnSpc>
-              <a:spcBef>
-                <a:spcPts val="0"/>
-              </a:spcBef>
-              <a:spcAft>
-                <a:spcPts val="0"/>
-              </a:spcAft>
-            </a:pPr>
-            <a:endParaRPr lang="en-IN" dirty="0">
-              <a:latin typeface="Verdana" panose="020B0604030504040204" pitchFamily="34" charset="0"/>
-              <a:ea typeface="Verdana" panose="020B0604030504040204" pitchFamily="34" charset="0"/>
-            </a:endParaRPr>
-          </a:p>
-          <a:p>
-            <a:pPr marR="0" lvl="0" rtl="0">
-              <a:lnSpc>
-                <a:spcPct val="100000"/>
-              </a:lnSpc>
-              <a:spcBef>
-                <a:spcPts val="0"/>
-              </a:spcBef>
-              <a:spcAft>
-                <a:spcPts val="0"/>
-              </a:spcAft>
-            </a:pPr>
-            <a:endParaRPr lang="en-IN" dirty="0">
-              <a:latin typeface="Verdana" panose="020B0604030504040204" pitchFamily="34" charset="0"/>
-              <a:ea typeface="Verdana" panose="020B0604030504040204" pitchFamily="34" charset="0"/>
-            </a:endParaRPr>
-          </a:p>
-          <a:p>
-            <a:pPr marR="0" lvl="0" rtl="0">
-              <a:lnSpc>
-                <a:spcPct val="100000"/>
-              </a:lnSpc>
-              <a:spcBef>
-                <a:spcPts val="0"/>
-              </a:spcBef>
-              <a:spcAft>
-                <a:spcPts val="0"/>
-              </a:spcAft>
-            </a:pPr>
-            <a:endParaRPr lang="en-IN" dirty="0">
-              <a:latin typeface="Verdana" panose="020B0604030504040204" pitchFamily="34" charset="0"/>
-              <a:ea typeface="Verdana" panose="020B0604030504040204" pitchFamily="34" charset="0"/>
-            </a:endParaRPr>
-          </a:p>
-          <a:p>
-            <a:pPr marR="0" lvl="0" rtl="0">
-              <a:lnSpc>
-                <a:spcPct val="100000"/>
-              </a:lnSpc>
-              <a:spcBef>
-                <a:spcPts val="0"/>
-              </a:spcBef>
-              <a:spcAft>
-                <a:spcPts val="0"/>
-              </a:spcAft>
-            </a:pPr>
-            <a:endParaRPr lang="en-IN" dirty="0">
-              <a:latin typeface="Verdana" panose="020B0604030504040204" pitchFamily="34" charset="0"/>
-              <a:ea typeface="Verdana" panose="020B0604030504040204" pitchFamily="34" charset="0"/>
-            </a:endParaRPr>
-          </a:p>
-          <a:p>
-            <a:pPr marR="0" lvl="0" rtl="0">
-              <a:lnSpc>
-                <a:spcPct val="100000"/>
-              </a:lnSpc>
-              <a:spcBef>
-                <a:spcPts val="0"/>
-              </a:spcBef>
-              <a:spcAft>
-                <a:spcPts val="0"/>
-              </a:spcAft>
-            </a:pPr>
-            <a:endParaRPr lang="en-IN" dirty="0">
-              <a:latin typeface="Verdana" panose="020B0604030504040204" pitchFamily="34" charset="0"/>
-              <a:ea typeface="Verdana" panose="020B0604030504040204" pitchFamily="34" charset="0"/>
-            </a:endParaRPr>
-          </a:p>
-          <a:p>
-            <a:pPr marR="0" lvl="0" rtl="0">
-              <a:lnSpc>
-                <a:spcPct val="100000"/>
-              </a:lnSpc>
-              <a:spcBef>
-                <a:spcPts val="0"/>
-              </a:spcBef>
-              <a:spcAft>
-                <a:spcPts val="0"/>
-              </a:spcAft>
-            </a:pPr>
-            <a:endParaRPr lang="en-IN" dirty="0">
-              <a:latin typeface="Verdana" panose="020B0604030504040204" pitchFamily="34" charset="0"/>
-              <a:ea typeface="Verdana" panose="020B0604030504040204" pitchFamily="34" charset="0"/>
-            </a:endParaRPr>
-          </a:p>
-          <a:p>
-            <a:pPr marR="0" lvl="0" rtl="0">
-              <a:lnSpc>
-                <a:spcPct val="100000"/>
-              </a:lnSpc>
-              <a:spcBef>
-                <a:spcPts val="0"/>
-              </a:spcBef>
-              <a:spcAft>
-                <a:spcPts val="0"/>
-              </a:spcAft>
-            </a:pPr>
-            <a:endParaRPr lang="en-IN" dirty="0">
-              <a:latin typeface="Verdana" panose="020B0604030504040204" pitchFamily="34" charset="0"/>
-              <a:ea typeface="Verdana" panose="020B0604030504040204" pitchFamily="34" charset="0"/>
-            </a:endParaRPr>
-          </a:p>
-          <a:p>
-            <a:pPr marR="0" lvl="0" rtl="0">
-              <a:lnSpc>
-                <a:spcPct val="100000"/>
-              </a:lnSpc>
-              <a:spcBef>
-                <a:spcPts val="0"/>
-              </a:spcBef>
-              <a:spcAft>
-                <a:spcPts val="0"/>
-              </a:spcAft>
-            </a:pPr>
-            <a:endParaRPr lang="en-IN" dirty="0">
-              <a:latin typeface="Verdana" panose="020B0604030504040204" pitchFamily="34" charset="0"/>
-              <a:ea typeface="Verdana" panose="020B0604030504040204" pitchFamily="34" charset="0"/>
-            </a:endParaRPr>
-          </a:p>
-          <a:p>
-            <a:r>
-              <a:rPr lang="en-IN" b="1" dirty="0">
-                <a:latin typeface="Verdana" panose="020B0604030504040204" pitchFamily="34" charset="0"/>
-                <a:ea typeface="Verdana" panose="020B0604030504040204" pitchFamily="34" charset="0"/>
-              </a:rPr>
-              <a:t>Future Work</a:t>
-            </a:r>
-          </a:p>
-          <a:p>
-            <a:pPr marR="0" lvl="0" rtl="0">
-              <a:lnSpc>
-                <a:spcPct val="100000"/>
-              </a:lnSpc>
-              <a:spcBef>
-                <a:spcPts val="0"/>
-              </a:spcBef>
-              <a:spcAft>
-                <a:spcPts val="0"/>
-              </a:spcAft>
-            </a:pPr>
-            <a:endParaRPr lang="en-IN" dirty="0">
+            <a:endParaRPr lang="en-IN" sz="1600" dirty="0">
               <a:latin typeface="Verdana" panose="020B0604030504040204" pitchFamily="34" charset="0"/>
               <a:ea typeface="Verdana" panose="020B0604030504040204" pitchFamily="34" charset="0"/>
             </a:endParaRPr>
@@ -8895,7 +9357,580 @@
 </p:sld>
 </file>
 
-<file path=ppt/slides/slide12.xml><?xml version="1.0" encoding="utf-8"?>
+<file path=ppt/slides/slide13.xml><?xml version="1.0" encoding="utf-8"?>
+<p:sld xmlns:a="http://schemas.openxmlformats.org/drawingml/2006/main" xmlns:r="http://schemas.openxmlformats.org/officeDocument/2006/relationships" xmlns:p="http://schemas.openxmlformats.org/presentationml/2006/main">
+  <p:cSld>
+    <p:spTree>
+      <p:nvGrpSpPr>
+        <p:cNvPr id="1" name="">
+          <a:extLst>
+            <a:ext uri="{FF2B5EF4-FFF2-40B4-BE49-F238E27FC236}">
+              <a16:creationId xmlns:a16="http://schemas.microsoft.com/office/drawing/2014/main" id="{B7EA98FA-4F35-C93F-73A2-485950D05BBB}"/>
+            </a:ext>
+          </a:extLst>
+        </p:cNvPr>
+        <p:cNvGrpSpPr/>
+        <p:nvPr/>
+      </p:nvGrpSpPr>
+      <p:grpSpPr>
+        <a:xfrm>
+          <a:off x="0" y="0"/>
+          <a:ext cx="0" cy="0"/>
+          <a:chOff x="0" y="0"/>
+          <a:chExt cx="0" cy="0"/>
+        </a:xfrm>
+      </p:grpSpPr>
+      <p:sp>
+        <p:nvSpPr>
+          <p:cNvPr id="3" name="Slide Number Placeholder 2">
+            <a:extLst>
+              <a:ext uri="{FF2B5EF4-FFF2-40B4-BE49-F238E27FC236}">
+                <a16:creationId xmlns:a16="http://schemas.microsoft.com/office/drawing/2014/main" id="{C4132046-4ACE-A1E3-4010-52881C9836A3}"/>
+              </a:ext>
+            </a:extLst>
+          </p:cNvPr>
+          <p:cNvSpPr>
+            <a:spLocks noGrp="1"/>
+          </p:cNvSpPr>
+          <p:nvPr>
+            <p:ph type="sldNum" idx="12"/>
+          </p:nvPr>
+        </p:nvSpPr>
+        <p:spPr/>
+        <p:txBody>
+          <a:bodyPr/>
+          <a:lstStyle/>
+          <a:p>
+            <a:r>
+              <a:t>Challenges and Solutions</a:t>
+            </a:r>
+          </a:p>
+        </p:txBody>
+      </p:sp>
+      <p:sp>
+        <p:nvSpPr>
+          <p:cNvPr id="4" name="Google Shape;125;p3">
+            <a:extLst>
+              <a:ext uri="{FF2B5EF4-FFF2-40B4-BE49-F238E27FC236}">
+                <a16:creationId xmlns:a16="http://schemas.microsoft.com/office/drawing/2014/main" id="{9BB43107-1A1B-029D-C73C-2126600571B2}"/>
+              </a:ext>
+            </a:extLst>
+          </p:cNvPr>
+          <p:cNvSpPr txBox="1"/>
+          <p:nvPr/>
+        </p:nvSpPr>
+        <p:spPr>
+          <a:xfrm>
+            <a:off x="1000124" y="232275"/>
+            <a:ext cx="10515600" cy="493857"/>
+          </a:xfrm>
+          <a:prstGeom prst="rect">
+            <a:avLst/>
+          </a:prstGeom>
+          <a:noFill/>
+          <a:ln>
+            <a:noFill/>
+          </a:ln>
+        </p:spPr>
+        <p:txBody>
+          <a:bodyPr spcFirstLastPara="1" wrap="square" lIns="91425" tIns="45700" rIns="91425" bIns="45700" anchor="t" anchorCtr="0">
+            <a:noAutofit/>
+          </a:bodyPr>
+          <a:lstStyle/>
+          <a:p>
+            <a:pPr marL="0" marR="0" lvl="0" indent="0" algn="ctr" rtl="0">
+              <a:lnSpc>
+                <a:spcPct val="100000"/>
+              </a:lnSpc>
+              <a:spcBef>
+                <a:spcPts val="0"/>
+              </a:spcBef>
+              <a:spcAft>
+                <a:spcPts val="0"/>
+              </a:spcAft>
+              <a:buClr>
+                <a:srgbClr val="000000"/>
+              </a:buClr>
+              <a:buSzPts val="2400"/>
+              <a:buFont typeface="Arial"/>
+              <a:buNone/>
+            </a:pPr>
+            <a:r>
+              <a:rPr lang="en-US" sz="2400" b="1" i="0" u="none" strike="noStrike" cap="none" dirty="0">
+                <a:solidFill>
+                  <a:srgbClr val="000000"/>
+                </a:solidFill>
+                <a:latin typeface="Montserrat"/>
+                <a:ea typeface="Montserrat"/>
+                <a:cs typeface="Montserrat"/>
+                <a:sym typeface="Montserrat"/>
+              </a:rPr>
+              <a:t>Conclusion &amp; Future Work</a:t>
+            </a:r>
+            <a:endParaRPr lang="en-US" sz="1400" b="0" i="0" u="none" strike="noStrike" cap="none" dirty="0">
+              <a:solidFill>
+                <a:srgbClr val="000000"/>
+              </a:solidFill>
+              <a:latin typeface="Arial"/>
+              <a:ea typeface="Arial"/>
+              <a:cs typeface="Arial"/>
+              <a:sym typeface="Arial"/>
+            </a:endParaRPr>
+          </a:p>
+        </p:txBody>
+      </p:sp>
+      <p:sp>
+        <p:nvSpPr>
+          <p:cNvPr id="5" name="Google Shape;125;p3">
+            <a:extLst>
+              <a:ext uri="{FF2B5EF4-FFF2-40B4-BE49-F238E27FC236}">
+                <a16:creationId xmlns:a16="http://schemas.microsoft.com/office/drawing/2014/main" id="{8EB3901A-2C1A-A66B-C9AE-81E8FAFAB4FF}"/>
+              </a:ext>
+            </a:extLst>
+          </p:cNvPr>
+          <p:cNvSpPr txBox="1"/>
+          <p:nvPr/>
+        </p:nvSpPr>
+        <p:spPr>
+          <a:xfrm>
+            <a:off x="452283" y="871532"/>
+            <a:ext cx="11326761" cy="5735761"/>
+          </a:xfrm>
+          <a:prstGeom prst="rect">
+            <a:avLst/>
+          </a:prstGeom>
+          <a:noFill/>
+          <a:ln>
+            <a:noFill/>
+          </a:ln>
+        </p:spPr>
+        <p:txBody>
+          <a:bodyPr spcFirstLastPara="1" wrap="square" lIns="91425" tIns="45700" rIns="91425" bIns="45700" anchor="t" anchorCtr="0">
+            <a:noAutofit/>
+          </a:bodyPr>
+          <a:lstStyle/>
+          <a:p>
+            <a:pPr marL="0" marR="0" lvl="0" indent="0" algn="ctr" rtl="0">
+              <a:lnSpc>
+                <a:spcPct val="100000"/>
+              </a:lnSpc>
+              <a:spcBef>
+                <a:spcPts val="0"/>
+              </a:spcBef>
+              <a:spcAft>
+                <a:spcPts val="0"/>
+              </a:spcAft>
+              <a:buNone/>
+            </a:pPr>
+            <a:r>
+              <a:rPr lang="en-IN" sz="2000" b="1" u="sng" dirty="0">
+                <a:latin typeface="+mn-lt"/>
+                <a:ea typeface="Verdana" panose="020B0604030504040204" pitchFamily="34" charset="0"/>
+              </a:rPr>
+              <a:t>FUTURE WORK</a:t>
+            </a:r>
+          </a:p>
+          <a:p>
+            <a:pPr marL="0" marR="0" lvl="0" indent="0" rtl="0">
+              <a:lnSpc>
+                <a:spcPct val="100000"/>
+              </a:lnSpc>
+              <a:spcBef>
+                <a:spcPts val="0"/>
+              </a:spcBef>
+              <a:spcAft>
+                <a:spcPts val="0"/>
+              </a:spcAft>
+              <a:buNone/>
+            </a:pPr>
+            <a:endParaRPr lang="en-IN" sz="1300" b="1" u="sng" dirty="0">
+              <a:latin typeface="+mn-lt"/>
+              <a:ea typeface="Verdana" panose="020B0604030504040204" pitchFamily="34" charset="0"/>
+            </a:endParaRPr>
+          </a:p>
+          <a:p>
+            <a:pPr marL="0" marR="0">
+              <a:lnSpc>
+                <a:spcPct val="115000"/>
+              </a:lnSpc>
+              <a:spcBef>
+                <a:spcPts val="0"/>
+              </a:spcBef>
+              <a:spcAft>
+                <a:spcPts val="0"/>
+              </a:spcAft>
+            </a:pPr>
+            <a:r>
+              <a:rPr lang="en-US" sz="1300" dirty="0">
+                <a:effectLst/>
+                <a:latin typeface="+mn-lt"/>
+                <a:ea typeface="Times New Roman" panose="02020603050405020304" pitchFamily="18" charset="0"/>
+              </a:rPr>
+              <a:t>W</a:t>
+            </a:r>
+            <a:r>
+              <a:rPr lang="en-US" dirty="0">
+                <a:effectLst/>
+                <a:latin typeface="+mn-lt"/>
+                <a:ea typeface="Times New Roman" panose="02020603050405020304" pitchFamily="18" charset="0"/>
+              </a:rPr>
+              <a:t>hile the emergency support drone demonstrated strong performance in its current state, there are several areas for further improvement and expansion to enhance its capabilities.</a:t>
+            </a:r>
+            <a:endParaRPr lang="en-US" dirty="0">
+              <a:effectLst/>
+              <a:latin typeface="+mn-lt"/>
+              <a:ea typeface="Arial" panose="020B0604020202020204" pitchFamily="34" charset="0"/>
+            </a:endParaRPr>
+          </a:p>
+          <a:p>
+            <a:pPr marL="0" marR="0">
+              <a:lnSpc>
+                <a:spcPct val="115000"/>
+              </a:lnSpc>
+              <a:spcBef>
+                <a:spcPts val="0"/>
+              </a:spcBef>
+              <a:spcAft>
+                <a:spcPts val="0"/>
+              </a:spcAft>
+            </a:pPr>
+            <a:r>
+              <a:rPr lang="en-US" b="1" dirty="0">
+                <a:effectLst/>
+                <a:latin typeface="+mn-lt"/>
+                <a:ea typeface="Times New Roman" panose="02020603050405020304" pitchFamily="18" charset="0"/>
+              </a:rPr>
+              <a:t>1. AI-Powered Disaster Assessment</a:t>
+            </a:r>
+            <a:endParaRPr lang="en-US" dirty="0">
+              <a:effectLst/>
+              <a:latin typeface="+mn-lt"/>
+              <a:ea typeface="Arial" panose="020B0604020202020204" pitchFamily="34" charset="0"/>
+            </a:endParaRPr>
+          </a:p>
+          <a:p>
+            <a:pPr marL="0" marR="0">
+              <a:lnSpc>
+                <a:spcPct val="115000"/>
+              </a:lnSpc>
+              <a:spcBef>
+                <a:spcPts val="0"/>
+              </a:spcBef>
+              <a:spcAft>
+                <a:spcPts val="0"/>
+              </a:spcAft>
+            </a:pPr>
+            <a:r>
+              <a:rPr lang="en-US" dirty="0">
+                <a:effectLst/>
+                <a:latin typeface="+mn-lt"/>
+                <a:ea typeface="Times New Roman" panose="02020603050405020304" pitchFamily="18" charset="0"/>
+              </a:rPr>
+              <a:t>Incorporating artificial intelligence (AI) for automated hazard detection and victim identification would improve the drone’s effectiveness. Machine learning algorithms could analyze video footage to detect collapsed buildings, fires, or stranded individuals, enabling faster response.</a:t>
+            </a:r>
+            <a:endParaRPr lang="en-US" dirty="0">
+              <a:effectLst/>
+              <a:latin typeface="+mn-lt"/>
+              <a:ea typeface="Arial" panose="020B0604020202020204" pitchFamily="34" charset="0"/>
+            </a:endParaRPr>
+          </a:p>
+          <a:p>
+            <a:pPr marL="0" marR="0">
+              <a:lnSpc>
+                <a:spcPct val="115000"/>
+              </a:lnSpc>
+              <a:spcBef>
+                <a:spcPts val="0"/>
+              </a:spcBef>
+              <a:spcAft>
+                <a:spcPts val="0"/>
+              </a:spcAft>
+            </a:pPr>
+            <a:r>
+              <a:rPr lang="en-US" b="1" dirty="0">
+                <a:effectLst/>
+                <a:latin typeface="+mn-lt"/>
+                <a:ea typeface="Times New Roman" panose="02020603050405020304" pitchFamily="18" charset="0"/>
+              </a:rPr>
+              <a:t>2. Improved Power Management and Flight Duration</a:t>
+            </a:r>
+            <a:endParaRPr lang="en-US" dirty="0">
+              <a:effectLst/>
+              <a:latin typeface="+mn-lt"/>
+              <a:ea typeface="Arial" panose="020B0604020202020204" pitchFamily="34" charset="0"/>
+            </a:endParaRPr>
+          </a:p>
+          <a:p>
+            <a:pPr marL="0" marR="0">
+              <a:lnSpc>
+                <a:spcPct val="115000"/>
+              </a:lnSpc>
+              <a:spcBef>
+                <a:spcPts val="0"/>
+              </a:spcBef>
+              <a:spcAft>
+                <a:spcPts val="0"/>
+              </a:spcAft>
+            </a:pPr>
+            <a:r>
+              <a:rPr lang="en-US" dirty="0">
+                <a:effectLst/>
+                <a:latin typeface="+mn-lt"/>
+                <a:ea typeface="Times New Roman" panose="02020603050405020304" pitchFamily="18" charset="0"/>
+              </a:rPr>
+              <a:t>Future versions of the drone could utilize advanced battery technologies, such as hydrogen fuel cells or solar-powered charging, to further extend flight time. Additionally, energy-efficient flight planning algorithms could optimize battery consumption.</a:t>
+            </a:r>
+            <a:endParaRPr lang="en-US" dirty="0">
+              <a:effectLst/>
+              <a:latin typeface="+mn-lt"/>
+              <a:ea typeface="Arial" panose="020B0604020202020204" pitchFamily="34" charset="0"/>
+            </a:endParaRPr>
+          </a:p>
+          <a:p>
+            <a:pPr marL="0" marR="0">
+              <a:lnSpc>
+                <a:spcPct val="115000"/>
+              </a:lnSpc>
+              <a:spcBef>
+                <a:spcPts val="0"/>
+              </a:spcBef>
+              <a:spcAft>
+                <a:spcPts val="0"/>
+              </a:spcAft>
+            </a:pPr>
+            <a:r>
+              <a:rPr lang="en-US" b="1" dirty="0">
+                <a:effectLst/>
+                <a:latin typeface="+mn-lt"/>
+                <a:ea typeface="Times New Roman" panose="02020603050405020304" pitchFamily="18" charset="0"/>
+              </a:rPr>
+              <a:t>3. Integration with 5G Networks</a:t>
+            </a:r>
+            <a:endParaRPr lang="en-US" dirty="0">
+              <a:effectLst/>
+              <a:latin typeface="+mn-lt"/>
+              <a:ea typeface="Arial" panose="020B0604020202020204" pitchFamily="34" charset="0"/>
+            </a:endParaRPr>
+          </a:p>
+          <a:p>
+            <a:pPr marL="0" marR="0">
+              <a:lnSpc>
+                <a:spcPct val="115000"/>
+              </a:lnSpc>
+              <a:spcBef>
+                <a:spcPts val="0"/>
+              </a:spcBef>
+              <a:spcAft>
+                <a:spcPts val="0"/>
+              </a:spcAft>
+            </a:pPr>
+            <a:r>
+              <a:rPr lang="en-US" dirty="0">
+                <a:effectLst/>
+                <a:latin typeface="+mn-lt"/>
+                <a:ea typeface="Times New Roman" panose="02020603050405020304" pitchFamily="18" charset="0"/>
+              </a:rPr>
+              <a:t>The implementation of 5G technology would significantly enhance data transmission speeds, reducing latency and improving the reliability of live video streaming. This would allow emergency teams to receive high-quality footage in real-time, even in remote areas.</a:t>
+            </a:r>
+            <a:endParaRPr lang="en-US" dirty="0">
+              <a:effectLst/>
+              <a:latin typeface="+mn-lt"/>
+              <a:ea typeface="Arial" panose="020B0604020202020204" pitchFamily="34" charset="0"/>
+            </a:endParaRPr>
+          </a:p>
+          <a:p>
+            <a:pPr marL="0" marR="0">
+              <a:lnSpc>
+                <a:spcPct val="115000"/>
+              </a:lnSpc>
+              <a:spcBef>
+                <a:spcPts val="0"/>
+              </a:spcBef>
+              <a:spcAft>
+                <a:spcPts val="0"/>
+              </a:spcAft>
+            </a:pPr>
+            <a:r>
+              <a:rPr lang="en-US" b="1" dirty="0">
+                <a:effectLst/>
+                <a:latin typeface="+mn-lt"/>
+                <a:ea typeface="Times New Roman" panose="02020603050405020304" pitchFamily="18" charset="0"/>
+              </a:rPr>
+              <a:t>4. Enhanced Environmental Adaptability</a:t>
+            </a:r>
+            <a:endParaRPr lang="en-US" dirty="0">
+              <a:effectLst/>
+              <a:latin typeface="+mn-lt"/>
+              <a:ea typeface="Arial" panose="020B0604020202020204" pitchFamily="34" charset="0"/>
+            </a:endParaRPr>
+          </a:p>
+          <a:p>
+            <a:pPr marL="0" marR="0">
+              <a:lnSpc>
+                <a:spcPct val="115000"/>
+              </a:lnSpc>
+              <a:spcBef>
+                <a:spcPts val="0"/>
+              </a:spcBef>
+              <a:spcAft>
+                <a:spcPts val="0"/>
+              </a:spcAft>
+            </a:pPr>
+            <a:r>
+              <a:rPr lang="en-US" dirty="0">
+                <a:effectLst/>
+                <a:latin typeface="+mn-lt"/>
+                <a:ea typeface="Times New Roman" panose="02020603050405020304" pitchFamily="18" charset="0"/>
+              </a:rPr>
+              <a:t>Future iterations of the drone could incorporate weather-resistant materials and adaptive flight control systems to improve performance in harsh conditions such as heavy rain, strong winds, or extreme temperatures.</a:t>
+            </a:r>
+            <a:endParaRPr lang="en-US" dirty="0">
+              <a:effectLst/>
+              <a:latin typeface="+mn-lt"/>
+              <a:ea typeface="Arial" panose="020B0604020202020204" pitchFamily="34" charset="0"/>
+            </a:endParaRPr>
+          </a:p>
+          <a:p>
+            <a:pPr marL="0" marR="0">
+              <a:lnSpc>
+                <a:spcPct val="115000"/>
+              </a:lnSpc>
+              <a:spcBef>
+                <a:spcPts val="0"/>
+              </a:spcBef>
+              <a:spcAft>
+                <a:spcPts val="0"/>
+              </a:spcAft>
+            </a:pPr>
+            <a:r>
+              <a:rPr lang="en-US" b="1" dirty="0">
+                <a:effectLst/>
+                <a:latin typeface="+mn-lt"/>
+                <a:ea typeface="Times New Roman" panose="02020603050405020304" pitchFamily="18" charset="0"/>
+              </a:rPr>
+              <a:t>5. Multi-Drone Coordination</a:t>
+            </a:r>
+            <a:endParaRPr lang="en-US" dirty="0">
+              <a:effectLst/>
+              <a:latin typeface="+mn-lt"/>
+              <a:ea typeface="Arial" panose="020B0604020202020204" pitchFamily="34" charset="0"/>
+            </a:endParaRPr>
+          </a:p>
+          <a:p>
+            <a:pPr marL="0" marR="0">
+              <a:lnSpc>
+                <a:spcPct val="115000"/>
+              </a:lnSpc>
+              <a:spcBef>
+                <a:spcPts val="0"/>
+              </a:spcBef>
+              <a:spcAft>
+                <a:spcPts val="0"/>
+              </a:spcAft>
+            </a:pPr>
+            <a:r>
+              <a:rPr lang="en-US" dirty="0">
+                <a:effectLst/>
+                <a:latin typeface="+mn-lt"/>
+                <a:ea typeface="Times New Roman" panose="02020603050405020304" pitchFamily="18" charset="0"/>
+              </a:rPr>
+              <a:t>A swarm of coordinated drones could be deployed simultaneously for large-scale disaster monitoring. Swarm intelligence algorithms would allow multiple UAVs to cover vast areas, share data in real-time, and improve overall efficiency in reconnaissance operations.</a:t>
+            </a:r>
+            <a:endParaRPr lang="en-US" dirty="0">
+              <a:effectLst/>
+              <a:latin typeface="+mn-lt"/>
+              <a:ea typeface="Arial" panose="020B0604020202020204" pitchFamily="34" charset="0"/>
+            </a:endParaRPr>
+          </a:p>
+          <a:p>
+            <a:pPr marL="0" marR="0">
+              <a:lnSpc>
+                <a:spcPct val="115000"/>
+              </a:lnSpc>
+              <a:spcBef>
+                <a:spcPts val="0"/>
+              </a:spcBef>
+              <a:spcAft>
+                <a:spcPts val="0"/>
+              </a:spcAft>
+            </a:pPr>
+            <a:r>
+              <a:rPr lang="en-US" dirty="0">
+                <a:effectLst/>
+                <a:latin typeface="+mn-lt"/>
+                <a:ea typeface="Times New Roman" panose="02020603050405020304" pitchFamily="18" charset="0"/>
+              </a:rPr>
+              <a:t>By addressing these future advancements, the emergency support drone can evolve into a more powerful tool for disaster response, further aiding emergency services in life-saving operations.</a:t>
+            </a:r>
+            <a:endParaRPr lang="en-US" dirty="0">
+              <a:effectLst/>
+              <a:latin typeface="+mn-lt"/>
+              <a:ea typeface="Arial" panose="020B0604020202020204" pitchFamily="34" charset="0"/>
+            </a:endParaRPr>
+          </a:p>
+          <a:p>
+            <a:pPr marL="0" marR="0">
+              <a:lnSpc>
+                <a:spcPct val="115000"/>
+              </a:lnSpc>
+              <a:spcBef>
+                <a:spcPts val="0"/>
+              </a:spcBef>
+              <a:spcAft>
+                <a:spcPts val="0"/>
+              </a:spcAft>
+            </a:pPr>
+            <a:r>
+              <a:rPr lang="en-US" sz="1300" dirty="0">
+                <a:effectLst/>
+                <a:highlight>
+                  <a:srgbClr val="FFFFFF"/>
+                </a:highlight>
+                <a:latin typeface="+mn-lt"/>
+                <a:ea typeface="Times New Roman" panose="02020603050405020304" pitchFamily="18" charset="0"/>
+              </a:rPr>
+              <a:t> </a:t>
+            </a:r>
+            <a:endParaRPr lang="en-US" sz="1300" dirty="0">
+              <a:effectLst/>
+              <a:latin typeface="+mn-lt"/>
+              <a:ea typeface="Arial" panose="020B0604020202020204" pitchFamily="34" charset="0"/>
+            </a:endParaRPr>
+          </a:p>
+          <a:p>
+            <a:pPr marL="0" marR="0" lvl="0" indent="0" rtl="0">
+              <a:lnSpc>
+                <a:spcPct val="100000"/>
+              </a:lnSpc>
+              <a:spcBef>
+                <a:spcPts val="0"/>
+              </a:spcBef>
+              <a:spcAft>
+                <a:spcPts val="0"/>
+              </a:spcAft>
+              <a:buNone/>
+            </a:pPr>
+            <a:endParaRPr lang="en-IN" sz="1300" b="1" u="sng" dirty="0">
+              <a:latin typeface="+mn-lt"/>
+              <a:ea typeface="Verdana" panose="020B0604030504040204" pitchFamily="34" charset="0"/>
+            </a:endParaRPr>
+          </a:p>
+        </p:txBody>
+      </p:sp>
+    </p:spTree>
+    <p:extLst>
+      <p:ext uri="{BB962C8B-B14F-4D97-AF65-F5344CB8AC3E}">
+        <p14:creationId xmlns:p14="http://schemas.microsoft.com/office/powerpoint/2010/main" val="1421920073"/>
+      </p:ext>
+    </p:extLst>
+  </p:cSld>
+  <p:clrMapOvr>
+    <a:masterClrMapping/>
+  </p:clrMapOvr>
+</p:sld>
+</file>
+
+<file path=ppt/slides/slide14.xml><?xml version="1.0" encoding="utf-8"?>
 <p:sld xmlns:a="http://schemas.openxmlformats.org/drawingml/2006/main" xmlns:r="http://schemas.openxmlformats.org/officeDocument/2006/relationships" xmlns:p="http://schemas.openxmlformats.org/presentationml/2006/main">
   <p:cSld>
     <p:spTree>
@@ -8920,8 +9955,8 @@
         </p:nvSpPr>
         <p:spPr>
           <a:xfrm>
-            <a:off x="1233714" y="2607717"/>
-            <a:ext cx="9724500" cy="1862400"/>
+            <a:off x="214780" y="262647"/>
+            <a:ext cx="11762439" cy="6881844"/>
           </a:xfrm>
           <a:prstGeom prst="rect">
             <a:avLst/>
@@ -8937,79 +9972,828 @@
           </a:bodyPr>
           <a:lstStyle/>
           <a:p>
-            <a:r>
-              <a:t>Results</a:t>
-            </a:r>
+            <a:pPr marL="0" marR="0">
+              <a:lnSpc>
+                <a:spcPct val="115000"/>
+              </a:lnSpc>
+              <a:spcBef>
+                <a:spcPts val="0"/>
+              </a:spcBef>
+              <a:spcAft>
+                <a:spcPts val="0"/>
+              </a:spcAft>
+            </a:pPr>
+            <a:r>
+              <a:rPr lang="en-IN" sz="1600" b="1" u="sng" dirty="0">
+                <a:effectLst/>
+                <a:latin typeface="Times New Roman" panose="02020603050405020304" pitchFamily="18" charset="0"/>
+                <a:ea typeface="Arial" panose="020B0604020202020204" pitchFamily="34" charset="0"/>
+              </a:rPr>
+              <a:t>REFERENCES:</a:t>
+            </a:r>
+            <a:endParaRPr lang="en-US" sz="1600" dirty="0">
+              <a:effectLst/>
+              <a:latin typeface="Arial" panose="020B0604020202020204" pitchFamily="34" charset="0"/>
+              <a:ea typeface="Arial" panose="020B0604020202020204" pitchFamily="34" charset="0"/>
+            </a:endParaRPr>
+          </a:p>
+          <a:p>
+            <a:pPr marL="0" marR="0">
+              <a:lnSpc>
+                <a:spcPct val="115000"/>
+              </a:lnSpc>
+              <a:spcBef>
+                <a:spcPts val="0"/>
+              </a:spcBef>
+              <a:spcAft>
+                <a:spcPts val="0"/>
+              </a:spcAft>
+            </a:pPr>
+            <a:r>
+              <a:rPr lang="en-IN" sz="1600" b="1" u="none" strike="noStrike" dirty="0">
+                <a:effectLst/>
+                <a:latin typeface="Times New Roman" panose="02020603050405020304" pitchFamily="18" charset="0"/>
+                <a:ea typeface="Arial" panose="020B0604020202020204" pitchFamily="34" charset="0"/>
+              </a:rPr>
+              <a:t> </a:t>
+            </a:r>
+            <a:endParaRPr lang="en-US" sz="1600" dirty="0">
+              <a:effectLst/>
+              <a:latin typeface="Arial" panose="020B0604020202020204" pitchFamily="34" charset="0"/>
+              <a:ea typeface="Arial" panose="020B0604020202020204" pitchFamily="34" charset="0"/>
+            </a:endParaRPr>
+          </a:p>
+          <a:p>
+            <a:pPr marL="0" marR="0"/>
+            <a:r>
+              <a:rPr lang="en-IN" sz="1600" dirty="0">
+                <a:effectLst/>
+                <a:latin typeface="Symbol" panose="05050102010706020507" pitchFamily="18" charset="2"/>
+                <a:ea typeface="Times New Roman" panose="02020603050405020304" pitchFamily="18" charset="0"/>
+              </a:rPr>
+              <a:t>·</a:t>
+            </a:r>
+            <a:r>
+              <a:rPr lang="en-IN" sz="1600" dirty="0">
+                <a:effectLst/>
+                <a:latin typeface="Times New Roman" panose="02020603050405020304" pitchFamily="18" charset="0"/>
+                <a:ea typeface="Times New Roman" panose="02020603050405020304" pitchFamily="18" charset="0"/>
+              </a:rPr>
+              <a:t>  </a:t>
+            </a:r>
+            <a:r>
+              <a:rPr lang="en-IN" sz="1600" b="1" dirty="0">
+                <a:effectLst/>
+                <a:latin typeface="Times New Roman" panose="02020603050405020304" pitchFamily="18" charset="0"/>
+                <a:ea typeface="Times New Roman" panose="02020603050405020304" pitchFamily="18" charset="0"/>
+              </a:rPr>
+              <a:t>"Applications of Drone in Disaster Management: A Scoping Review"</a:t>
+            </a:r>
+            <a:endParaRPr lang="en-US" sz="1600" dirty="0">
+              <a:effectLst/>
+              <a:latin typeface="Times New Roman" panose="02020603050405020304" pitchFamily="18" charset="0"/>
+              <a:ea typeface="Times New Roman" panose="02020603050405020304" pitchFamily="18" charset="0"/>
+            </a:endParaRPr>
+          </a:p>
+          <a:p>
+            <a:pPr marL="342900" marR="0" lvl="0" indent="-342900">
+              <a:lnSpc>
+                <a:spcPct val="115000"/>
+              </a:lnSpc>
+              <a:spcBef>
+                <a:spcPts val="0"/>
+              </a:spcBef>
+              <a:spcAft>
+                <a:spcPts val="0"/>
+              </a:spcAft>
+              <a:buSzPts val="1000"/>
+              <a:buFont typeface="Symbol" panose="05050102010706020507" pitchFamily="18" charset="2"/>
+              <a:buChar char=""/>
+              <a:tabLst>
+                <a:tab pos="457200" algn="l"/>
+              </a:tabLst>
+            </a:pPr>
+            <a:r>
+              <a:rPr lang="en-US" sz="1600" dirty="0">
+                <a:effectLst/>
+                <a:latin typeface="Arial" panose="020B0604020202020204" pitchFamily="34" charset="0"/>
+                <a:ea typeface="Arial" panose="020B0604020202020204" pitchFamily="34" charset="0"/>
+              </a:rPr>
+              <a:t>DOI: 10.1016/j.ijdrr.2021.102133</a:t>
+            </a:r>
+          </a:p>
+          <a:p>
+            <a:pPr marL="342900" marR="0" lvl="0" indent="-342900">
+              <a:lnSpc>
+                <a:spcPct val="115000"/>
+              </a:lnSpc>
+              <a:spcBef>
+                <a:spcPts val="0"/>
+              </a:spcBef>
+              <a:spcAft>
+                <a:spcPts val="0"/>
+              </a:spcAft>
+              <a:buSzPts val="1000"/>
+              <a:buFont typeface="Symbol" panose="05050102010706020507" pitchFamily="18" charset="2"/>
+              <a:buChar char=""/>
+              <a:tabLst>
+                <a:tab pos="457200" algn="l"/>
+              </a:tabLst>
+            </a:pPr>
+            <a:r>
+              <a:rPr lang="en-US" sz="1600" dirty="0">
+                <a:effectLst/>
+                <a:latin typeface="Arial" panose="020B0604020202020204" pitchFamily="34" charset="0"/>
+                <a:ea typeface="Arial" panose="020B0604020202020204" pitchFamily="34" charset="0"/>
+              </a:rPr>
+              <a:t>Link: </a:t>
+            </a:r>
+            <a:r>
+              <a:rPr lang="en-US" sz="1600" u="sng" dirty="0">
+                <a:solidFill>
+                  <a:srgbClr val="0000FF"/>
+                </a:solidFill>
+                <a:effectLst/>
+                <a:latin typeface="Arial" panose="020B0604020202020204" pitchFamily="34" charset="0"/>
+                <a:ea typeface="Arial" panose="020B0604020202020204" pitchFamily="34" charset="0"/>
+                <a:hlinkClick r:id="rId3"/>
+              </a:rPr>
+              <a:t>https://www.sciencedirect.com/science/article/pii/S1355030621001477</a:t>
+            </a:r>
+            <a:endParaRPr lang="en-US" sz="1600" dirty="0">
+              <a:effectLst/>
+              <a:latin typeface="Arial" panose="020B0604020202020204" pitchFamily="34" charset="0"/>
+              <a:ea typeface="Arial" panose="020B0604020202020204" pitchFamily="34" charset="0"/>
+            </a:endParaRPr>
+          </a:p>
+          <a:p>
+            <a:pPr marL="0" marR="0"/>
+            <a:r>
+              <a:rPr lang="en-IN" sz="1600" dirty="0">
+                <a:effectLst/>
+                <a:latin typeface="Symbol" panose="05050102010706020507" pitchFamily="18" charset="2"/>
+                <a:ea typeface="Times New Roman" panose="02020603050405020304" pitchFamily="18" charset="0"/>
+              </a:rPr>
+              <a:t>·</a:t>
+            </a:r>
+            <a:r>
+              <a:rPr lang="en-IN" sz="1600" dirty="0">
+                <a:effectLst/>
+                <a:latin typeface="Times New Roman" panose="02020603050405020304" pitchFamily="18" charset="0"/>
+                <a:ea typeface="Times New Roman" panose="02020603050405020304" pitchFamily="18" charset="0"/>
+              </a:rPr>
+              <a:t>  </a:t>
+            </a:r>
+            <a:r>
+              <a:rPr lang="en-IN" sz="1600" b="1" dirty="0">
+                <a:effectLst/>
+                <a:latin typeface="Times New Roman" panose="02020603050405020304" pitchFamily="18" charset="0"/>
+                <a:ea typeface="Times New Roman" panose="02020603050405020304" pitchFamily="18" charset="0"/>
+              </a:rPr>
+              <a:t>"The Role of Drones in Disaster Response: A Literature Review of Drone Deployments and Future Research Directions"</a:t>
+            </a:r>
+            <a:endParaRPr lang="en-US" sz="1600" dirty="0">
+              <a:effectLst/>
+              <a:latin typeface="Times New Roman" panose="02020603050405020304" pitchFamily="18" charset="0"/>
+              <a:ea typeface="Times New Roman" panose="02020603050405020304" pitchFamily="18" charset="0"/>
+            </a:endParaRPr>
+          </a:p>
+          <a:p>
+            <a:pPr marL="342900" marR="0" lvl="0" indent="-342900">
+              <a:lnSpc>
+                <a:spcPct val="115000"/>
+              </a:lnSpc>
+              <a:spcBef>
+                <a:spcPts val="0"/>
+              </a:spcBef>
+              <a:spcAft>
+                <a:spcPts val="0"/>
+              </a:spcAft>
+              <a:buSzPts val="1000"/>
+              <a:buFont typeface="Symbol" panose="05050102010706020507" pitchFamily="18" charset="2"/>
+              <a:buChar char=""/>
+              <a:tabLst>
+                <a:tab pos="457200" algn="l"/>
+              </a:tabLst>
+            </a:pPr>
+            <a:r>
+              <a:rPr lang="en-US" sz="1600" dirty="0">
+                <a:effectLst/>
+                <a:latin typeface="Arial" panose="020B0604020202020204" pitchFamily="34" charset="0"/>
+                <a:ea typeface="Arial" panose="020B0604020202020204" pitchFamily="34" charset="0"/>
+              </a:rPr>
+              <a:t>DOI: 10.1111/itor.13484</a:t>
+            </a:r>
+          </a:p>
+          <a:p>
+            <a:pPr marL="342900" marR="0" lvl="0" indent="-342900">
+              <a:lnSpc>
+                <a:spcPct val="115000"/>
+              </a:lnSpc>
+              <a:spcBef>
+                <a:spcPts val="0"/>
+              </a:spcBef>
+              <a:spcAft>
+                <a:spcPts val="0"/>
+              </a:spcAft>
+              <a:buSzPts val="1000"/>
+              <a:buFont typeface="Symbol" panose="05050102010706020507" pitchFamily="18" charset="2"/>
+              <a:buChar char=""/>
+              <a:tabLst>
+                <a:tab pos="457200" algn="l"/>
+              </a:tabLst>
+            </a:pPr>
+            <a:r>
+              <a:rPr lang="en-US" sz="1600" dirty="0">
+                <a:effectLst/>
+                <a:latin typeface="Arial" panose="020B0604020202020204" pitchFamily="34" charset="0"/>
+                <a:ea typeface="Arial" panose="020B0604020202020204" pitchFamily="34" charset="0"/>
+              </a:rPr>
+              <a:t>Link: </a:t>
+            </a:r>
+            <a:r>
+              <a:rPr lang="en-US" sz="1600" u="sng" dirty="0">
+                <a:solidFill>
+                  <a:srgbClr val="0000FF"/>
+                </a:solidFill>
+                <a:effectLst/>
+                <a:latin typeface="Arial" panose="020B0604020202020204" pitchFamily="34" charset="0"/>
+                <a:ea typeface="Arial" panose="020B0604020202020204" pitchFamily="34" charset="0"/>
+                <a:hlinkClick r:id="rId4"/>
+              </a:rPr>
+              <a:t>https://onlinelibrary.wiley.com/doi/10.1111/itor.13484</a:t>
+            </a:r>
+            <a:endParaRPr lang="en-US" sz="1600" dirty="0">
+              <a:effectLst/>
+              <a:latin typeface="Arial" panose="020B0604020202020204" pitchFamily="34" charset="0"/>
+              <a:ea typeface="Arial" panose="020B0604020202020204" pitchFamily="34" charset="0"/>
+            </a:endParaRPr>
+          </a:p>
+          <a:p>
+            <a:pPr marL="0" marR="0"/>
+            <a:r>
+              <a:rPr lang="en-IN" sz="1600" dirty="0">
+                <a:effectLst/>
+                <a:latin typeface="Symbol" panose="05050102010706020507" pitchFamily="18" charset="2"/>
+                <a:ea typeface="Times New Roman" panose="02020603050405020304" pitchFamily="18" charset="0"/>
+              </a:rPr>
+              <a:t>·</a:t>
+            </a:r>
+            <a:r>
+              <a:rPr lang="en-IN" sz="1600" dirty="0">
+                <a:effectLst/>
+                <a:latin typeface="Times New Roman" panose="02020603050405020304" pitchFamily="18" charset="0"/>
+                <a:ea typeface="Times New Roman" panose="02020603050405020304" pitchFamily="18" charset="0"/>
+              </a:rPr>
+              <a:t>  </a:t>
+            </a:r>
+            <a:r>
+              <a:rPr lang="en-IN" sz="1600" b="1" dirty="0">
+                <a:effectLst/>
+                <a:latin typeface="Times New Roman" panose="02020603050405020304" pitchFamily="18" charset="0"/>
+                <a:ea typeface="Times New Roman" panose="02020603050405020304" pitchFamily="18" charset="0"/>
+              </a:rPr>
+              <a:t>"Drone Applications for Emergency and Urgent Care: A Systematic Review"</a:t>
+            </a:r>
+            <a:endParaRPr lang="en-US" sz="1600" dirty="0">
+              <a:effectLst/>
+              <a:latin typeface="Times New Roman" panose="02020603050405020304" pitchFamily="18" charset="0"/>
+              <a:ea typeface="Times New Roman" panose="02020603050405020304" pitchFamily="18" charset="0"/>
+            </a:endParaRPr>
+          </a:p>
+          <a:p>
+            <a:pPr marL="342900" marR="0" lvl="0" indent="-342900">
+              <a:lnSpc>
+                <a:spcPct val="115000"/>
+              </a:lnSpc>
+              <a:spcBef>
+                <a:spcPts val="0"/>
+              </a:spcBef>
+              <a:spcAft>
+                <a:spcPts val="0"/>
+              </a:spcAft>
+              <a:buSzPts val="1000"/>
+              <a:buFont typeface="Symbol" panose="05050102010706020507" pitchFamily="18" charset="2"/>
+              <a:buChar char=""/>
+              <a:tabLst>
+                <a:tab pos="457200" algn="l"/>
+              </a:tabLst>
+            </a:pPr>
+            <a:r>
+              <a:rPr lang="en-US" sz="1600" dirty="0">
+                <a:effectLst/>
+                <a:latin typeface="Arial" panose="020B0604020202020204" pitchFamily="34" charset="0"/>
+                <a:ea typeface="Arial" panose="020B0604020202020204" pitchFamily="34" charset="0"/>
+              </a:rPr>
+              <a:t>DOI: 10.3390/ijerph191610031</a:t>
+            </a:r>
+          </a:p>
+          <a:p>
+            <a:pPr marL="342900" marR="0" lvl="0" indent="-342900">
+              <a:lnSpc>
+                <a:spcPct val="115000"/>
+              </a:lnSpc>
+              <a:spcBef>
+                <a:spcPts val="0"/>
+              </a:spcBef>
+              <a:spcAft>
+                <a:spcPts val="0"/>
+              </a:spcAft>
+              <a:buSzPts val="1000"/>
+              <a:buFont typeface="Symbol" panose="05050102010706020507" pitchFamily="18" charset="2"/>
+              <a:buChar char=""/>
+              <a:tabLst>
+                <a:tab pos="457200" algn="l"/>
+              </a:tabLst>
+            </a:pPr>
+            <a:r>
+              <a:rPr lang="en-US" sz="1600" dirty="0">
+                <a:effectLst/>
+                <a:latin typeface="Arial" panose="020B0604020202020204" pitchFamily="34" charset="0"/>
+                <a:ea typeface="Arial" panose="020B0604020202020204" pitchFamily="34" charset="0"/>
+              </a:rPr>
+              <a:t>Link: https://www.mdpi.com/1660-4601/19/16/10031</a:t>
+            </a:r>
+          </a:p>
+          <a:p>
+            <a:pPr marL="0" marR="0"/>
+            <a:r>
+              <a:rPr lang="en-IN" sz="1600" dirty="0">
+                <a:effectLst/>
+                <a:latin typeface="Symbol" panose="05050102010706020507" pitchFamily="18" charset="2"/>
+                <a:ea typeface="Times New Roman" panose="02020603050405020304" pitchFamily="18" charset="0"/>
+              </a:rPr>
+              <a:t>·</a:t>
+            </a:r>
+            <a:r>
+              <a:rPr lang="en-IN" sz="1600" dirty="0">
+                <a:effectLst/>
+                <a:latin typeface="Times New Roman" panose="02020603050405020304" pitchFamily="18" charset="0"/>
+                <a:ea typeface="Times New Roman" panose="02020603050405020304" pitchFamily="18" charset="0"/>
+              </a:rPr>
+              <a:t>  </a:t>
+            </a:r>
+            <a:r>
+              <a:rPr lang="en-IN" sz="1600" b="1" dirty="0">
+                <a:effectLst/>
+                <a:latin typeface="Times New Roman" panose="02020603050405020304" pitchFamily="18" charset="0"/>
+                <a:ea typeface="Times New Roman" panose="02020603050405020304" pitchFamily="18" charset="0"/>
+              </a:rPr>
+              <a:t>"Integrating Drones in Response to Public Health Emergencies"</a:t>
+            </a:r>
+            <a:endParaRPr lang="en-US" sz="1600" dirty="0">
+              <a:effectLst/>
+              <a:latin typeface="Times New Roman" panose="02020603050405020304" pitchFamily="18" charset="0"/>
+              <a:ea typeface="Times New Roman" panose="02020603050405020304" pitchFamily="18" charset="0"/>
+            </a:endParaRPr>
+          </a:p>
+          <a:p>
+            <a:pPr marL="342900" marR="0" lvl="0" indent="-342900">
+              <a:lnSpc>
+                <a:spcPct val="115000"/>
+              </a:lnSpc>
+              <a:spcBef>
+                <a:spcPts val="0"/>
+              </a:spcBef>
+              <a:spcAft>
+                <a:spcPts val="0"/>
+              </a:spcAft>
+              <a:buSzPts val="1000"/>
+              <a:buFont typeface="Symbol" panose="05050102010706020507" pitchFamily="18" charset="2"/>
+              <a:buChar char=""/>
+              <a:tabLst>
+                <a:tab pos="457200" algn="l"/>
+              </a:tabLst>
+            </a:pPr>
+            <a:r>
+              <a:rPr lang="en-US" sz="1600" dirty="0">
+                <a:effectLst/>
+                <a:latin typeface="Arial" panose="020B0604020202020204" pitchFamily="34" charset="0"/>
+                <a:ea typeface="Arial" panose="020B0604020202020204" pitchFamily="34" charset="0"/>
+              </a:rPr>
+              <a:t>DOI: 10.1016/j.jnma.2022.09.246</a:t>
+            </a:r>
+          </a:p>
+          <a:p>
+            <a:pPr marL="342900" marR="0" lvl="0" indent="-342900">
+              <a:lnSpc>
+                <a:spcPct val="115000"/>
+              </a:lnSpc>
+              <a:spcBef>
+                <a:spcPts val="0"/>
+              </a:spcBef>
+              <a:spcAft>
+                <a:spcPts val="0"/>
+              </a:spcAft>
+              <a:buSzPts val="1000"/>
+              <a:buFont typeface="Symbol" panose="05050102010706020507" pitchFamily="18" charset="2"/>
+              <a:buChar char=""/>
+              <a:tabLst>
+                <a:tab pos="457200" algn="l"/>
+              </a:tabLst>
+            </a:pPr>
+            <a:r>
+              <a:rPr lang="en-US" sz="1600" dirty="0">
+                <a:effectLst/>
+                <a:latin typeface="Arial" panose="020B0604020202020204" pitchFamily="34" charset="0"/>
+                <a:ea typeface="Arial" panose="020B0604020202020204" pitchFamily="34" charset="0"/>
+              </a:rPr>
+              <a:t>Link: </a:t>
+            </a:r>
+            <a:r>
+              <a:rPr lang="en-US" sz="1600" u="sng" dirty="0">
+                <a:solidFill>
+                  <a:srgbClr val="0000FF"/>
+                </a:solidFill>
+                <a:effectLst/>
+                <a:latin typeface="Arial" panose="020B0604020202020204" pitchFamily="34" charset="0"/>
+                <a:ea typeface="Arial" panose="020B0604020202020204" pitchFamily="34" charset="0"/>
+                <a:hlinkClick r:id="rId5"/>
+              </a:rPr>
+              <a:t>https://www.sciencedirect.com/science/article/pii/S2590607622002855</a:t>
+            </a:r>
+            <a:endParaRPr lang="en-US" sz="1600" dirty="0">
+              <a:effectLst/>
+              <a:latin typeface="Arial" panose="020B0604020202020204" pitchFamily="34" charset="0"/>
+              <a:ea typeface="Arial" panose="020B0604020202020204" pitchFamily="34" charset="0"/>
+            </a:endParaRPr>
+          </a:p>
+          <a:p>
+            <a:pPr marL="0" marR="0"/>
+            <a:r>
+              <a:rPr lang="en-IN" sz="1600" dirty="0">
+                <a:effectLst/>
+                <a:latin typeface="Symbol" panose="05050102010706020507" pitchFamily="18" charset="2"/>
+                <a:ea typeface="Times New Roman" panose="02020603050405020304" pitchFamily="18" charset="0"/>
+              </a:rPr>
+              <a:t>·</a:t>
+            </a:r>
+            <a:r>
+              <a:rPr lang="en-IN" sz="1600" dirty="0">
+                <a:effectLst/>
+                <a:latin typeface="Times New Roman" panose="02020603050405020304" pitchFamily="18" charset="0"/>
+                <a:ea typeface="Times New Roman" panose="02020603050405020304" pitchFamily="18" charset="0"/>
+              </a:rPr>
+              <a:t>  </a:t>
+            </a:r>
+            <a:r>
+              <a:rPr lang="en-IN" sz="1600" b="1" dirty="0">
+                <a:effectLst/>
+                <a:latin typeface="Times New Roman" panose="02020603050405020304" pitchFamily="18" charset="0"/>
+                <a:ea typeface="Times New Roman" panose="02020603050405020304" pitchFamily="18" charset="0"/>
+              </a:rPr>
+              <a:t>"Using Drones in Planning Practice"</a:t>
+            </a:r>
+            <a:endParaRPr lang="en-US" sz="1600" dirty="0">
+              <a:effectLst/>
+              <a:latin typeface="Times New Roman" panose="02020603050405020304" pitchFamily="18" charset="0"/>
+              <a:ea typeface="Times New Roman" panose="02020603050405020304" pitchFamily="18" charset="0"/>
+            </a:endParaRPr>
+          </a:p>
+          <a:p>
+            <a:pPr marL="342900" marR="0" lvl="0" indent="-342900">
+              <a:lnSpc>
+                <a:spcPct val="115000"/>
+              </a:lnSpc>
+              <a:spcBef>
+                <a:spcPts val="0"/>
+              </a:spcBef>
+              <a:spcAft>
+                <a:spcPts val="0"/>
+              </a:spcAft>
+              <a:buSzPts val="1000"/>
+              <a:buFont typeface="Symbol" panose="05050102010706020507" pitchFamily="18" charset="2"/>
+              <a:buChar char=""/>
+              <a:tabLst>
+                <a:tab pos="457200" algn="l"/>
+              </a:tabLst>
+            </a:pPr>
+            <a:r>
+              <a:rPr lang="en-US" sz="1600" dirty="0">
+                <a:effectLst/>
+                <a:latin typeface="Arial" panose="020B0604020202020204" pitchFamily="34" charset="0"/>
+                <a:ea typeface="Arial" panose="020B0604020202020204" pitchFamily="34" charset="0"/>
+              </a:rPr>
+              <a:t>DOI: Not available</a:t>
+            </a:r>
+          </a:p>
+          <a:p>
+            <a:pPr marL="342900" marR="0" lvl="0" indent="-342900">
+              <a:lnSpc>
+                <a:spcPct val="115000"/>
+              </a:lnSpc>
+              <a:spcBef>
+                <a:spcPts val="0"/>
+              </a:spcBef>
+              <a:spcAft>
+                <a:spcPts val="0"/>
+              </a:spcAft>
+              <a:buSzPts val="1000"/>
+              <a:buFont typeface="Symbol" panose="05050102010706020507" pitchFamily="18" charset="2"/>
+              <a:buChar char=""/>
+              <a:tabLst>
+                <a:tab pos="457200" algn="l"/>
+              </a:tabLst>
+            </a:pPr>
+            <a:r>
+              <a:rPr lang="en-US" sz="1600" dirty="0">
+                <a:effectLst/>
+                <a:latin typeface="Arial" panose="020B0604020202020204" pitchFamily="34" charset="0"/>
+                <a:ea typeface="Arial" panose="020B0604020202020204" pitchFamily="34" charset="0"/>
+              </a:rPr>
+              <a:t>Link: https://www.planning.org/publications/report/9207028/</a:t>
+            </a:r>
+          </a:p>
+          <a:p>
+            <a:pPr marL="0" marR="0"/>
+            <a:r>
+              <a:rPr lang="en-IN" sz="1600" dirty="0">
+                <a:effectLst/>
+                <a:latin typeface="Symbol" panose="05050102010706020507" pitchFamily="18" charset="2"/>
+                <a:ea typeface="Times New Roman" panose="02020603050405020304" pitchFamily="18" charset="0"/>
+              </a:rPr>
+              <a:t>·</a:t>
+            </a:r>
+            <a:r>
+              <a:rPr lang="en-IN" sz="1600" dirty="0">
+                <a:effectLst/>
+                <a:latin typeface="Times New Roman" panose="02020603050405020304" pitchFamily="18" charset="0"/>
+                <a:ea typeface="Times New Roman" panose="02020603050405020304" pitchFamily="18" charset="0"/>
+              </a:rPr>
+              <a:t>  </a:t>
+            </a:r>
+            <a:r>
+              <a:rPr lang="en-IN" sz="1600" b="1" dirty="0">
+                <a:effectLst/>
+                <a:latin typeface="Times New Roman" panose="02020603050405020304" pitchFamily="18" charset="0"/>
+                <a:ea typeface="Times New Roman" panose="02020603050405020304" pitchFamily="18" charset="0"/>
+              </a:rPr>
+              <a:t>"Drone as First Responder: Revolutionizing Emergency Response"</a:t>
+            </a:r>
+            <a:endParaRPr lang="en-US" sz="1600" dirty="0">
+              <a:effectLst/>
+              <a:latin typeface="Times New Roman" panose="02020603050405020304" pitchFamily="18" charset="0"/>
+              <a:ea typeface="Times New Roman" panose="02020603050405020304" pitchFamily="18" charset="0"/>
+            </a:endParaRPr>
+          </a:p>
+          <a:p>
+            <a:pPr marL="342900" marR="0" lvl="0" indent="-342900">
+              <a:lnSpc>
+                <a:spcPct val="115000"/>
+              </a:lnSpc>
+              <a:spcBef>
+                <a:spcPts val="0"/>
+              </a:spcBef>
+              <a:spcAft>
+                <a:spcPts val="0"/>
+              </a:spcAft>
+              <a:buSzPts val="1000"/>
+              <a:buFont typeface="Symbol" panose="05050102010706020507" pitchFamily="18" charset="2"/>
+              <a:buChar char=""/>
+              <a:tabLst>
+                <a:tab pos="457200" algn="l"/>
+              </a:tabLst>
+            </a:pPr>
+            <a:r>
+              <a:rPr lang="en-US" sz="1600" dirty="0">
+                <a:effectLst/>
+                <a:latin typeface="Arial" panose="020B0604020202020204" pitchFamily="34" charset="0"/>
+                <a:ea typeface="Arial" panose="020B0604020202020204" pitchFamily="34" charset="0"/>
+              </a:rPr>
+              <a:t>DOI: Not available</a:t>
+            </a:r>
+          </a:p>
+          <a:p>
+            <a:pPr marL="342900" marR="0" lvl="0" indent="-342900">
+              <a:lnSpc>
+                <a:spcPct val="115000"/>
+              </a:lnSpc>
+              <a:spcBef>
+                <a:spcPts val="0"/>
+              </a:spcBef>
+              <a:spcAft>
+                <a:spcPts val="0"/>
+              </a:spcAft>
+              <a:buSzPts val="1000"/>
+              <a:buFont typeface="Symbol" panose="05050102010706020507" pitchFamily="18" charset="2"/>
+              <a:buChar char=""/>
+              <a:tabLst>
+                <a:tab pos="457200" algn="l"/>
+              </a:tabLst>
+            </a:pPr>
+            <a:r>
+              <a:rPr lang="en-US" sz="1600" dirty="0">
+                <a:effectLst/>
+                <a:latin typeface="Arial" panose="020B0604020202020204" pitchFamily="34" charset="0"/>
+                <a:ea typeface="Arial" panose="020B0604020202020204" pitchFamily="34" charset="0"/>
+              </a:rPr>
+              <a:t>Link: </a:t>
+            </a:r>
+            <a:r>
+              <a:rPr lang="en-US" sz="1600" u="sng" dirty="0">
+                <a:solidFill>
+                  <a:srgbClr val="0000FF"/>
+                </a:solidFill>
+                <a:effectLst/>
+                <a:latin typeface="Arial" panose="020B0604020202020204" pitchFamily="34" charset="0"/>
+                <a:ea typeface="Arial" panose="020B0604020202020204" pitchFamily="34" charset="0"/>
+                <a:hlinkClick r:id="rId6"/>
+              </a:rPr>
+              <a:t>https://www.thedroneu.com/blog/drone-as-first-responder/</a:t>
+            </a:r>
+            <a:endParaRPr lang="en-US" sz="1600" dirty="0">
+              <a:effectLst/>
+              <a:latin typeface="Arial" panose="020B0604020202020204" pitchFamily="34" charset="0"/>
+              <a:ea typeface="Arial" panose="020B0604020202020204" pitchFamily="34" charset="0"/>
+            </a:endParaRPr>
+          </a:p>
+          <a:p>
+            <a:pPr marL="0" marR="0">
+              <a:lnSpc>
+                <a:spcPct val="115000"/>
+              </a:lnSpc>
+              <a:spcBef>
+                <a:spcPts val="0"/>
+              </a:spcBef>
+              <a:spcAft>
+                <a:spcPts val="0"/>
+              </a:spcAft>
+            </a:pPr>
+            <a:r>
+              <a:rPr lang="en-US" sz="1600" dirty="0">
+                <a:effectLst/>
+                <a:latin typeface="Arial" panose="020B0604020202020204" pitchFamily="34" charset="0"/>
+                <a:ea typeface="Arial" panose="020B0604020202020204" pitchFamily="34" charset="0"/>
+              </a:rPr>
+              <a:t> </a:t>
+            </a:r>
+          </a:p>
+          <a:p>
+            <a:pPr marL="0" marR="0">
+              <a:lnSpc>
+                <a:spcPct val="115000"/>
+              </a:lnSpc>
+              <a:spcBef>
+                <a:spcPts val="0"/>
+              </a:spcBef>
+              <a:spcAft>
+                <a:spcPts val="0"/>
+              </a:spcAft>
+            </a:pPr>
+            <a:r>
+              <a:rPr lang="en-US" sz="1600" dirty="0">
+                <a:effectLst/>
+                <a:latin typeface="Arial" panose="020B0604020202020204" pitchFamily="34" charset="0"/>
+                <a:ea typeface="Arial" panose="020B0604020202020204" pitchFamily="34" charset="0"/>
+              </a:rPr>
+              <a:t> </a:t>
+            </a:r>
+          </a:p>
+          <a:p>
+            <a:pPr marL="0" marR="0">
+              <a:lnSpc>
+                <a:spcPct val="115000"/>
+              </a:lnSpc>
+              <a:spcBef>
+                <a:spcPts val="0"/>
+              </a:spcBef>
+              <a:spcAft>
+                <a:spcPts val="0"/>
+              </a:spcAft>
+            </a:pPr>
+            <a:r>
+              <a:rPr lang="en-US" sz="1600" dirty="0">
+                <a:effectLst/>
+                <a:latin typeface="Arial" panose="020B0604020202020204" pitchFamily="34" charset="0"/>
+                <a:ea typeface="Arial" panose="020B0604020202020204" pitchFamily="34" charset="0"/>
+              </a:rPr>
+              <a:t> </a:t>
+            </a:r>
+          </a:p>
+          <a:p>
+            <a:pPr marL="0" marR="0">
+              <a:lnSpc>
+                <a:spcPct val="115000"/>
+              </a:lnSpc>
+              <a:spcBef>
+                <a:spcPts val="0"/>
+              </a:spcBef>
+              <a:spcAft>
+                <a:spcPts val="0"/>
+              </a:spcAft>
+            </a:pPr>
+            <a:r>
+              <a:rPr lang="en-US" sz="1600" dirty="0">
+                <a:effectLst/>
+                <a:latin typeface="Arial" panose="020B0604020202020204" pitchFamily="34" charset="0"/>
+                <a:ea typeface="Arial" panose="020B0604020202020204" pitchFamily="34" charset="0"/>
+              </a:rPr>
+              <a:t> </a:t>
+            </a:r>
+          </a:p>
+          <a:p>
+            <a:endParaRPr sz="1200" dirty="0"/>
+          </a:p>
+        </p:txBody>
+      </p:sp>
+    </p:spTree>
+  </p:cSld>
+  <p:clrMapOvr>
+    <a:masterClrMapping/>
+  </p:clrMapOvr>
+</p:sld>
+</file>
+
+<file path=ppt/slides/slide15.xml><?xml version="1.0" encoding="utf-8"?>
+<p:sld xmlns:a="http://schemas.openxmlformats.org/drawingml/2006/main" xmlns:r="http://schemas.openxmlformats.org/officeDocument/2006/relationships" xmlns:p="http://schemas.openxmlformats.org/presentationml/2006/main">
+  <p:cSld>
+    <p:spTree>
+      <p:nvGrpSpPr>
+        <p:cNvPr id="1" name=""/>
+        <p:cNvGrpSpPr/>
+        <p:nvPr/>
+      </p:nvGrpSpPr>
+      <p:grpSpPr>
+        <a:xfrm>
+          <a:off x="0" y="0"/>
+          <a:ext cx="0" cy="0"/>
+          <a:chOff x="0" y="0"/>
+          <a:chExt cx="0" cy="0"/>
+        </a:xfrm>
+      </p:grpSpPr>
+      <p:sp>
+        <p:nvSpPr>
+          <p:cNvPr id="3" name="Title 2">
+            <a:extLst>
+              <a:ext uri="{FF2B5EF4-FFF2-40B4-BE49-F238E27FC236}">
+                <a16:creationId xmlns:a16="http://schemas.microsoft.com/office/drawing/2014/main" id="{5F10A320-F015-4FBD-A26D-59E940EED64B}"/>
+              </a:ext>
+            </a:extLst>
+          </p:cNvPr>
+          <p:cNvSpPr>
+            <a:spLocks noGrp="1"/>
+          </p:cNvSpPr>
+          <p:nvPr>
+            <p:ph type="ctrTitle"/>
+          </p:nvPr>
+        </p:nvSpPr>
+        <p:spPr/>
+        <p:txBody>
+          <a:bodyPr/>
+          <a:lstStyle/>
+          <a:p>
+            <a:pPr>
+              <a:buNone/>
+            </a:pPr>
+            <a:r>
+              <a:rPr lang="en-IN" dirty="0"/>
+              <a:t>THANK YOU</a:t>
+            </a:r>
+            <a:endParaRPr lang="en-US" dirty="0"/>
           </a:p>
         </p:txBody>
       </p:sp>
       <p:sp>
         <p:nvSpPr>
-          <p:cNvPr id="744" name="Google Shape;744;g2fee63df26b_0_0"/>
-          <p:cNvSpPr txBox="1"/>
-          <p:nvPr/>
+          <p:cNvPr id="4" name="Subtitle 3">
+            <a:extLst>
+              <a:ext uri="{FF2B5EF4-FFF2-40B4-BE49-F238E27FC236}">
+                <a16:creationId xmlns:a16="http://schemas.microsoft.com/office/drawing/2014/main" id="{7E45FBAE-E7E2-4634-B013-F3C3D450183D}"/>
+              </a:ext>
+            </a:extLst>
+          </p:cNvPr>
+          <p:cNvSpPr>
+            <a:spLocks noGrp="1"/>
+          </p:cNvSpPr>
+          <p:nvPr>
+            <p:ph type="subTitle" idx="1"/>
+          </p:nvPr>
         </p:nvSpPr>
-        <p:spPr>
-          <a:xfrm>
-            <a:off x="1596571" y="4466045"/>
-            <a:ext cx="8998800" cy="400069"/>
-          </a:xfrm>
-          <a:prstGeom prst="rect">
-            <a:avLst/>
-          </a:prstGeom>
-          <a:noFill/>
-          <a:ln>
-            <a:noFill/>
-          </a:ln>
-        </p:spPr>
+        <p:spPr/>
         <p:txBody>
-          <a:bodyPr spcFirstLastPara="1" wrap="square" lIns="91425" tIns="45700" rIns="91425" bIns="45700" anchor="t" anchorCtr="0">
-            <a:spAutoFit/>
-          </a:bodyPr>
+          <a:bodyPr/>
           <a:lstStyle/>
           <a:p>
-            <a:pPr marL="0" marR="0" lvl="0" indent="0" algn="ctr" rtl="0">
-              <a:lnSpc>
-                <a:spcPct val="100000"/>
-              </a:lnSpc>
-              <a:spcBef>
-                <a:spcPts val="0"/>
-              </a:spcBef>
-              <a:spcAft>
-                <a:spcPts val="0"/>
-              </a:spcAft>
-              <a:buClr>
-                <a:srgbClr val="000000"/>
-              </a:buClr>
-              <a:buSzPts val="2000"/>
-              <a:buFont typeface="Arial"/>
-              <a:buNone/>
-            </a:pPr>
-            <a:r>
-              <a:rPr lang="en-US" sz="2000" b="1" dirty="0">
-                <a:solidFill>
-                  <a:srgbClr val="7F7F7F"/>
-                </a:solidFill>
-                <a:latin typeface="Open Sans"/>
-                <a:ea typeface="Open Sans"/>
-                <a:cs typeface="Open Sans"/>
-                <a:sym typeface="Open Sans"/>
-              </a:rPr>
-              <a:t>Have a Great Day ! </a:t>
-            </a:r>
-            <a:endParaRPr sz="1400" b="0" i="0" u="none" strike="noStrike" cap="none" dirty="0">
-              <a:solidFill>
-                <a:srgbClr val="000000"/>
-              </a:solidFill>
-              <a:latin typeface="Aharoni"/>
-              <a:ea typeface="Aharoni"/>
-              <a:cs typeface="Aharoni"/>
-              <a:sym typeface="Aharoni"/>
-            </a:endParaRPr>
+            <a:r>
+              <a:rPr lang="en-IN" dirty="0"/>
+              <a:t>JAGANNATH SAGAR</a:t>
+            </a:r>
+          </a:p>
+          <a:p>
+            <a:r>
+              <a:rPr lang="en-IN" dirty="0"/>
+              <a:t>PALAKONDA VISWESWARA RAO</a:t>
+            </a:r>
+            <a:endParaRPr lang="en-US" dirty="0"/>
           </a:p>
         </p:txBody>
       </p:sp>
     </p:spTree>
+    <p:extLst>
+      <p:ext uri="{BB962C8B-B14F-4D97-AF65-F5344CB8AC3E}">
+        <p14:creationId xmlns:p14="http://schemas.microsoft.com/office/powerpoint/2010/main" val="4059100221"/>
+      </p:ext>
+    </p:extLst>
   </p:cSld>
   <p:clrMapOvr>
     <a:masterClrMapping/>
@@ -9175,7 +10959,7 @@
         </p:nvSpPr>
         <p:spPr>
           <a:xfrm>
-            <a:off x="550606" y="3041178"/>
+            <a:off x="550606" y="3264920"/>
             <a:ext cx="2114338" cy="302183"/>
           </a:xfrm>
           <a:prstGeom prst="roundRect">
@@ -9298,7 +11082,7 @@
         <p:spPr>
           <a:xfrm>
             <a:off x="1014942" y="1268361"/>
-            <a:ext cx="9928361" cy="1384995"/>
+            <a:ext cx="9928361" cy="2172903"/>
           </a:xfrm>
           <a:prstGeom prst="rect">
             <a:avLst/>
@@ -9312,35 +11096,96 @@
           <a:lstStyle/>
           <a:p>
             <a:r>
-              <a:rPr lang="en-IN" dirty="0">
-                <a:latin typeface="Verdana" panose="020B0604030504040204" pitchFamily="34" charset="0"/>
-                <a:ea typeface="Verdana" panose="020B0604030504040204" pitchFamily="34" charset="0"/>
-              </a:rPr>
-              <a:t>Brief Description </a:t>
-            </a:r>
-          </a:p>
-          <a:p>
-            <a:endParaRPr lang="en-IN" dirty="0">
-              <a:latin typeface="Verdana" panose="020B0604030504040204" pitchFamily="34" charset="0"/>
-              <a:ea typeface="Verdana" panose="020B0604030504040204" pitchFamily="34" charset="0"/>
+              <a:rPr lang="en-GB" sz="1600" b="1" dirty="0"/>
+              <a:t>Objective: </a:t>
+            </a:r>
+            <a:r>
+              <a:rPr lang="en-GB" sz="1600" dirty="0"/>
+              <a:t>The project addresses the need for advanced tools to enhance the efficiency of emergency response services, focusing on a drone designed for reconnaissance and support in disaster-affected areas. The drone will provide real-time situational awareness to emergency responders, reducing response times and improving decision-making</a:t>
+            </a:r>
+          </a:p>
+          <a:p>
+            <a:pPr marL="342900" marR="0" lvl="0" indent="-342900">
+              <a:lnSpc>
+                <a:spcPct val="115000"/>
+              </a:lnSpc>
+              <a:spcBef>
+                <a:spcPts val="0"/>
+              </a:spcBef>
+              <a:spcAft>
+                <a:spcPts val="0"/>
+              </a:spcAft>
+              <a:buSzPts val="1000"/>
+              <a:buFont typeface="Symbol" panose="05050102010706020507" pitchFamily="18" charset="2"/>
+              <a:buChar char=""/>
+              <a:tabLst>
+                <a:tab pos="457200" algn="l"/>
+              </a:tabLst>
+            </a:pPr>
+            <a:r>
+              <a:rPr lang="en-US" sz="1600" b="1" dirty="0">
+                <a:effectLst/>
+                <a:latin typeface="Times New Roman" panose="02020603050405020304" pitchFamily="18" charset="0"/>
+                <a:ea typeface="Times New Roman" panose="02020603050405020304" pitchFamily="18" charset="0"/>
+              </a:rPr>
+              <a:t>Develop a drone capable of providing real-time aerial reconnaissance</a:t>
+            </a:r>
+            <a:r>
+              <a:rPr lang="en-US" sz="1600" dirty="0">
+                <a:effectLst/>
+                <a:latin typeface="Times New Roman" panose="02020603050405020304" pitchFamily="18" charset="0"/>
+                <a:ea typeface="Times New Roman" panose="02020603050405020304" pitchFamily="18" charset="0"/>
+              </a:rPr>
+              <a:t> to emergency services.</a:t>
+            </a:r>
+            <a:endParaRPr lang="en-US" sz="1600" dirty="0">
+              <a:effectLst/>
+              <a:latin typeface="Arial" panose="020B0604020202020204" pitchFamily="34" charset="0"/>
+              <a:ea typeface="Arial" panose="020B0604020202020204" pitchFamily="34" charset="0"/>
             </a:endParaRPr>
           </a:p>
           <a:p>
-            <a:r>
-              <a:rPr lang="en-GB" b="1" dirty="0"/>
-              <a:t>Objective: </a:t>
-            </a:r>
-            <a:r>
-              <a:rPr lang="en-GB" dirty="0"/>
-              <a:t>The project aims to develop an assistance drone specifically designed to enhance the capabilities of emergency services. The drone will focus on providing real-time situational awareness, reconnaissance, and support for rescue operations in hard-to-reach or disaster-affected areas.</a:t>
-            </a:r>
-            <a:endParaRPr lang="en-IN" dirty="0">
-              <a:latin typeface="Verdana" panose="020B0604030504040204" pitchFamily="34" charset="0"/>
-              <a:ea typeface="Verdana" panose="020B0604030504040204" pitchFamily="34" charset="0"/>
+            <a:pPr marL="342900" marR="0" lvl="0" indent="-342900">
+              <a:lnSpc>
+                <a:spcPct val="115000"/>
+              </a:lnSpc>
+              <a:spcBef>
+                <a:spcPts val="0"/>
+              </a:spcBef>
+              <a:spcAft>
+                <a:spcPts val="0"/>
+              </a:spcAft>
+              <a:buSzPts val="1000"/>
+              <a:buFont typeface="Symbol" panose="05050102010706020507" pitchFamily="18" charset="2"/>
+              <a:buChar char=""/>
+              <a:tabLst>
+                <a:tab pos="457200" algn="l"/>
+              </a:tabLst>
+            </a:pPr>
+            <a:r>
+              <a:rPr lang="en-US" sz="1600" b="1" dirty="0">
+                <a:effectLst/>
+                <a:latin typeface="Times New Roman" panose="02020603050405020304" pitchFamily="18" charset="0"/>
+                <a:ea typeface="Times New Roman" panose="02020603050405020304" pitchFamily="18" charset="0"/>
+              </a:rPr>
+              <a:t>Assist emergency response teams</a:t>
+            </a:r>
+            <a:r>
+              <a:rPr lang="en-US" sz="1600" dirty="0">
+                <a:effectLst/>
+                <a:latin typeface="Times New Roman" panose="02020603050405020304" pitchFamily="18" charset="0"/>
+                <a:ea typeface="Times New Roman" panose="02020603050405020304" pitchFamily="18" charset="0"/>
+              </a:rPr>
+              <a:t> in disaster-stricken areas by offering live video feeds, enhancing situational awareness.</a:t>
+            </a:r>
+            <a:endParaRPr lang="en-US" sz="1600" dirty="0">
+              <a:effectLst/>
+              <a:latin typeface="Arial" panose="020B0604020202020204" pitchFamily="34" charset="0"/>
+              <a:ea typeface="Arial" panose="020B0604020202020204" pitchFamily="34" charset="0"/>
             </a:endParaRPr>
           </a:p>
           <a:p>
-            <a:endParaRPr lang="en-IN" dirty="0">
+            <a:endParaRPr lang="en-IN" sz="1600" dirty="0">
               <a:latin typeface="Verdana" panose="020B0604030504040204" pitchFamily="34" charset="0"/>
               <a:ea typeface="Verdana" panose="020B0604030504040204" pitchFamily="34" charset="0"/>
             </a:endParaRPr>
@@ -9362,7 +11207,7 @@
         <p:spPr>
           <a:xfrm>
             <a:off x="1014942" y="3461057"/>
-            <a:ext cx="9943179" cy="2893100"/>
+            <a:ext cx="10920896" cy="2653034"/>
           </a:xfrm>
           <a:prstGeom prst="rect">
             <a:avLst/>
@@ -9375,12 +11220,25 @@
           </a:bodyPr>
           <a:lstStyle/>
           <a:p>
+            <a:endParaRPr lang="en-IN" dirty="0">
+              <a:latin typeface="Verdana" panose="020B0604030504040204" pitchFamily="34" charset="0"/>
+              <a:ea typeface="Verdana" panose="020B0604030504040204" pitchFamily="34" charset="0"/>
+            </a:endParaRPr>
+          </a:p>
+          <a:p>
+            <a:r>
+              <a:rPr lang="en-IN" b="1" dirty="0">
+                <a:latin typeface="Verdana" panose="020B0604030504040204" pitchFamily="34" charset="0"/>
+                <a:ea typeface="Verdana" panose="020B0604030504040204" pitchFamily="34" charset="0"/>
+              </a:rPr>
+              <a:t>Main Goals</a:t>
+            </a:r>
             <a:r>
               <a:rPr lang="en-IN" dirty="0">
                 <a:latin typeface="Verdana" panose="020B0604030504040204" pitchFamily="34" charset="0"/>
                 <a:ea typeface="Verdana" panose="020B0604030504040204" pitchFamily="34" charset="0"/>
               </a:rPr>
-              <a:t>Main Goals </a:t>
+              <a:t> </a:t>
             </a:r>
           </a:p>
           <a:p>
@@ -9396,8 +11254,6 @@
               </a:spcAft>
               <a:buClrTx/>
               <a:buSzTx/>
-              <a:buFontTx/>
-              <a:buNone/>
               <a:tabLst/>
             </a:pPr>
             <a:endParaRPr kumimoji="0" lang="en-US" altLang="en-US" sz="1400" b="0" i="0" u="none" strike="noStrike" cap="none" normalizeH="0" baseline="0" dirty="0">
@@ -9412,274 +11268,124 @@
             </a:endParaRPr>
           </a:p>
           <a:p>
-            <a:pPr marL="0" marR="0" lvl="0" indent="0" algn="l" defTabSz="914400" rtl="0" eaLnBrk="0" fontAlgn="base" latinLnBrk="0" hangingPunct="0">
-              <a:lnSpc>
-                <a:spcPct val="100000"/>
-              </a:lnSpc>
-              <a:spcBef>
-                <a:spcPct val="0"/>
-              </a:spcBef>
-              <a:spcAft>
-                <a:spcPct val="0"/>
-              </a:spcAft>
-              <a:buClrTx/>
-              <a:buSzTx/>
-              <a:buFontTx/>
-              <a:buChar char="•"/>
-              <a:tabLst/>
+            <a:pPr marL="342900" marR="0" lvl="0" indent="-342900">
+              <a:lnSpc>
+                <a:spcPct val="115000"/>
+              </a:lnSpc>
+              <a:spcBef>
+                <a:spcPts val="0"/>
+              </a:spcBef>
+              <a:spcAft>
+                <a:spcPts val="0"/>
+              </a:spcAft>
+              <a:buSzPts val="1000"/>
+              <a:buFont typeface="Symbol" panose="05050102010706020507" pitchFamily="18" charset="2"/>
+              <a:buChar char=""/>
+              <a:tabLst>
+                <a:tab pos="457200" algn="l"/>
+              </a:tabLst>
             </a:pPr>
             <a:r>
-              <a:rPr kumimoji="0" lang="en-US" altLang="en-US" sz="1400" b="0" i="0" u="none" strike="noStrike" cap="none" normalizeH="0" baseline="0" dirty="0">
-                <a:ln>
-                  <a:noFill/>
-                </a:ln>
-                <a:solidFill>
-                  <a:schemeClr val="tx1"/>
-                </a:solidFill>
+              <a:rPr lang="en-US" sz="1600" b="1" dirty="0">
                 <a:effectLst/>
-                <a:latin typeface="Arial" panose="020B0604020202020204" pitchFamily="34" charset="0"/>
-              </a:rPr>
-              <a:t>Implement high-resolution imaging for detailed situational assessment.</a:t>
-            </a:r>
-          </a:p>
-          <a:p>
-            <a:pPr marL="0" marR="0" lvl="0" indent="0" algn="l" defTabSz="914400" rtl="0" eaLnBrk="0" fontAlgn="base" latinLnBrk="0" hangingPunct="0">
-              <a:lnSpc>
-                <a:spcPct val="100000"/>
-              </a:lnSpc>
-              <a:spcBef>
-                <a:spcPct val="0"/>
-              </a:spcBef>
-              <a:spcAft>
-                <a:spcPct val="0"/>
-              </a:spcAft>
-              <a:buClrTx/>
-              <a:buSzTx/>
-              <a:buFontTx/>
-              <a:buChar char="•"/>
-              <a:tabLst/>
-            </a:pPr>
-            <a:r>
-              <a:rPr kumimoji="0" lang="en-US" altLang="en-US" sz="1400" b="0" i="0" u="none" strike="noStrike" cap="none" normalizeH="0" baseline="0" dirty="0">
-                <a:ln>
-                  <a:noFill/>
-                </a:ln>
-                <a:solidFill>
-                  <a:schemeClr val="tx1"/>
-                </a:solidFill>
+                <a:latin typeface="Times New Roman" panose="02020603050405020304" pitchFamily="18" charset="0"/>
+                <a:ea typeface="Times New Roman" panose="02020603050405020304" pitchFamily="18" charset="0"/>
+              </a:rPr>
+              <a:t>Optimize the drone’s flight efficiency, communication range, and operational capabilities</a:t>
+            </a:r>
+            <a:r>
+              <a:rPr lang="en-US" sz="1600" dirty="0">
                 <a:effectLst/>
-                <a:latin typeface="Arial" panose="020B0604020202020204" pitchFamily="34" charset="0"/>
-              </a:rPr>
-              <a:t>Integrate real-time communication capabilities for continuous data transmission.</a:t>
-            </a:r>
-          </a:p>
-          <a:p>
-            <a:pPr marL="0" marR="0" lvl="0" indent="0" algn="l" defTabSz="914400" rtl="0" eaLnBrk="0" fontAlgn="base" latinLnBrk="0" hangingPunct="0">
-              <a:lnSpc>
-                <a:spcPct val="100000"/>
-              </a:lnSpc>
-              <a:spcBef>
-                <a:spcPct val="0"/>
-              </a:spcBef>
-              <a:spcAft>
-                <a:spcPct val="0"/>
-              </a:spcAft>
-              <a:buClrTx/>
-              <a:buSzTx/>
-              <a:buFontTx/>
-              <a:buChar char="•"/>
-              <a:tabLst/>
-            </a:pPr>
-            <a:r>
-              <a:rPr kumimoji="0" lang="en-US" altLang="en-US" sz="1400" b="0" i="0" u="none" strike="noStrike" cap="none" normalizeH="0" baseline="0" dirty="0">
-                <a:ln>
-                  <a:noFill/>
-                </a:ln>
-                <a:solidFill>
-                  <a:schemeClr val="tx1"/>
-                </a:solidFill>
-                <a:effectLst/>
-                <a:latin typeface="Arial" panose="020B0604020202020204" pitchFamily="34" charset="0"/>
-              </a:rPr>
-              <a:t>Achieve a flight time of up to 40 minutes and a 1-kilometer operational range. </a:t>
-            </a:r>
-          </a:p>
-          <a:p>
-            <a:pPr marL="0" marR="0" lvl="0" indent="0" algn="l" defTabSz="914400" rtl="0" eaLnBrk="0" fontAlgn="base" latinLnBrk="0" hangingPunct="0">
-              <a:lnSpc>
-                <a:spcPct val="100000"/>
-              </a:lnSpc>
-              <a:spcBef>
-                <a:spcPct val="0"/>
-              </a:spcBef>
-              <a:spcAft>
-                <a:spcPct val="0"/>
-              </a:spcAft>
-              <a:buClrTx/>
-              <a:buSzTx/>
-              <a:buFontTx/>
-              <a:buChar char="•"/>
-              <a:tabLst/>
-            </a:pPr>
-            <a:r>
-              <a:rPr lang="en-US" altLang="en-US" dirty="0">
-                <a:solidFill>
-                  <a:schemeClr val="tx1"/>
-                </a:solidFill>
-                <a:latin typeface="Arial" panose="020B0604020202020204" pitchFamily="34" charset="0"/>
-              </a:rPr>
-              <a:t>Autonomous Navigation complimented with Geo-Fencing </a:t>
-            </a:r>
-            <a:endParaRPr kumimoji="0" lang="en-US" altLang="en-US" sz="1400" b="0" i="0" u="none" strike="noStrike" cap="none" normalizeH="0" baseline="0" dirty="0">
-              <a:ln>
-                <a:noFill/>
-              </a:ln>
-              <a:solidFill>
-                <a:schemeClr val="tx1"/>
-              </a:solidFill>
+                <a:latin typeface="Times New Roman" panose="02020603050405020304" pitchFamily="18" charset="0"/>
+                <a:ea typeface="Times New Roman" panose="02020603050405020304" pitchFamily="18" charset="0"/>
+              </a:rPr>
+              <a:t> for seamless real-time data transmission.</a:t>
+            </a:r>
+            <a:endParaRPr lang="en-US" sz="1600" dirty="0">
               <a:effectLst/>
               <a:latin typeface="Arial" panose="020B0604020202020204" pitchFamily="34" charset="0"/>
+              <a:ea typeface="Arial" panose="020B0604020202020204" pitchFamily="34" charset="0"/>
             </a:endParaRPr>
           </a:p>
           <a:p>
-            <a:pPr marL="285750" indent="-285750">
-              <a:buFont typeface="Arial" panose="020B0604020202020204" pitchFamily="34" charset="0"/>
-              <a:buChar char="•"/>
+            <a:pPr marL="342900" marR="0" lvl="0" indent="-342900">
+              <a:lnSpc>
+                <a:spcPct val="115000"/>
+              </a:lnSpc>
+              <a:spcBef>
+                <a:spcPts val="0"/>
+              </a:spcBef>
+              <a:spcAft>
+                <a:spcPts val="0"/>
+              </a:spcAft>
+              <a:buSzPts val="1000"/>
+              <a:buFont typeface="Symbol" panose="05050102010706020507" pitchFamily="18" charset="2"/>
+              <a:buChar char=""/>
+              <a:tabLst>
+                <a:tab pos="457200" algn="l"/>
+              </a:tabLst>
             </a:pPr>
-            <a:endParaRPr lang="en-IN" dirty="0">
-              <a:latin typeface="Verdana" panose="020B0604030504040204" pitchFamily="34" charset="0"/>
-              <a:ea typeface="Verdana" panose="020B0604030504040204" pitchFamily="34" charset="0"/>
-            </a:endParaRPr>
-          </a:p>
-          <a:p>
-            <a:r>
-              <a:rPr lang="en-IN" dirty="0">
-                <a:latin typeface="Verdana" panose="020B0604030504040204" pitchFamily="34" charset="0"/>
-                <a:ea typeface="Verdana" panose="020B0604030504040204" pitchFamily="34" charset="0"/>
-              </a:rPr>
-              <a:t>Additional Goals </a:t>
-            </a:r>
-          </a:p>
-          <a:p>
-            <a:pPr marL="0" marR="0" lvl="0" indent="0" algn="l" defTabSz="914400" rtl="0" eaLnBrk="0" fontAlgn="base" latinLnBrk="0" hangingPunct="0">
-              <a:lnSpc>
-                <a:spcPct val="100000"/>
-              </a:lnSpc>
-              <a:spcBef>
-                <a:spcPct val="0"/>
-              </a:spcBef>
-              <a:spcAft>
-                <a:spcPct val="0"/>
-              </a:spcAft>
-              <a:buClrTx/>
-              <a:buSzTx/>
-              <a:buFontTx/>
-              <a:buNone/>
-              <a:tabLst/>
-            </a:pPr>
-            <a:endParaRPr kumimoji="0" lang="en-US" altLang="en-US" sz="1400" b="0" i="0" u="none" strike="noStrike" cap="none" normalizeH="0" baseline="0" dirty="0">
-              <a:ln>
-                <a:noFill/>
-              </a:ln>
-              <a:solidFill>
-                <a:schemeClr val="tx1"/>
-              </a:solidFill>
+            <a:r>
+              <a:rPr lang="en-US" sz="1600" b="1" dirty="0">
+                <a:effectLst/>
+                <a:latin typeface="Times New Roman" panose="02020603050405020304" pitchFamily="18" charset="0"/>
+                <a:ea typeface="Times New Roman" panose="02020603050405020304" pitchFamily="18" charset="0"/>
+              </a:rPr>
+              <a:t>Ensure ease of deployment and autonomous flight capabilities</a:t>
+            </a:r>
+            <a:r>
+              <a:rPr lang="en-US" sz="1600" dirty="0">
+                <a:effectLst/>
+                <a:latin typeface="Times New Roman" panose="02020603050405020304" pitchFamily="18" charset="0"/>
+                <a:ea typeface="Times New Roman" panose="02020603050405020304" pitchFamily="18" charset="0"/>
+              </a:rPr>
+              <a:t>, minimizing the need for manual intervention during critical operations.</a:t>
+            </a:r>
+            <a:endParaRPr lang="en-US" sz="1600" dirty="0">
               <a:effectLst/>
               <a:latin typeface="Arial" panose="020B0604020202020204" pitchFamily="34" charset="0"/>
+              <a:ea typeface="Arial" panose="020B0604020202020204" pitchFamily="34" charset="0"/>
             </a:endParaRPr>
           </a:p>
           <a:p>
-            <a:pPr marL="0" marR="0" lvl="0" indent="0" algn="l" defTabSz="914400" rtl="0" eaLnBrk="0" fontAlgn="base" latinLnBrk="0" hangingPunct="0">
-              <a:lnSpc>
-                <a:spcPct val="100000"/>
-              </a:lnSpc>
-              <a:spcBef>
-                <a:spcPct val="0"/>
-              </a:spcBef>
-              <a:spcAft>
-                <a:spcPct val="0"/>
-              </a:spcAft>
-              <a:buClrTx/>
-              <a:buSzTx/>
-              <a:buFontTx/>
-              <a:buChar char="•"/>
-              <a:tabLst/>
+            <a:pPr marL="342900" marR="0" lvl="0" indent="-342900">
+              <a:lnSpc>
+                <a:spcPct val="115000"/>
+              </a:lnSpc>
+              <a:spcBef>
+                <a:spcPts val="0"/>
+              </a:spcBef>
+              <a:spcAft>
+                <a:spcPts val="0"/>
+              </a:spcAft>
+              <a:buSzPts val="1000"/>
+              <a:buFont typeface="Symbol" panose="05050102010706020507" pitchFamily="18" charset="2"/>
+              <a:buChar char=""/>
+              <a:tabLst>
+                <a:tab pos="457200" algn="l"/>
+              </a:tabLst>
             </a:pPr>
             <a:r>
-              <a:rPr kumimoji="0" lang="en-US" altLang="en-US" sz="1400" b="0" i="0" u="none" strike="noStrike" cap="none" normalizeH="0" baseline="0" dirty="0">
-                <a:ln>
-                  <a:noFill/>
-                </a:ln>
-                <a:solidFill>
-                  <a:schemeClr val="tx1"/>
-                </a:solidFill>
+              <a:rPr lang="en-US" sz="1600" b="1" dirty="0">
                 <a:effectLst/>
-                <a:latin typeface="Arial" panose="020B0604020202020204" pitchFamily="34" charset="0"/>
-              </a:rPr>
-              <a:t>Ensure the drone can withstand harsh environmental conditions.</a:t>
-            </a:r>
-          </a:p>
-          <a:p>
-            <a:pPr marL="0" marR="0" lvl="0" indent="0" algn="l" defTabSz="914400" rtl="0" eaLnBrk="0" fontAlgn="base" latinLnBrk="0" hangingPunct="0">
-              <a:lnSpc>
-                <a:spcPct val="100000"/>
-              </a:lnSpc>
-              <a:spcBef>
-                <a:spcPct val="0"/>
-              </a:spcBef>
-              <a:spcAft>
-                <a:spcPct val="0"/>
-              </a:spcAft>
-              <a:buClrTx/>
-              <a:buSzTx/>
-              <a:buFontTx/>
-              <a:buChar char="•"/>
-              <a:tabLst/>
-            </a:pPr>
-            <a:r>
-              <a:rPr kumimoji="0" lang="en-US" altLang="en-US" sz="1400" b="0" i="0" u="none" strike="noStrike" cap="none" normalizeH="0" baseline="0" dirty="0">
-                <a:ln>
-                  <a:noFill/>
-                </a:ln>
-                <a:solidFill>
-                  <a:schemeClr val="tx1"/>
-                </a:solidFill>
+                <a:latin typeface="Times New Roman" panose="02020603050405020304" pitchFamily="18" charset="0"/>
+                <a:ea typeface="Times New Roman" panose="02020603050405020304" pitchFamily="18" charset="0"/>
+              </a:rPr>
+              <a:t>Integrate the drone with existing emergency response systems</a:t>
+            </a:r>
+            <a:r>
+              <a:rPr lang="en-US" sz="1600" dirty="0">
                 <a:effectLst/>
-                <a:latin typeface="Arial" panose="020B0604020202020204" pitchFamily="34" charset="0"/>
-              </a:rPr>
-              <a:t>Utilize dual-band for reliable communication.</a:t>
-            </a:r>
-          </a:p>
-          <a:p>
-            <a:pPr marL="0" marR="0" lvl="0" indent="0" algn="l" defTabSz="914400" rtl="0" eaLnBrk="0" fontAlgn="base" latinLnBrk="0" hangingPunct="0">
-              <a:lnSpc>
-                <a:spcPct val="100000"/>
-              </a:lnSpc>
-              <a:spcBef>
-                <a:spcPct val="0"/>
-              </a:spcBef>
-              <a:spcAft>
-                <a:spcPct val="0"/>
-              </a:spcAft>
-              <a:buClrTx/>
-              <a:buSzTx/>
-              <a:buFontTx/>
-              <a:buChar char="•"/>
-              <a:tabLst/>
-            </a:pPr>
-            <a:r>
-              <a:rPr kumimoji="0" lang="en-US" altLang="en-US" sz="1400" b="0" i="0" u="none" strike="noStrike" cap="none" normalizeH="0" baseline="0" dirty="0">
-                <a:ln>
-                  <a:noFill/>
-                </a:ln>
-                <a:solidFill>
-                  <a:schemeClr val="tx1"/>
-                </a:solidFill>
-                <a:effectLst/>
-                <a:latin typeface="Arial" panose="020B0604020202020204" pitchFamily="34" charset="0"/>
-              </a:rPr>
-              <a:t>Focus on reducing response times by up to 50%. </a:t>
-            </a:r>
+                <a:latin typeface="Times New Roman" panose="02020603050405020304" pitchFamily="18" charset="0"/>
+                <a:ea typeface="Times New Roman" panose="02020603050405020304" pitchFamily="18" charset="0"/>
+              </a:rPr>
+              <a:t> to improve coordination and effectiveness in rescue operations.</a:t>
+            </a:r>
+            <a:endParaRPr lang="en-US" sz="1600" dirty="0">
+              <a:effectLst/>
+              <a:latin typeface="Arial" panose="020B0604020202020204" pitchFamily="34" charset="0"/>
+              <a:ea typeface="Arial" panose="020B0604020202020204" pitchFamily="34" charset="0"/>
+            </a:endParaRPr>
           </a:p>
           <a:p>
             <a:pPr marL="285750" indent="-285750">
@@ -17262,34 +18968,61 @@
           </a:bodyPr>
           <a:lstStyle/>
           <a:p>
-            <a:pPr marL="0" marR="0" lvl="0" indent="0" rtl="0">
-              <a:lnSpc>
-                <a:spcPct val="100000"/>
-              </a:lnSpc>
-              <a:spcBef>
-                <a:spcPts val="0"/>
-              </a:spcBef>
-              <a:spcAft>
-                <a:spcPts val="0"/>
-              </a:spcAft>
-              <a:buNone/>
+            <a:pPr marL="0" marR="0">
+              <a:lnSpc>
+                <a:spcPct val="115000"/>
+              </a:lnSpc>
+              <a:spcBef>
+                <a:spcPts val="0"/>
+              </a:spcBef>
+              <a:spcAft>
+                <a:spcPts val="0"/>
+              </a:spcAft>
             </a:pPr>
             <a:r>
-              <a:rPr lang="en-IN" b="1" dirty="0">
-                <a:latin typeface="Verdana" panose="020B0604030504040204" pitchFamily="34" charset="0"/>
-                <a:ea typeface="Verdana" panose="020B0604030504040204" pitchFamily="34" charset="0"/>
+              <a:rPr lang="en-IN" sz="1400" dirty="0">
+                <a:effectLst/>
+                <a:latin typeface="Times New Roman" panose="02020603050405020304" pitchFamily="18" charset="0"/>
+                <a:ea typeface="Times New Roman" panose="02020603050405020304" pitchFamily="18" charset="0"/>
+              </a:rPr>
+              <a:t> </a:t>
+            </a:r>
+            <a:endParaRPr lang="en-US" sz="1100" dirty="0">
+              <a:effectLst/>
+              <a:latin typeface="Arial" panose="020B0604020202020204" pitchFamily="34" charset="0"/>
+              <a:ea typeface="Arial" panose="020B0604020202020204" pitchFamily="34" charset="0"/>
+            </a:endParaRPr>
+          </a:p>
+          <a:p>
+            <a:pPr marL="0" marR="0">
+              <a:lnSpc>
+                <a:spcPct val="115000"/>
+              </a:lnSpc>
+              <a:spcBef>
+                <a:spcPts val="0"/>
+              </a:spcBef>
+              <a:spcAft>
+                <a:spcPts val="0"/>
+              </a:spcAft>
+            </a:pPr>
+            <a:r>
+              <a:rPr lang="en-IN" sz="1400" dirty="0">
+                <a:effectLst/>
+                <a:latin typeface="Times New Roman" panose="02020603050405020304" pitchFamily="18" charset="0"/>
+                <a:ea typeface="Times New Roman" panose="02020603050405020304" pitchFamily="18" charset="0"/>
               </a:rPr>
               <a:t>Key Publications </a:t>
             </a:r>
-            <a:endParaRPr lang="en-IN" dirty="0">
-              <a:latin typeface="Verdana" panose="020B0604030504040204" pitchFamily="34" charset="0"/>
-              <a:ea typeface="Verdana" panose="020B0604030504040204" pitchFamily="34" charset="0"/>
+            <a:endParaRPr lang="en-US" sz="1100" dirty="0">
+              <a:effectLst/>
+              <a:latin typeface="Arial" panose="020B0604020202020204" pitchFamily="34" charset="0"/>
+              <a:ea typeface="Arial" panose="020B0604020202020204" pitchFamily="34" charset="0"/>
             </a:endParaRPr>
           </a:p>
           <a:p>
-            <a:pPr marL="285750" marR="0" lvl="0" indent="-285750" rtl="0">
-              <a:lnSpc>
-                <a:spcPct val="100000"/>
+            <a:pPr marL="342900" marR="0" lvl="0" indent="-342900">
+              <a:lnSpc>
+                <a:spcPct val="115000"/>
               </a:lnSpc>
               <a:spcBef>
                 <a:spcPts val="0"/>
@@ -17299,19 +19032,30 @@
               </a:spcAft>
               <a:buFont typeface="Arial" panose="020B0604020202020204" pitchFamily="34" charset="0"/>
               <a:buChar char="•"/>
+              <a:tabLst>
+                <a:tab pos="457200" algn="l"/>
+              </a:tabLst>
             </a:pPr>
             <a:r>
-              <a:rPr lang="en-GB" dirty="0">
-                <a:latin typeface="Verdana" panose="020B0604030504040204" pitchFamily="34" charset="0"/>
-                <a:ea typeface="Verdana" panose="020B0604030504040204" pitchFamily="34" charset="0"/>
+              <a:rPr lang="en-GB" sz="1400" dirty="0">
+                <a:effectLst/>
+                <a:latin typeface="Times New Roman" panose="02020603050405020304" pitchFamily="18" charset="0"/>
+                <a:ea typeface="Times New Roman" panose="02020603050405020304" pitchFamily="18" charset="0"/>
+                <a:cs typeface="Times New Roman" panose="02020603050405020304" pitchFamily="18" charset="0"/>
               </a:rPr>
               <a:t>APPLICATIONS OF UNMANNED AERIAL VEHICLES: A REVIEW </a:t>
             </a:r>
-          </a:p>
-          <a:p>
-            <a:pPr marR="0" lvl="0" rtl="0">
-              <a:lnSpc>
-                <a:spcPct val="100000"/>
+            <a:endParaRPr lang="en-US" sz="1100" dirty="0">
+              <a:effectLst/>
+              <a:latin typeface="Arial" panose="020B0604020202020204" pitchFamily="34" charset="0"/>
+              <a:ea typeface="Arial" panose="020B0604020202020204" pitchFamily="34" charset="0"/>
+              <a:cs typeface="Times New Roman" panose="02020603050405020304" pitchFamily="18" charset="0"/>
+            </a:endParaRPr>
+          </a:p>
+          <a:p>
+            <a:pPr marL="0" marR="0">
+              <a:lnSpc>
+                <a:spcPct val="115000"/>
               </a:lnSpc>
               <a:spcBef>
                 <a:spcPts val="0"/>
@@ -17321,22 +19065,27 @@
               </a:spcAft>
             </a:pPr>
             <a:r>
-              <a:rPr lang="pt-BR" dirty="0">
-                <a:latin typeface="Verdana" panose="020B0604030504040204" pitchFamily="34" charset="0"/>
-                <a:ea typeface="Verdana" panose="020B0604030504040204" pitchFamily="34" charset="0"/>
+              <a:rPr lang="pt-BR" sz="1400" u="sng" dirty="0">
+                <a:solidFill>
+                  <a:srgbClr val="0000FF"/>
+                </a:solidFill>
+                <a:effectLst/>
+                <a:latin typeface="Times New Roman" panose="02020603050405020304" pitchFamily="18" charset="0"/>
+                <a:ea typeface="Times New Roman" panose="02020603050405020304" pitchFamily="18" charset="0"/>
                 <a:hlinkClick r:id="rId2"/>
               </a:rPr>
               <a:t>http://dx.doi.org/10.17993/3ctecno.2019.specialissue3.85-105</a:t>
             </a:r>
-            <a:endParaRPr lang="en-IN" dirty="0">
-              <a:latin typeface="Verdana" panose="020B0604030504040204" pitchFamily="34" charset="0"/>
-              <a:ea typeface="Verdana" panose="020B0604030504040204" pitchFamily="34" charset="0"/>
+            <a:endParaRPr lang="en-US" sz="1100" dirty="0">
+              <a:effectLst/>
+              <a:latin typeface="Arial" panose="020B0604020202020204" pitchFamily="34" charset="0"/>
+              <a:ea typeface="Arial" panose="020B0604020202020204" pitchFamily="34" charset="0"/>
             </a:endParaRPr>
           </a:p>
           <a:p>
-            <a:pPr marL="285750" marR="0" lvl="0" indent="-285750" rtl="0">
-              <a:lnSpc>
-                <a:spcPct val="100000"/>
+            <a:pPr marL="342900" marR="0" lvl="0" indent="-342900">
+              <a:lnSpc>
+                <a:spcPct val="115000"/>
               </a:lnSpc>
               <a:spcBef>
                 <a:spcPts val="0"/>
@@ -17346,16 +19095,30 @@
               </a:spcAft>
               <a:buFont typeface="Arial" panose="020B0604020202020204" pitchFamily="34" charset="0"/>
               <a:buChar char="•"/>
+              <a:tabLst>
+                <a:tab pos="457200" algn="l"/>
+              </a:tabLst>
             </a:pPr>
             <a:r>
-              <a:rPr lang="en-GB" dirty="0"/>
+              <a:rPr lang="en-GB" sz="1400" dirty="0">
+                <a:effectLst/>
+                <a:latin typeface="Times New Roman" panose="02020603050405020304" pitchFamily="18" charset="0"/>
+                <a:ea typeface="Times New Roman" panose="02020603050405020304" pitchFamily="18" charset="0"/>
+                <a:cs typeface="Times New Roman" panose="02020603050405020304" pitchFamily="18" charset="0"/>
+              </a:rPr>
               <a:t>A review of UAV autonomous navigation in GPS-denied environments</a:t>
             </a:r>
-          </a:p>
-          <a:p>
-            <a:pPr marR="0" lvl="0" rtl="0">
-              <a:lnSpc>
-                <a:spcPct val="100000"/>
+            <a:endParaRPr lang="en-US" sz="1100" dirty="0">
+              <a:effectLst/>
+              <a:latin typeface="Arial" panose="020B0604020202020204" pitchFamily="34" charset="0"/>
+              <a:ea typeface="Arial" panose="020B0604020202020204" pitchFamily="34" charset="0"/>
+              <a:cs typeface="Times New Roman" panose="02020603050405020304" pitchFamily="18" charset="0"/>
+            </a:endParaRPr>
+          </a:p>
+          <a:p>
+            <a:pPr marL="0" marR="0">
+              <a:lnSpc>
+                <a:spcPct val="115000"/>
               </a:lnSpc>
               <a:spcBef>
                 <a:spcPts val="0"/>
@@ -17365,19 +19128,27 @@
               </a:spcAft>
             </a:pPr>
             <a:r>
-              <a:rPr lang="en-US" b="0" i="0" u="none" strike="noStrike" dirty="0">
+              <a:rPr lang="en-US" sz="1400" u="sng" dirty="0">
+                <a:solidFill>
+                  <a:srgbClr val="0000FF"/>
+                </a:solidFill>
                 <a:effectLst/>
-                <a:latin typeface="ElsevierSans"/>
-                <a:hlinkClick r:id="rId3" tooltip="Persistent link using digital object identifier"/>
+                <a:latin typeface="Times New Roman" panose="02020603050405020304" pitchFamily="18" charset="0"/>
+                <a:ea typeface="Times New Roman" panose="02020603050405020304" pitchFamily="18" charset="0"/>
+                <a:hlinkClick r:id="rId3"/>
               </a:rPr>
               <a:t>https://doi.org/10.1016/j.robot.2023.104533</a:t>
             </a:r>
-            <a:endParaRPr lang="en-GB" dirty="0"/>
-          </a:p>
-          <a:p>
-            <a:pPr marL="285750" marR="0" lvl="0" indent="-285750" rtl="0">
-              <a:lnSpc>
-                <a:spcPct val="100000"/>
+            <a:endParaRPr lang="en-US" sz="1100" dirty="0">
+              <a:effectLst/>
+              <a:latin typeface="Arial" panose="020B0604020202020204" pitchFamily="34" charset="0"/>
+              <a:ea typeface="Arial" panose="020B0604020202020204" pitchFamily="34" charset="0"/>
+            </a:endParaRPr>
+          </a:p>
+          <a:p>
+            <a:pPr marL="342900" marR="0" lvl="0" indent="-342900">
+              <a:lnSpc>
+                <a:spcPct val="115000"/>
               </a:lnSpc>
               <a:spcBef>
                 <a:spcPts val="0"/>
@@ -17387,108 +19158,322 @@
               </a:spcAft>
               <a:buFont typeface="Arial" panose="020B0604020202020204" pitchFamily="34" charset="0"/>
               <a:buChar char="•"/>
+              <a:tabLst>
+                <a:tab pos="457200" algn="l"/>
+              </a:tabLst>
             </a:pPr>
             <a:r>
-              <a:rPr lang="en-GB" i="0" dirty="0">
+              <a:rPr lang="en-GB" sz="1400" dirty="0">
+                <a:effectLst/>
+                <a:latin typeface="Times New Roman" panose="02020603050405020304" pitchFamily="18" charset="0"/>
+                <a:ea typeface="Times New Roman" panose="02020603050405020304" pitchFamily="18" charset="0"/>
+                <a:cs typeface="Times New Roman" panose="02020603050405020304" pitchFamily="18" charset="0"/>
+              </a:rPr>
+              <a:t>Reliable Flying IoT Networks for UAV Disaster Rescue Operations</a:t>
+            </a:r>
+            <a:endParaRPr lang="en-US" sz="1100" dirty="0">
+              <a:effectLst/>
+              <a:latin typeface="Arial" panose="020B0604020202020204" pitchFamily="34" charset="0"/>
+              <a:ea typeface="Arial" panose="020B0604020202020204" pitchFamily="34" charset="0"/>
+              <a:cs typeface="Times New Roman" panose="02020603050405020304" pitchFamily="18" charset="0"/>
+            </a:endParaRPr>
+          </a:p>
+          <a:p>
+            <a:pPr marL="0" marR="0">
+              <a:lnSpc>
+                <a:spcPct val="115000"/>
+              </a:lnSpc>
+              <a:spcBef>
+                <a:spcPts val="0"/>
+              </a:spcBef>
+              <a:spcAft>
+                <a:spcPts val="0"/>
+              </a:spcAft>
+            </a:pPr>
+            <a:r>
+              <a:rPr lang="en-US" sz="1400" u="sng" dirty="0">
                 <a:solidFill>
-                  <a:srgbClr val="1C1D1E"/>
+                  <a:srgbClr val="0000FF"/>
                 </a:solidFill>
                 <a:effectLst/>
-                <a:latin typeface="Open Sans" panose="020B0606030504020204" pitchFamily="34" charset="0"/>
-              </a:rPr>
-              <a:t>Reliable Flying IoT Networks for UAV Disaster Rescue Operations</a:t>
-            </a:r>
-          </a:p>
-          <a:p>
-            <a:pPr marR="0" lvl="0" rtl="0">
-              <a:lnSpc>
-                <a:spcPct val="100000"/>
-              </a:lnSpc>
-              <a:spcBef>
-                <a:spcPts val="0"/>
-              </a:spcBef>
-              <a:spcAft>
-                <a:spcPts val="0"/>
-              </a:spcAft>
-            </a:pPr>
-            <a:r>
-              <a:rPr lang="en-US" b="1" i="0" u="none" strike="noStrike" dirty="0">
-                <a:effectLst/>
-                <a:latin typeface="Open Sans" panose="020B0606030504020204" pitchFamily="34" charset="0"/>
+                <a:latin typeface="Times New Roman" panose="02020603050405020304" pitchFamily="18" charset="0"/>
+                <a:ea typeface="Times New Roman" panose="02020603050405020304" pitchFamily="18" charset="0"/>
                 <a:hlinkClick r:id="rId4"/>
               </a:rPr>
               <a:t>https://doi.org/10.1155/2018/2572460</a:t>
             </a:r>
-            <a:endParaRPr lang="en-US" b="1" i="0" u="none" strike="noStrike" dirty="0">
+            <a:endParaRPr lang="en-US" sz="1100" dirty="0">
               <a:effectLst/>
-              <a:latin typeface="Open Sans" panose="020B0606030504020204" pitchFamily="34" charset="0"/>
+              <a:latin typeface="Arial" panose="020B0604020202020204" pitchFamily="34" charset="0"/>
+              <a:ea typeface="Arial" panose="020B0604020202020204" pitchFamily="34" charset="0"/>
             </a:endParaRPr>
           </a:p>
           <a:p>
-            <a:pPr marL="285750" indent="-285750" algn="l">
+            <a:pPr marL="342900" marR="0" lvl="0" indent="-342900">
+              <a:lnSpc>
+                <a:spcPct val="115000"/>
+              </a:lnSpc>
+              <a:spcBef>
+                <a:spcPts val="0"/>
+              </a:spcBef>
+              <a:spcAft>
+                <a:spcPts val="0"/>
+              </a:spcAft>
               <a:buFont typeface="Arial" panose="020B0604020202020204" pitchFamily="34" charset="0"/>
               <a:buChar char="•"/>
+              <a:tabLst>
+                <a:tab pos="457200" algn="l"/>
+              </a:tabLst>
             </a:pPr>
             <a:r>
-              <a:rPr lang="en-GB" i="0" dirty="0">
+              <a:rPr lang="en-GB" sz="1400" dirty="0">
+                <a:effectLst/>
+                <a:latin typeface="Times New Roman" panose="02020603050405020304" pitchFamily="18" charset="0"/>
+                <a:ea typeface="Times New Roman" panose="02020603050405020304" pitchFamily="18" charset="0"/>
+                <a:cs typeface="Times New Roman" panose="02020603050405020304" pitchFamily="18" charset="0"/>
+              </a:rPr>
+              <a:t>UAV- based Photogrammetry and Geo-computing for Hazards and Disaster Risk Monitoring – A Review</a:t>
+            </a:r>
+            <a:endParaRPr lang="en-US" sz="1100" dirty="0">
+              <a:effectLst/>
+              <a:latin typeface="Arial" panose="020B0604020202020204" pitchFamily="34" charset="0"/>
+              <a:ea typeface="Arial" panose="020B0604020202020204" pitchFamily="34" charset="0"/>
+              <a:cs typeface="Times New Roman" panose="02020603050405020304" pitchFamily="18" charset="0"/>
+            </a:endParaRPr>
+          </a:p>
+          <a:p>
+            <a:pPr marL="0" marR="0">
+              <a:lnSpc>
+                <a:spcPct val="115000"/>
+              </a:lnSpc>
+              <a:spcBef>
+                <a:spcPts val="0"/>
+              </a:spcBef>
+              <a:spcAft>
+                <a:spcPts val="0"/>
+              </a:spcAft>
+            </a:pPr>
+            <a:r>
+              <a:rPr lang="en-US" sz="1400" u="sng" dirty="0">
                 <a:solidFill>
-                  <a:schemeClr val="tx1"/>
+                  <a:srgbClr val="0000FF"/>
                 </a:solidFill>
                 <a:effectLst/>
-                <a:latin typeface="Merriweather Sans" pitchFamily="2" charset="0"/>
-              </a:rPr>
-              <a:t>UAV- based Photogrammetry and </a:t>
-            </a:r>
-            <a:r>
-              <a:rPr lang="en-GB" i="0" dirty="0" err="1">
+                <a:latin typeface="Times New Roman" panose="02020603050405020304" pitchFamily="18" charset="0"/>
+                <a:ea typeface="Times New Roman" panose="02020603050405020304" pitchFamily="18" charset="0"/>
+                <a:hlinkClick r:id="rId5"/>
+              </a:rPr>
+              <a:t>https://doi.org/10.1186/s40677-016-0060-y</a:t>
+            </a:r>
+            <a:endParaRPr lang="en-US" sz="1100" dirty="0">
+              <a:effectLst/>
+              <a:latin typeface="Arial" panose="020B0604020202020204" pitchFamily="34" charset="0"/>
+              <a:ea typeface="Arial" panose="020B0604020202020204" pitchFamily="34" charset="0"/>
+            </a:endParaRPr>
+          </a:p>
+          <a:p>
+            <a:pPr marL="0" marR="0">
+              <a:lnSpc>
+                <a:spcPct val="115000"/>
+              </a:lnSpc>
+              <a:spcBef>
+                <a:spcPts val="0"/>
+              </a:spcBef>
+              <a:spcAft>
+                <a:spcPts val="0"/>
+              </a:spcAft>
+            </a:pPr>
+            <a:r>
+              <a:rPr lang="en-IN" sz="1400" dirty="0">
+                <a:effectLst/>
+                <a:latin typeface="Times New Roman" panose="02020603050405020304" pitchFamily="18" charset="0"/>
+                <a:ea typeface="Times New Roman" panose="02020603050405020304" pitchFamily="18" charset="0"/>
+              </a:rPr>
+              <a:t>Key Resources – Whitepaper| Application Notes | Datasheet | Others</a:t>
+            </a:r>
+            <a:endParaRPr lang="en-US" sz="1100" dirty="0">
+              <a:effectLst/>
+              <a:latin typeface="Arial" panose="020B0604020202020204" pitchFamily="34" charset="0"/>
+              <a:ea typeface="Arial" panose="020B0604020202020204" pitchFamily="34" charset="0"/>
+            </a:endParaRPr>
+          </a:p>
+          <a:p>
+            <a:pPr marL="342900" marR="0" lvl="0" indent="-342900">
+              <a:lnSpc>
+                <a:spcPct val="115000"/>
+              </a:lnSpc>
+              <a:spcBef>
+                <a:spcPts val="0"/>
+              </a:spcBef>
+              <a:spcAft>
+                <a:spcPts val="0"/>
+              </a:spcAft>
+              <a:buFont typeface="Arial" panose="020B0604020202020204" pitchFamily="34" charset="0"/>
+              <a:buChar char="•"/>
+              <a:tabLst>
+                <a:tab pos="457200" algn="l"/>
+              </a:tabLst>
+            </a:pPr>
+            <a:r>
+              <a:rPr lang="pt-BR" sz="1400" dirty="0">
+                <a:effectLst/>
+                <a:latin typeface="Times New Roman" panose="02020603050405020304" pitchFamily="18" charset="0"/>
+                <a:ea typeface="Times New Roman" panose="02020603050405020304" pitchFamily="18" charset="0"/>
+                <a:cs typeface="Times New Roman" panose="02020603050405020304" pitchFamily="18" charset="0"/>
+              </a:rPr>
+              <a:t>Component: Ublox NEO-M8N GPS Module </a:t>
+            </a:r>
+            <a:r>
+              <a:rPr lang="pt-BR" sz="1400" u="sng" dirty="0">
                 <a:solidFill>
-                  <a:schemeClr val="tx1"/>
+                  <a:srgbClr val="0000FF"/>
                 </a:solidFill>
                 <a:effectLst/>
-                <a:latin typeface="Merriweather Sans" pitchFamily="2" charset="0"/>
-              </a:rPr>
-              <a:t>Geocomputing</a:t>
-            </a:r>
-            <a:r>
-              <a:rPr lang="en-GB" i="0" dirty="0">
+                <a:latin typeface="Times New Roman" panose="02020603050405020304" pitchFamily="18" charset="0"/>
+                <a:ea typeface="Times New Roman" panose="02020603050405020304" pitchFamily="18" charset="0"/>
+                <a:cs typeface="Times New Roman" panose="02020603050405020304" pitchFamily="18" charset="0"/>
+                <a:hlinkClick r:id="rId6"/>
+              </a:rPr>
+              <a:t>Datasheet</a:t>
+            </a:r>
+            <a:r>
+              <a:rPr lang="pt-BR" sz="1400" dirty="0">
+                <a:effectLst/>
+                <a:latin typeface="Times New Roman" panose="02020603050405020304" pitchFamily="18" charset="0"/>
+                <a:ea typeface="Times New Roman" panose="02020603050405020304" pitchFamily="18" charset="0"/>
+                <a:cs typeface="Times New Roman" panose="02020603050405020304" pitchFamily="18" charset="0"/>
+              </a:rPr>
+              <a:t> </a:t>
+            </a:r>
+            <a:endParaRPr lang="en-US" sz="1100" dirty="0">
+              <a:effectLst/>
+              <a:latin typeface="Arial" panose="020B0604020202020204" pitchFamily="34" charset="0"/>
+              <a:ea typeface="Arial" panose="020B0604020202020204" pitchFamily="34" charset="0"/>
+              <a:cs typeface="Times New Roman" panose="02020603050405020304" pitchFamily="18" charset="0"/>
+            </a:endParaRPr>
+          </a:p>
+          <a:p>
+            <a:pPr marL="342900" marR="0" lvl="0" indent="-342900">
+              <a:lnSpc>
+                <a:spcPct val="115000"/>
+              </a:lnSpc>
+              <a:spcBef>
+                <a:spcPts val="0"/>
+              </a:spcBef>
+              <a:spcAft>
+                <a:spcPts val="0"/>
+              </a:spcAft>
+              <a:buFont typeface="Arial" panose="020B0604020202020204" pitchFamily="34" charset="0"/>
+              <a:buChar char="•"/>
+              <a:tabLst>
+                <a:tab pos="457200" algn="l"/>
+              </a:tabLst>
+            </a:pPr>
+            <a:r>
+              <a:rPr lang="en-US" sz="1400" dirty="0">
+                <a:effectLst/>
+                <a:latin typeface="Times New Roman" panose="02020603050405020304" pitchFamily="18" charset="0"/>
+                <a:ea typeface="Times New Roman" panose="02020603050405020304" pitchFamily="18" charset="0"/>
+                <a:cs typeface="Times New Roman" panose="02020603050405020304" pitchFamily="18" charset="0"/>
+              </a:rPr>
+              <a:t>Component: Sharp GP2Y0A21YK0F Analog Distance Sensor </a:t>
+            </a:r>
+            <a:r>
+              <a:rPr lang="en-US" sz="1400" u="sng" dirty="0">
                 <a:solidFill>
-                  <a:schemeClr val="tx1"/>
+                  <a:srgbClr val="0000FF"/>
                 </a:solidFill>
                 <a:effectLst/>
-                <a:latin typeface="Merriweather Sans" pitchFamily="2" charset="0"/>
-              </a:rPr>
-              <a:t> for Hazards and Disaster Risk Monitoring – A Review</a:t>
-            </a:r>
-          </a:p>
-          <a:p>
-            <a:pPr marR="0" lvl="0" rtl="0">
-              <a:lnSpc>
-                <a:spcPct val="100000"/>
-              </a:lnSpc>
-              <a:spcBef>
-                <a:spcPts val="0"/>
-              </a:spcBef>
-              <a:spcAft>
-                <a:spcPts val="0"/>
-              </a:spcAft>
+                <a:latin typeface="Times New Roman" panose="02020603050405020304" pitchFamily="18" charset="0"/>
+                <a:ea typeface="Times New Roman" panose="02020603050405020304" pitchFamily="18" charset="0"/>
+                <a:cs typeface="Times New Roman" panose="02020603050405020304" pitchFamily="18" charset="0"/>
+                <a:hlinkClick r:id="rId7"/>
+              </a:rPr>
+              <a:t>Datasheet</a:t>
+            </a:r>
+            <a:endParaRPr lang="en-US" sz="1100" dirty="0">
+              <a:effectLst/>
+              <a:latin typeface="Arial" panose="020B0604020202020204" pitchFamily="34" charset="0"/>
+              <a:ea typeface="Arial" panose="020B0604020202020204" pitchFamily="34" charset="0"/>
+              <a:cs typeface="Times New Roman" panose="02020603050405020304" pitchFamily="18" charset="0"/>
+            </a:endParaRPr>
+          </a:p>
+          <a:p>
+            <a:pPr marL="342900" marR="0" lvl="0" indent="-342900">
+              <a:lnSpc>
+                <a:spcPct val="115000"/>
+              </a:lnSpc>
+              <a:spcBef>
+                <a:spcPts val="0"/>
+              </a:spcBef>
+              <a:spcAft>
+                <a:spcPts val="0"/>
+              </a:spcAft>
+              <a:buFont typeface="Arial" panose="020B0604020202020204" pitchFamily="34" charset="0"/>
+              <a:buChar char="•"/>
+              <a:tabLst>
+                <a:tab pos="457200" algn="l"/>
+              </a:tabLst>
             </a:pPr>
             <a:r>
-              <a:rPr lang="en-US" b="0" i="0" dirty="0">
+              <a:rPr lang="pt-BR" sz="1400" dirty="0">
+                <a:effectLst/>
+                <a:latin typeface="Times New Roman" panose="02020603050405020304" pitchFamily="18" charset="0"/>
+                <a:ea typeface="Times New Roman" panose="02020603050405020304" pitchFamily="18" charset="0"/>
+                <a:cs typeface="Times New Roman" panose="02020603050405020304" pitchFamily="18" charset="0"/>
+              </a:rPr>
+              <a:t>Component: HC-SR04 Ultrasonic Distance Sensor </a:t>
+            </a:r>
+            <a:r>
+              <a:rPr lang="en-IN" sz="1400" u="sng" dirty="0">
                 <a:solidFill>
-                  <a:srgbClr val="222222"/>
+                  <a:srgbClr val="0000FF"/>
                 </a:solidFill>
                 <a:effectLst/>
-                <a:latin typeface="Merriweather Sans" pitchFamily="2" charset="0"/>
-                <a:hlinkClick r:id="rId5"/>
-              </a:rPr>
-              <a:t>https://doi.org/10.1186/s40677-016-0060-y</a:t>
-            </a:r>
-            <a:endParaRPr lang="en-GB" dirty="0"/>
-          </a:p>
-          <a:p>
-            <a:pPr marL="285750" marR="0" lvl="0" indent="-285750" rtl="0">
-              <a:lnSpc>
-                <a:spcPct val="100000"/>
+                <a:latin typeface="Times New Roman" panose="02020603050405020304" pitchFamily="18" charset="0"/>
+                <a:ea typeface="Times New Roman" panose="02020603050405020304" pitchFamily="18" charset="0"/>
+                <a:cs typeface="Times New Roman" panose="02020603050405020304" pitchFamily="18" charset="0"/>
+                <a:hlinkClick r:id="rId8"/>
+              </a:rPr>
+              <a:t>datasheet</a:t>
+            </a:r>
+            <a:endParaRPr lang="en-US" sz="1100" dirty="0">
+              <a:effectLst/>
+              <a:latin typeface="Arial" panose="020B0604020202020204" pitchFamily="34" charset="0"/>
+              <a:ea typeface="Arial" panose="020B0604020202020204" pitchFamily="34" charset="0"/>
+              <a:cs typeface="Times New Roman" panose="02020603050405020304" pitchFamily="18" charset="0"/>
+            </a:endParaRPr>
+          </a:p>
+          <a:p>
+            <a:pPr marL="0" marR="0">
+              <a:lnSpc>
+                <a:spcPct val="115000"/>
+              </a:lnSpc>
+              <a:spcBef>
+                <a:spcPts val="0"/>
+              </a:spcBef>
+              <a:spcAft>
+                <a:spcPts val="0"/>
+              </a:spcAft>
+            </a:pPr>
+            <a:r>
+              <a:rPr lang="en-IN" sz="1400" dirty="0">
+                <a:effectLst/>
+                <a:latin typeface="Times New Roman" panose="02020603050405020304" pitchFamily="18" charset="0"/>
+                <a:ea typeface="Times New Roman" panose="02020603050405020304" pitchFamily="18" charset="0"/>
+              </a:rPr>
+              <a:t>Existing Implementations – Products| Opensource| GitHub etc </a:t>
+            </a:r>
+            <a:endParaRPr lang="en-US" sz="1100" dirty="0">
+              <a:effectLst/>
+              <a:latin typeface="Arial" panose="020B0604020202020204" pitchFamily="34" charset="0"/>
+              <a:ea typeface="Arial" panose="020B0604020202020204" pitchFamily="34" charset="0"/>
+            </a:endParaRPr>
+          </a:p>
+          <a:p>
+            <a:pPr marL="342900" marR="0" lvl="0" indent="-342900">
+              <a:lnSpc>
+                <a:spcPct val="115000"/>
               </a:lnSpc>
               <a:spcBef>
                 <a:spcPts val="0"/>
@@ -17498,37 +19483,56 @@
               </a:spcAft>
               <a:buFont typeface="Arial" panose="020B0604020202020204" pitchFamily="34" charset="0"/>
               <a:buChar char="•"/>
+              <a:tabLst>
+                <a:tab pos="457200" algn="l"/>
+              </a:tabLst>
             </a:pPr>
-            <a:endParaRPr lang="en-IN" dirty="0">
-              <a:latin typeface="Verdana" panose="020B0604030504040204" pitchFamily="34" charset="0"/>
-              <a:ea typeface="Verdana" panose="020B0604030504040204" pitchFamily="34" charset="0"/>
+            <a:r>
+              <a:rPr lang="en-US" sz="1400" dirty="0">
+                <a:effectLst/>
+                <a:latin typeface="Times New Roman" panose="02020603050405020304" pitchFamily="18" charset="0"/>
+                <a:ea typeface="Times New Roman" panose="02020603050405020304" pitchFamily="18" charset="0"/>
+                <a:cs typeface="Times New Roman" panose="02020603050405020304" pitchFamily="18" charset="0"/>
+              </a:rPr>
+              <a:t>Aerial Drones for Fire Disaster Response</a:t>
+            </a:r>
+            <a:endParaRPr lang="en-US" sz="1100" dirty="0">
+              <a:effectLst/>
+              <a:latin typeface="Arial" panose="020B0604020202020204" pitchFamily="34" charset="0"/>
+              <a:ea typeface="Arial" panose="020B0604020202020204" pitchFamily="34" charset="0"/>
+              <a:cs typeface="Times New Roman" panose="02020603050405020304" pitchFamily="18" charset="0"/>
             </a:endParaRPr>
           </a:p>
           <a:p>
-            <a:pPr marL="0" marR="0" lvl="0" indent="0" rtl="0">
-              <a:lnSpc>
-                <a:spcPct val="100000"/>
-              </a:lnSpc>
-              <a:spcBef>
-                <a:spcPts val="0"/>
-              </a:spcBef>
-              <a:spcAft>
-                <a:spcPts val="0"/>
-              </a:spcAft>
-              <a:buNone/>
+            <a:pPr marL="0" marR="0">
+              <a:lnSpc>
+                <a:spcPct val="115000"/>
+              </a:lnSpc>
+              <a:spcBef>
+                <a:spcPts val="0"/>
+              </a:spcBef>
+              <a:spcAft>
+                <a:spcPts val="0"/>
+              </a:spcAft>
             </a:pPr>
             <a:r>
-              <a:rPr lang="en-IN" b="1" dirty="0">
-                <a:latin typeface="Verdana" panose="020B0604030504040204" pitchFamily="34" charset="0"/>
-                <a:ea typeface="Verdana" panose="020B0604030504040204" pitchFamily="34" charset="0"/>
-              </a:rPr>
-              <a:t>Key Resources – Whitepaper| Application Notes |  Datasheet| Others</a:t>
-            </a:r>
-          </a:p>
-          <a:p>
-            <a:pPr marL="285750" marR="0" lvl="0" indent="-285750" rtl="0">
-              <a:lnSpc>
-                <a:spcPct val="100000"/>
+              <a:rPr lang="en-US" sz="1400" dirty="0">
+                <a:effectLst/>
+                <a:latin typeface="Times New Roman" panose="02020603050405020304" pitchFamily="18" charset="0"/>
+                <a:ea typeface="Times New Roman" panose="02020603050405020304" pitchFamily="18" charset="0"/>
+              </a:rPr>
+              <a:t>10.5772/intechopen.1002525</a:t>
+            </a:r>
+            <a:endParaRPr lang="en-US" sz="1100" dirty="0">
+              <a:effectLst/>
+              <a:latin typeface="Arial" panose="020B0604020202020204" pitchFamily="34" charset="0"/>
+              <a:ea typeface="Arial" panose="020B0604020202020204" pitchFamily="34" charset="0"/>
+            </a:endParaRPr>
+          </a:p>
+          <a:p>
+            <a:pPr marL="342900" marR="0" lvl="0" indent="-342900">
+              <a:lnSpc>
+                <a:spcPct val="115000"/>
               </a:lnSpc>
               <a:spcBef>
                 <a:spcPts val="0"/>
@@ -17538,146 +19542,86 @@
               </a:spcAft>
               <a:buFont typeface="Arial" panose="020B0604020202020204" pitchFamily="34" charset="0"/>
               <a:buChar char="•"/>
+              <a:tabLst>
+                <a:tab pos="457200" algn="l"/>
+              </a:tabLst>
             </a:pPr>
             <a:r>
-              <a:rPr lang="pt-BR" b="1" dirty="0"/>
-              <a:t>Component:</a:t>
-            </a:r>
-            <a:r>
-              <a:rPr lang="pt-BR" dirty="0"/>
-              <a:t> Ublox NEO-M8N GPS Module </a:t>
-            </a:r>
-            <a:r>
-              <a:rPr lang="pt-BR" dirty="0">
-                <a:hlinkClick r:id="rId6"/>
-              </a:rPr>
-              <a:t>Datasheet</a:t>
-            </a:r>
-            <a:r>
-              <a:rPr lang="pt-BR" dirty="0"/>
-              <a:t> </a:t>
-            </a:r>
-          </a:p>
-          <a:p>
-            <a:pPr marL="285750" marR="0" lvl="0" indent="-285750" rtl="0">
-              <a:lnSpc>
-                <a:spcPct val="100000"/>
-              </a:lnSpc>
-              <a:spcBef>
-                <a:spcPts val="0"/>
-              </a:spcBef>
-              <a:spcAft>
-                <a:spcPts val="0"/>
-              </a:spcAft>
-              <a:buFont typeface="Arial" panose="020B0604020202020204" pitchFamily="34" charset="0"/>
-              <a:buChar char="•"/>
+              <a:rPr lang="en-IN" sz="1400" dirty="0">
+                <a:effectLst/>
+                <a:latin typeface="Times New Roman" panose="02020603050405020304" pitchFamily="18" charset="0"/>
+                <a:ea typeface="Times New Roman" panose="02020603050405020304" pitchFamily="18" charset="0"/>
+                <a:cs typeface="Times New Roman" panose="02020603050405020304" pitchFamily="18" charset="0"/>
+              </a:rPr>
+              <a:t>DJI ENTERPRISE – Fire fighting </a:t>
+            </a:r>
+            <a:endParaRPr lang="en-US" sz="1100" dirty="0">
+              <a:effectLst/>
+              <a:latin typeface="Arial" panose="020B0604020202020204" pitchFamily="34" charset="0"/>
+              <a:ea typeface="Arial" panose="020B0604020202020204" pitchFamily="34" charset="0"/>
+              <a:cs typeface="Times New Roman" panose="02020603050405020304" pitchFamily="18" charset="0"/>
+            </a:endParaRPr>
+          </a:p>
+          <a:p>
+            <a:pPr marL="0" marR="0">
+              <a:lnSpc>
+                <a:spcPct val="115000"/>
+              </a:lnSpc>
+              <a:spcBef>
+                <a:spcPts val="0"/>
+              </a:spcBef>
+              <a:spcAft>
+                <a:spcPts val="0"/>
+              </a:spcAft>
             </a:pPr>
             <a:r>
-              <a:rPr lang="en-US" b="1" dirty="0"/>
-              <a:t>Component:</a:t>
-            </a:r>
-            <a:r>
-              <a:rPr lang="en-US" dirty="0"/>
-              <a:t> Sharp GP2Y0A21YK0F Analog Distance Sensor </a:t>
-            </a:r>
-            <a:r>
-              <a:rPr lang="en-US" dirty="0">
-                <a:hlinkClick r:id="rId7"/>
-              </a:rPr>
-              <a:t>Datasheet</a:t>
-            </a:r>
-            <a:endParaRPr lang="en-US" dirty="0"/>
-          </a:p>
-          <a:p>
-            <a:pPr marL="285750" marR="0" lvl="0" indent="-285750" rtl="0">
-              <a:lnSpc>
-                <a:spcPct val="100000"/>
-              </a:lnSpc>
-              <a:spcBef>
-                <a:spcPts val="0"/>
-              </a:spcBef>
-              <a:spcAft>
-                <a:spcPts val="0"/>
-              </a:spcAft>
-              <a:buFont typeface="Arial" panose="020B0604020202020204" pitchFamily="34" charset="0"/>
-              <a:buChar char="•"/>
+              <a:rPr lang="en-US" sz="1400" dirty="0">
+                <a:effectLst/>
+                <a:latin typeface="Times New Roman" panose="02020603050405020304" pitchFamily="18" charset="0"/>
+                <a:ea typeface="Times New Roman" panose="02020603050405020304" pitchFamily="18" charset="0"/>
+              </a:rPr>
+              <a:t>https://enterprise.dji.com/public-safety/firefightingFirefighting</a:t>
+            </a:r>
+            <a:endParaRPr lang="en-US" sz="1100" dirty="0">
+              <a:effectLst/>
+              <a:latin typeface="Arial" panose="020B0604020202020204" pitchFamily="34" charset="0"/>
+              <a:ea typeface="Arial" panose="020B0604020202020204" pitchFamily="34" charset="0"/>
+            </a:endParaRPr>
+          </a:p>
+          <a:p>
+            <a:pPr marL="0" marR="0">
+              <a:lnSpc>
+                <a:spcPct val="115000"/>
+              </a:lnSpc>
+              <a:spcBef>
+                <a:spcPts val="0"/>
+              </a:spcBef>
+              <a:spcAft>
+                <a:spcPts val="0"/>
+              </a:spcAft>
             </a:pPr>
             <a:r>
-              <a:rPr lang="pt-BR" b="1" dirty="0"/>
-              <a:t>Component:</a:t>
-            </a:r>
-            <a:r>
-              <a:rPr lang="pt-BR" dirty="0"/>
-              <a:t> HC-SR04 Ultrasonic Distance Sensor </a:t>
-            </a:r>
-            <a:r>
-              <a:rPr lang="en-IN" dirty="0">
-                <a:latin typeface="Verdana" panose="020B0604030504040204" pitchFamily="34" charset="0"/>
-                <a:ea typeface="Verdana" panose="020B0604030504040204" pitchFamily="34" charset="0"/>
-                <a:hlinkClick r:id="rId8"/>
-              </a:rPr>
-              <a:t>datasheet</a:t>
-            </a:r>
-            <a:endParaRPr lang="en-US" dirty="0"/>
-          </a:p>
-          <a:p>
-            <a:pPr marR="0" lvl="0" rtl="0">
-              <a:lnSpc>
-                <a:spcPct val="100000"/>
-              </a:lnSpc>
-              <a:spcBef>
-                <a:spcPts val="0"/>
-              </a:spcBef>
-              <a:spcAft>
-                <a:spcPts val="0"/>
-              </a:spcAft>
-            </a:pPr>
-            <a:endParaRPr lang="en-IN" dirty="0">
-              <a:latin typeface="Verdana" panose="020B0604030504040204" pitchFamily="34" charset="0"/>
-              <a:ea typeface="Verdana" panose="020B0604030504040204" pitchFamily="34" charset="0"/>
-            </a:endParaRPr>
-          </a:p>
-          <a:p>
-            <a:pPr marL="0" marR="0" lvl="0" indent="0" rtl="0">
-              <a:lnSpc>
-                <a:spcPct val="100000"/>
-              </a:lnSpc>
-              <a:spcBef>
-                <a:spcPts val="0"/>
-              </a:spcBef>
-              <a:spcAft>
-                <a:spcPts val="0"/>
-              </a:spcAft>
-              <a:buNone/>
-            </a:pPr>
-            <a:r>
-              <a:rPr lang="en-IN" b="1" dirty="0">
-                <a:latin typeface="Verdana" panose="020B0604030504040204" pitchFamily="34" charset="0"/>
-                <a:ea typeface="Verdana" panose="020B0604030504040204" pitchFamily="34" charset="0"/>
-              </a:rPr>
-              <a:t>Existing Implementations – Products| Opensource| GitHub etc </a:t>
-            </a:r>
-          </a:p>
-          <a:p>
-            <a:pPr marL="285750" indent="-285750">
-              <a:buFont typeface="Arial" panose="020B0604020202020204" pitchFamily="34" charset="0"/>
-              <a:buChar char="•"/>
-            </a:pPr>
-            <a:r>
-              <a:rPr lang="en-US" b="1" i="0" dirty="0">
+              <a:rPr lang="en-US" sz="1400" u="sng" dirty="0">
                 <a:solidFill>
-                  <a:srgbClr val="000000"/>
+                  <a:srgbClr val="0000FF"/>
                 </a:solidFill>
                 <a:effectLst/>
-                <a:latin typeface="FSBrabo"/>
-              </a:rPr>
-              <a:t>Aerial Drones for Fire Disaster Response</a:t>
-            </a:r>
-          </a:p>
-          <a:p>
-            <a:pPr marR="0" lvl="0" rtl="0">
-              <a:lnSpc>
-                <a:spcPct val="100000"/>
+                <a:latin typeface="Arial" panose="020B0604020202020204" pitchFamily="34" charset="0"/>
+                <a:ea typeface="Arial" panose="020B0604020202020204" pitchFamily="34" charset="0"/>
+                <a:hlinkClick r:id="rId9"/>
+              </a:rPr>
+              <a:t>https://docs.holybro.com/autopilot/pixhawk-6c</a:t>
+            </a:r>
+            <a:endParaRPr lang="en-US" sz="1100" dirty="0">
+              <a:effectLst/>
+              <a:latin typeface="Arial" panose="020B0604020202020204" pitchFamily="34" charset="0"/>
+              <a:ea typeface="Arial" panose="020B0604020202020204" pitchFamily="34" charset="0"/>
+            </a:endParaRPr>
+          </a:p>
+          <a:p>
+            <a:pPr marL="0" marR="0">
+              <a:lnSpc>
+                <a:spcPct val="115000"/>
               </a:lnSpc>
               <a:spcBef>
                 <a:spcPts val="0"/>
@@ -17687,80 +19631,38 @@
               </a:spcAft>
             </a:pPr>
             <a:r>
-              <a:rPr lang="en-US" b="0" i="0" dirty="0">
-                <a:solidFill>
-                  <a:srgbClr val="000000"/>
-                </a:solidFill>
+              <a:rPr lang="en-US" sz="1400" dirty="0">
                 <a:effectLst/>
-                <a:latin typeface="Relative Book"/>
-              </a:rPr>
-              <a:t>10.5772/intechopen.1002525</a:t>
-            </a:r>
-            <a:endParaRPr lang="en-IN" b="0" i="0" dirty="0">
-              <a:solidFill>
-                <a:srgbClr val="000000"/>
-              </a:solidFill>
+                <a:latin typeface="Arial" panose="020B0604020202020204" pitchFamily="34" charset="0"/>
+                <a:ea typeface="Arial" panose="020B0604020202020204" pitchFamily="34" charset="0"/>
+              </a:rPr>
+              <a:t>Flight Controller Complete Documentation</a:t>
+            </a:r>
+            <a:endParaRPr lang="en-US" sz="1100" dirty="0">
               <a:effectLst/>
-              <a:latin typeface="Verdana" panose="020B0604030504040204" pitchFamily="34" charset="0"/>
-              <a:ea typeface="Verdana" panose="020B0604030504040204" pitchFamily="34" charset="0"/>
+              <a:latin typeface="Arial" panose="020B0604020202020204" pitchFamily="34" charset="0"/>
+              <a:ea typeface="Arial" panose="020B0604020202020204" pitchFamily="34" charset="0"/>
             </a:endParaRPr>
           </a:p>
           <a:p>
-            <a:pPr marL="285750" marR="0" lvl="0" indent="-285750" rtl="0">
-              <a:lnSpc>
-                <a:spcPct val="100000"/>
-              </a:lnSpc>
-              <a:spcBef>
-                <a:spcPts val="0"/>
-              </a:spcBef>
-              <a:spcAft>
-                <a:spcPts val="0"/>
-              </a:spcAft>
-              <a:buFont typeface="Arial" panose="020B0604020202020204" pitchFamily="34" charset="0"/>
-              <a:buChar char="•"/>
+            <a:pPr marL="0" marR="0">
+              <a:lnSpc>
+                <a:spcPct val="115000"/>
+              </a:lnSpc>
+              <a:spcBef>
+                <a:spcPts val="0"/>
+              </a:spcBef>
+              <a:spcAft>
+                <a:spcPts val="0"/>
+              </a:spcAft>
             </a:pPr>
             <a:r>
-              <a:rPr lang="en-IN" b="1" dirty="0">
-                <a:latin typeface="Verdana" panose="020B0604030504040204" pitchFamily="34" charset="0"/>
-                <a:ea typeface="Verdana" panose="020B0604030504040204" pitchFamily="34" charset="0"/>
-              </a:rPr>
-              <a:t>DJI ENTERPRISE – </a:t>
-            </a:r>
-            <a:r>
-              <a:rPr lang="en-IN" b="1" dirty="0" err="1">
-                <a:latin typeface="Verdana" panose="020B0604030504040204" pitchFamily="34" charset="0"/>
-                <a:ea typeface="Verdana" panose="020B0604030504040204" pitchFamily="34" charset="0"/>
-              </a:rPr>
-              <a:t>Firefightinng</a:t>
-            </a:r>
-            <a:r>
-              <a:rPr lang="en-IN" b="1" dirty="0">
-                <a:latin typeface="Verdana" panose="020B0604030504040204" pitchFamily="34" charset="0"/>
-                <a:ea typeface="Verdana" panose="020B0604030504040204" pitchFamily="34" charset="0"/>
-              </a:rPr>
-              <a:t> </a:t>
-            </a:r>
-          </a:p>
-          <a:p>
-            <a:r>
-              <a:rPr lang="en-US" i="0" dirty="0">
-                <a:solidFill>
-                  <a:schemeClr val="tx1"/>
-                </a:solidFill>
+              <a:rPr lang="en-US" sz="1100" dirty="0">
                 <a:effectLst/>
-                <a:latin typeface="Open Sans" panose="020B0606030504020204" pitchFamily="34" charset="0"/>
-              </a:rPr>
-              <a:t>https://enterprise.dji.com/public-safety/firefighting</a:t>
-            </a:r>
-            <a:r>
-              <a:rPr lang="en-US" b="1" i="0" dirty="0">
-                <a:solidFill>
-                  <a:srgbClr val="FFFFFF"/>
-                </a:solidFill>
-                <a:effectLst/>
-                <a:latin typeface="Open Sans" panose="020B0606030504020204" pitchFamily="34" charset="0"/>
-              </a:rPr>
-              <a:t>Firefighting</a:t>
+                <a:latin typeface="Arial" panose="020B0604020202020204" pitchFamily="34" charset="0"/>
+                <a:ea typeface="Arial" panose="020B0604020202020204" pitchFamily="34" charset="0"/>
+              </a:rPr>
+              <a:t> </a:t>
             </a:r>
           </a:p>
           <a:p>
@@ -18365,6 +20267,260 @@
   <p:cSld>
     <p:spTree>
       <p:nvGrpSpPr>
+        <p:cNvPr id="1" name=""/>
+        <p:cNvGrpSpPr/>
+        <p:nvPr/>
+      </p:nvGrpSpPr>
+      <p:grpSpPr>
+        <a:xfrm>
+          <a:off x="0" y="0"/>
+          <a:ext cx="0" cy="0"/>
+          <a:chOff x="0" y="0"/>
+          <a:chExt cx="0" cy="0"/>
+        </a:xfrm>
+      </p:grpSpPr>
+      <p:sp>
+        <p:nvSpPr>
+          <p:cNvPr id="3" name="Slide Number Placeholder 2">
+            <a:extLst>
+              <a:ext uri="{FF2B5EF4-FFF2-40B4-BE49-F238E27FC236}">
+                <a16:creationId xmlns:a16="http://schemas.microsoft.com/office/drawing/2014/main" id="{7793B8B3-6C00-4017-96FB-7AF83A3E6611}"/>
+              </a:ext>
+            </a:extLst>
+          </p:cNvPr>
+          <p:cNvSpPr>
+            <a:spLocks noGrp="1"/>
+          </p:cNvSpPr>
+          <p:nvPr>
+            <p:ph type="sldNum" idx="4294967295"/>
+          </p:nvPr>
+        </p:nvSpPr>
+        <p:spPr>
+          <a:xfrm>
+            <a:off x="9448800" y="6492875"/>
+            <a:ext cx="2743200" cy="365125"/>
+          </a:xfrm>
+          <a:prstGeom prst="rect">
+            <a:avLst/>
+          </a:prstGeom>
+        </p:spPr>
+        <p:txBody>
+          <a:bodyPr/>
+          <a:lstStyle/>
+          <a:p>
+            <a:pPr marL="0" lvl="0" indent="0" algn="r" rtl="0">
+              <a:spcBef>
+                <a:spcPts val="0"/>
+              </a:spcBef>
+              <a:spcAft>
+                <a:spcPts val="0"/>
+              </a:spcAft>
+              <a:buNone/>
+            </a:pPr>
+            <a:fld id="{00000000-1234-1234-1234-123412341234}" type="slidenum">
+              <a:rPr lang="en-US" smtClean="0"/>
+              <a:t>6</a:t>
+            </a:fld>
+            <a:endParaRPr lang="en-US" dirty="0"/>
+          </a:p>
+        </p:txBody>
+      </p:sp>
+      <p:sp>
+        <p:nvSpPr>
+          <p:cNvPr id="4" name="Rectangle 2">
+            <a:extLst>
+              <a:ext uri="{FF2B5EF4-FFF2-40B4-BE49-F238E27FC236}">
+                <a16:creationId xmlns:a16="http://schemas.microsoft.com/office/drawing/2014/main" id="{CFEEF7D1-E566-42EB-8B3F-39AD04756943}"/>
+              </a:ext>
+            </a:extLst>
+          </p:cNvPr>
+          <p:cNvSpPr>
+            <a:spLocks noChangeArrowheads="1"/>
+          </p:cNvSpPr>
+          <p:nvPr/>
+        </p:nvSpPr>
+        <p:spPr bwMode="auto">
+          <a:xfrm>
+            <a:off x="-1" y="-1"/>
+            <a:ext cx="16008949" cy="45719"/>
+          </a:xfrm>
+          <a:prstGeom prst="rect">
+            <a:avLst/>
+          </a:prstGeom>
+          <a:noFill/>
+          <a:ln>
+            <a:noFill/>
+          </a:ln>
+          <a:effectLst/>
+          <a:extLst>
+            <a:ext uri="{909E8E84-426E-40DD-AFC4-6F175D3DCCD1}">
+              <a14:hiddenFill xmlns:a14="http://schemas.microsoft.com/office/drawing/2010/main">
+                <a:solidFill>
+                  <a:schemeClr val="accent1"/>
+                </a:solidFill>
+              </a14:hiddenFill>
+            </a:ext>
+            <a:ext uri="{91240B29-F687-4F45-9708-019B960494DF}">
+              <a14:hiddenLine xmlns:a14="http://schemas.microsoft.com/office/drawing/2010/main" w="9525">
+                <a:solidFill>
+                  <a:schemeClr val="tx1"/>
+                </a:solidFill>
+                <a:miter lim="800000"/>
+                <a:headEnd/>
+                <a:tailEnd/>
+              </a14:hiddenLine>
+            </a:ext>
+            <a:ext uri="{AF507438-7753-43E0-B8FC-AC1667EBCBE1}">
+              <a14:hiddenEffects xmlns:a14="http://schemas.microsoft.com/office/drawing/2010/main">
+                <a:effectLst>
+                  <a:outerShdw dist="35921" dir="2700000" algn="ctr" rotWithShape="0">
+                    <a:schemeClr val="bg2"/>
+                  </a:outerShdw>
+                </a:effectLst>
+              </a14:hiddenEffects>
+            </a:ext>
+          </a:extLst>
+        </p:spPr>
+        <p:txBody>
+          <a:bodyPr vert="horz" wrap="square" lIns="91440" tIns="45720" rIns="91440" bIns="45720" numCol="1" anchor="ctr" anchorCtr="0" compatLnSpc="1">
+            <a:prstTxWarp prst="textNoShape">
+              <a:avLst/>
+            </a:prstTxWarp>
+            <a:spAutoFit/>
+          </a:bodyPr>
+          <a:lstStyle/>
+          <a:p>
+            <a:endParaRPr lang="en-US"/>
+          </a:p>
+        </p:txBody>
+      </p:sp>
+      <p:graphicFrame>
+        <p:nvGraphicFramePr>
+          <p:cNvPr id="5" name="Object 4">
+            <a:extLst>
+              <a:ext uri="{FF2B5EF4-FFF2-40B4-BE49-F238E27FC236}">
+                <a16:creationId xmlns:a16="http://schemas.microsoft.com/office/drawing/2014/main" id="{A5DBDF32-6699-482B-B4E9-0437F3196071}"/>
+              </a:ext>
+            </a:extLst>
+          </p:cNvPr>
+          <p:cNvGraphicFramePr>
+            <a:graphicFrameLocks noChangeAspect="1"/>
+          </p:cNvGraphicFramePr>
+          <p:nvPr>
+            <p:extLst>
+              <p:ext uri="{D42A27DB-BD31-4B8C-83A1-F6EECF244321}">
+                <p14:modId xmlns:p14="http://schemas.microsoft.com/office/powerpoint/2010/main" val="2109649961"/>
+              </p:ext>
+            </p:extLst>
+          </p:nvPr>
+        </p:nvGraphicFramePr>
+        <p:xfrm>
+          <a:off x="1050588" y="814204"/>
+          <a:ext cx="9877867" cy="5090590"/>
+        </p:xfrm>
+        <a:graphic>
+          <a:graphicData uri="http://schemas.openxmlformats.org/presentationml/2006/ole">
+            <mc:AlternateContent xmlns:mc="http://schemas.openxmlformats.org/markup-compatibility/2006">
+              <mc:Choice xmlns:v="urn:schemas-microsoft-com:vml" Requires="v">
+                <p:oleObj spid="_x0000_s1029" name="Worksheet" r:id="rId3" imgW="9094938" imgH="4686418" progId="Excel.Sheet.12">
+                  <p:embed/>
+                </p:oleObj>
+              </mc:Choice>
+              <mc:Fallback>
+                <p:oleObj name="Worksheet" r:id="rId3" imgW="9094938" imgH="4686418" progId="Excel.Sheet.12">
+                  <p:embed/>
+                  <p:pic>
+                    <p:nvPicPr>
+                      <p:cNvPr id="0" name="Object 1"/>
+                      <p:cNvPicPr>
+                        <a:picLocks noChangeAspect="1" noChangeArrowheads="1"/>
+                      </p:cNvPicPr>
+                      <p:nvPr/>
+                    </p:nvPicPr>
+                    <p:blipFill>
+                      <a:blip r:embed="rId4">
+                        <a:extLst>
+                          <a:ext uri="{28A0092B-C50C-407E-A947-70E740481C1C}">
+                            <a14:useLocalDpi xmlns:a14="http://schemas.microsoft.com/office/drawing/2010/main" val="0"/>
+                          </a:ext>
+                        </a:extLst>
+                      </a:blip>
+                      <a:srcRect/>
+                      <a:stretch>
+                        <a:fillRect/>
+                      </a:stretch>
+                    </p:blipFill>
+                    <p:spPr bwMode="auto">
+                      <a:xfrm>
+                        <a:off x="1050588" y="814204"/>
+                        <a:ext cx="9877867" cy="5090590"/>
+                      </a:xfrm>
+                      <a:prstGeom prst="rect">
+                        <a:avLst/>
+                      </a:prstGeom>
+                      <a:noFill/>
+                    </p:spPr>
+                  </p:pic>
+                </p:oleObj>
+              </mc:Fallback>
+            </mc:AlternateContent>
+          </a:graphicData>
+        </a:graphic>
+      </p:graphicFrame>
+      <p:sp>
+        <p:nvSpPr>
+          <p:cNvPr id="6" name="TextBox 5">
+            <a:extLst>
+              <a:ext uri="{FF2B5EF4-FFF2-40B4-BE49-F238E27FC236}">
+                <a16:creationId xmlns:a16="http://schemas.microsoft.com/office/drawing/2014/main" id="{94C20C39-0A02-4BA1-BD8E-564F43D3E88C}"/>
+              </a:ext>
+            </a:extLst>
+          </p:cNvPr>
+          <p:cNvSpPr txBox="1"/>
+          <p:nvPr/>
+        </p:nvSpPr>
+        <p:spPr>
+          <a:xfrm>
+            <a:off x="3172764" y="301555"/>
+            <a:ext cx="5846472" cy="400110"/>
+          </a:xfrm>
+          <a:prstGeom prst="rect">
+            <a:avLst/>
+          </a:prstGeom>
+          <a:noFill/>
+        </p:spPr>
+        <p:txBody>
+          <a:bodyPr wrap="none" rtlCol="0">
+            <a:spAutoFit/>
+          </a:bodyPr>
+          <a:lstStyle/>
+          <a:p>
+            <a:r>
+              <a:rPr lang="en-IN" sz="2000" b="1" u="sng" dirty="0"/>
+              <a:t>LIST OF COMPONENTS AND THEIR PURPOSE</a:t>
+            </a:r>
+            <a:endParaRPr lang="en-US" sz="2000" b="1" u="sng" dirty="0"/>
+          </a:p>
+        </p:txBody>
+      </p:sp>
+    </p:spTree>
+    <p:extLst>
+      <p:ext uri="{BB962C8B-B14F-4D97-AF65-F5344CB8AC3E}">
+        <p14:creationId xmlns:p14="http://schemas.microsoft.com/office/powerpoint/2010/main" val="1009132697"/>
+      </p:ext>
+    </p:extLst>
+  </p:cSld>
+  <p:clrMapOvr>
+    <a:masterClrMapping/>
+  </p:clrMapOvr>
+</p:sld>
+</file>
+
+<file path=ppt/slides/slide7.xml><?xml version="1.0" encoding="utf-8"?>
+<p:sld xmlns:a="http://schemas.openxmlformats.org/drawingml/2006/main" xmlns:r="http://schemas.openxmlformats.org/officeDocument/2006/relationships" xmlns:p="http://schemas.openxmlformats.org/presentationml/2006/main">
+  <p:cSld>
+    <p:spTree>
+      <p:nvGrpSpPr>
         <p:cNvPr id="1" name="">
           <a:extLst>
             <a:ext uri="{FF2B5EF4-FFF2-40B4-BE49-F238E27FC236}">
@@ -18918,7 +21074,15 @@
             </a:pPr>
             <a:r>
               <a:rPr lang="en-GB" dirty="0"/>
-              <a:t>Evaluate the drone’s durability and performance in harsh environmental conditions (e.g., rain, wind)</a:t>
+              <a:t>Evaluate the drone’s durability and performance in harsh environmental conditions (</a:t>
+            </a:r>
+            <a:r>
+              <a:rPr lang="en-GB" dirty="0" err="1"/>
+              <a:t>e.g</a:t>
+            </a:r>
+            <a:r>
+              <a:rPr lang="en-GB" dirty="0"/>
+              <a:t>, wind)</a:t>
             </a:r>
             <a:endParaRPr lang="en-IN" dirty="0">
               <a:latin typeface="Verdana" panose="020B0604030504040204" pitchFamily="34" charset="0"/>
@@ -18940,7 +21104,7 @@
 </p:sld>
 </file>
 
-<file path=ppt/slides/slide7.xml><?xml version="1.0" encoding="utf-8"?>
+<file path=ppt/slides/slide8.xml><?xml version="1.0" encoding="utf-8"?>
 <p:sld xmlns:a="http://schemas.openxmlformats.org/drawingml/2006/main" xmlns:r="http://schemas.openxmlformats.org/officeDocument/2006/relationships" xmlns:p="http://schemas.openxmlformats.org/presentationml/2006/main">
   <p:cSld>
     <p:spTree>
@@ -19076,8 +21240,8 @@
         </p:nvSpPr>
         <p:spPr>
           <a:xfrm>
-            <a:off x="452283" y="871532"/>
-            <a:ext cx="11326761" cy="5735761"/>
+            <a:off x="432619" y="757114"/>
+            <a:ext cx="11668590" cy="5735761"/>
           </a:xfrm>
           <a:prstGeom prst="rect">
             <a:avLst/>
@@ -19093,67 +21257,94 @@
           </a:bodyPr>
           <a:lstStyle/>
           <a:p>
-            <a:pPr marL="0" marR="0" lvl="0" indent="0" rtl="0">
-              <a:lnSpc>
-                <a:spcPct val="100000"/>
-              </a:lnSpc>
-              <a:spcBef>
-                <a:spcPts val="0"/>
-              </a:spcBef>
-              <a:spcAft>
-                <a:spcPts val="0"/>
-              </a:spcAft>
-              <a:buNone/>
+            <a:pPr marL="0" marR="0" algn="just">
+              <a:lnSpc>
+                <a:spcPct val="115000"/>
+              </a:lnSpc>
+              <a:spcBef>
+                <a:spcPts val="1800"/>
+              </a:spcBef>
+              <a:spcAft>
+                <a:spcPts val="600"/>
+              </a:spcAft>
             </a:pPr>
             <a:r>
-              <a:rPr lang="en-IN" b="1" dirty="0">
-                <a:latin typeface="Verdana" panose="020B0604030504040204" pitchFamily="34" charset="0"/>
-                <a:ea typeface="Verdana" panose="020B0604030504040204" pitchFamily="34" charset="0"/>
-              </a:rPr>
-              <a:t>Iteration 1 : Results </a:t>
-            </a:r>
-          </a:p>
-          <a:p>
-            <a:pPr marL="0" marR="0" lvl="0" indent="0" rtl="0">
-              <a:lnSpc>
-                <a:spcPct val="100000"/>
-              </a:lnSpc>
-              <a:spcBef>
-                <a:spcPts val="0"/>
-              </a:spcBef>
-              <a:spcAft>
-                <a:spcPts val="0"/>
-              </a:spcAft>
-              <a:buNone/>
+              <a:rPr lang="en-US" sz="1600" b="1" dirty="0">
+                <a:effectLst/>
+                <a:latin typeface="Times New Roman" panose="02020603050405020304" pitchFamily="18" charset="0"/>
+                <a:ea typeface="Times New Roman" panose="02020603050405020304" pitchFamily="18" charset="0"/>
+              </a:rPr>
+              <a:t>1. Hardware Integration Challenges</a:t>
+            </a:r>
+            <a:endParaRPr lang="en-US" sz="1600" b="1" dirty="0">
+              <a:effectLst/>
+              <a:latin typeface="Arial" panose="020B0604020202020204" pitchFamily="34" charset="0"/>
+            </a:endParaRPr>
+          </a:p>
+          <a:p>
+            <a:pPr marL="0" marR="0">
+              <a:lnSpc>
+                <a:spcPct val="115000"/>
+              </a:lnSpc>
+              <a:spcBef>
+                <a:spcPts val="0"/>
+              </a:spcBef>
+              <a:spcAft>
+                <a:spcPts val="0"/>
+              </a:spcAft>
             </a:pPr>
-            <a:endParaRPr lang="en-IN" dirty="0">
-              <a:latin typeface="Verdana" panose="020B0604030504040204" pitchFamily="34" charset="0"/>
-              <a:ea typeface="Verdana" panose="020B0604030504040204" pitchFamily="34" charset="0"/>
+            <a:r>
+              <a:rPr lang="en-US" sz="1600" dirty="0">
+                <a:effectLst/>
+                <a:latin typeface="Times New Roman" panose="02020603050405020304" pitchFamily="18" charset="0"/>
+                <a:ea typeface="Times New Roman" panose="02020603050405020304" pitchFamily="18" charset="0"/>
+              </a:rPr>
+              <a:t>One of the primary challenges faced during the project was the integration of multiple hardware components, such as the flight controller, GPS module, motors, and communication module. Ensuring seamless communication between these components while maintaining stability was a complex task.</a:t>
+            </a:r>
+            <a:endParaRPr lang="en-US" sz="1600" dirty="0">
+              <a:effectLst/>
+              <a:latin typeface="Arial" panose="020B0604020202020204" pitchFamily="34" charset="0"/>
+              <a:ea typeface="Arial" panose="020B0604020202020204" pitchFamily="34" charset="0"/>
             </a:endParaRPr>
           </a:p>
           <a:p>
-            <a:pPr marL="285750" marR="0" lvl="0" indent="-285750" rtl="0">
-              <a:lnSpc>
-                <a:spcPct val="100000"/>
-              </a:lnSpc>
-              <a:spcBef>
-                <a:spcPts val="0"/>
-              </a:spcBef>
-              <a:spcAft>
-                <a:spcPts val="0"/>
-              </a:spcAft>
-              <a:buFont typeface="Arial" panose="020B0604020202020204" pitchFamily="34" charset="0"/>
-              <a:buChar char="•"/>
+            <a:pPr marL="0" marR="0">
+              <a:lnSpc>
+                <a:spcPct val="115000"/>
+              </a:lnSpc>
+              <a:spcBef>
+                <a:spcPts val="0"/>
+              </a:spcBef>
+              <a:spcAft>
+                <a:spcPts val="0"/>
+              </a:spcAft>
             </a:pPr>
-            <a:endParaRPr lang="en-IN" dirty="0">
-              <a:latin typeface="Verdana" panose="020B0604030504040204" pitchFamily="34" charset="0"/>
-              <a:ea typeface="Verdana" panose="020B0604030504040204" pitchFamily="34" charset="0"/>
+            <a:r>
+              <a:rPr lang="en-US" sz="1600" b="1" dirty="0">
+                <a:effectLst/>
+                <a:latin typeface="Times New Roman" panose="02020603050405020304" pitchFamily="18" charset="0"/>
+                <a:ea typeface="Times New Roman" panose="02020603050405020304" pitchFamily="18" charset="0"/>
+              </a:rPr>
+              <a:t>Solution:</a:t>
+            </a:r>
+            <a:r>
+              <a:rPr lang="en-US" sz="1600" dirty="0">
+                <a:effectLst/>
+                <a:latin typeface="Times New Roman" panose="02020603050405020304" pitchFamily="18" charset="0"/>
+                <a:ea typeface="Times New Roman" panose="02020603050405020304" pitchFamily="18" charset="0"/>
+              </a:rPr>
+              <a:t> To address this, we carefully followed manufacturer guidelines for wiring and connectivity. Thorough calibration procedures were conducted, and multiple test flights were performed to fine-tune the system. Additionally, software debugging was carried out to resolve communication protocol mismatches.</a:t>
+            </a:r>
+            <a:endParaRPr lang="en-US" sz="1600" dirty="0">
+              <a:effectLst/>
+              <a:latin typeface="Arial" panose="020B0604020202020204" pitchFamily="34" charset="0"/>
+              <a:ea typeface="Arial" panose="020B0604020202020204" pitchFamily="34" charset="0"/>
             </a:endParaRPr>
           </a:p>
           <a:p>
-            <a:pPr marR="0" lvl="0" rtl="0">
-              <a:lnSpc>
-                <a:spcPct val="100000"/>
+            <a:pPr marL="0" marR="0">
+              <a:lnSpc>
+                <a:spcPct val="115000"/>
               </a:lnSpc>
               <a:spcBef>
                 <a:spcPts val="0"/>
@@ -19162,9 +21353,164 @@
                 <a:spcPts val="0"/>
               </a:spcAft>
             </a:pPr>
-            <a:endParaRPr lang="en-IN" dirty="0">
-              <a:latin typeface="Verdana" panose="020B0604030504040204" pitchFamily="34" charset="0"/>
-              <a:ea typeface="Verdana" panose="020B0604030504040204" pitchFamily="34" charset="0"/>
+            <a:r>
+              <a:rPr lang="en-US" sz="1600" b="1" dirty="0">
+                <a:effectLst/>
+                <a:latin typeface="Times New Roman" panose="02020603050405020304" pitchFamily="18" charset="0"/>
+                <a:ea typeface="Times New Roman" panose="02020603050405020304" pitchFamily="18" charset="0"/>
+              </a:rPr>
+              <a:t>2. Real-Time Video Transmission Issues</a:t>
+            </a:r>
+            <a:endParaRPr lang="en-US" sz="1600" dirty="0">
+              <a:effectLst/>
+              <a:latin typeface="Arial" panose="020B0604020202020204" pitchFamily="34" charset="0"/>
+              <a:ea typeface="Arial" panose="020B0604020202020204" pitchFamily="34" charset="0"/>
+            </a:endParaRPr>
+          </a:p>
+          <a:p>
+            <a:pPr marL="0" marR="0">
+              <a:lnSpc>
+                <a:spcPct val="115000"/>
+              </a:lnSpc>
+              <a:spcBef>
+                <a:spcPts val="0"/>
+              </a:spcBef>
+              <a:spcAft>
+                <a:spcPts val="0"/>
+              </a:spcAft>
+            </a:pPr>
+            <a:r>
+              <a:rPr lang="en-US" sz="1600" dirty="0">
+                <a:effectLst/>
+                <a:latin typeface="Times New Roman" panose="02020603050405020304" pitchFamily="18" charset="0"/>
+                <a:ea typeface="Times New Roman" panose="02020603050405020304" pitchFamily="18" charset="0"/>
+              </a:rPr>
+              <a:t>The drone was designed to provide live aerial footage, but achieving a stable and low-latency video transmission proved difficult due to bandwidth limitations and environmental interference.</a:t>
+            </a:r>
+            <a:endParaRPr lang="en-US" sz="1600" dirty="0">
+              <a:effectLst/>
+              <a:latin typeface="Arial" panose="020B0604020202020204" pitchFamily="34" charset="0"/>
+              <a:ea typeface="Arial" panose="020B0604020202020204" pitchFamily="34" charset="0"/>
+            </a:endParaRPr>
+          </a:p>
+          <a:p>
+            <a:pPr marL="0" marR="0">
+              <a:lnSpc>
+                <a:spcPct val="115000"/>
+              </a:lnSpc>
+              <a:spcBef>
+                <a:spcPts val="0"/>
+              </a:spcBef>
+              <a:spcAft>
+                <a:spcPts val="0"/>
+              </a:spcAft>
+            </a:pPr>
+            <a:r>
+              <a:rPr lang="en-US" sz="1600" b="1" dirty="0">
+                <a:effectLst/>
+                <a:latin typeface="Times New Roman" panose="02020603050405020304" pitchFamily="18" charset="0"/>
+                <a:ea typeface="Times New Roman" panose="02020603050405020304" pitchFamily="18" charset="0"/>
+              </a:rPr>
+              <a:t>Solution:</a:t>
+            </a:r>
+            <a:r>
+              <a:rPr lang="en-US" sz="1600" dirty="0">
+                <a:effectLst/>
+                <a:latin typeface="Times New Roman" panose="02020603050405020304" pitchFamily="18" charset="0"/>
+                <a:ea typeface="Times New Roman" panose="02020603050405020304" pitchFamily="18" charset="0"/>
+              </a:rPr>
+              <a:t> We optimized the transmission protocol by selecting an appropriate frequency band and using error-correction techniques to minimize data loss. A high-gain antenna was also used to enhance the range and signal strength.</a:t>
+            </a:r>
+            <a:endParaRPr lang="en-US" sz="1600" dirty="0">
+              <a:effectLst/>
+              <a:latin typeface="Arial" panose="020B0604020202020204" pitchFamily="34" charset="0"/>
+              <a:ea typeface="Arial" panose="020B0604020202020204" pitchFamily="34" charset="0"/>
+            </a:endParaRPr>
+          </a:p>
+          <a:p>
+            <a:pPr marL="0" marR="0">
+              <a:lnSpc>
+                <a:spcPct val="115000"/>
+              </a:lnSpc>
+              <a:spcBef>
+                <a:spcPts val="0"/>
+              </a:spcBef>
+              <a:spcAft>
+                <a:spcPts val="0"/>
+              </a:spcAft>
+            </a:pPr>
+            <a:r>
+              <a:rPr lang="en-US" sz="1600" b="1" dirty="0">
+                <a:effectLst/>
+                <a:latin typeface="Times New Roman" panose="02020603050405020304" pitchFamily="18" charset="0"/>
+                <a:ea typeface="Times New Roman" panose="02020603050405020304" pitchFamily="18" charset="0"/>
+              </a:rPr>
+              <a:t>3. Flight Stability and Navigation Accuracy</a:t>
+            </a:r>
+            <a:endParaRPr lang="en-US" sz="1600" dirty="0">
+              <a:effectLst/>
+              <a:latin typeface="Arial" panose="020B0604020202020204" pitchFamily="34" charset="0"/>
+              <a:ea typeface="Arial" panose="020B0604020202020204" pitchFamily="34" charset="0"/>
+            </a:endParaRPr>
+          </a:p>
+          <a:p>
+            <a:pPr marL="0" marR="0">
+              <a:lnSpc>
+                <a:spcPct val="115000"/>
+              </a:lnSpc>
+              <a:spcBef>
+                <a:spcPts val="0"/>
+              </a:spcBef>
+              <a:spcAft>
+                <a:spcPts val="0"/>
+              </a:spcAft>
+            </a:pPr>
+            <a:r>
+              <a:rPr lang="en-US" sz="1600" dirty="0">
+                <a:effectLst/>
+                <a:latin typeface="Times New Roman" panose="02020603050405020304" pitchFamily="18" charset="0"/>
+                <a:ea typeface="Times New Roman" panose="02020603050405020304" pitchFamily="18" charset="0"/>
+              </a:rPr>
+              <a:t>Initial test flights showed instability, especially in high-wind conditions. The drone's navigation system also experienced occasional drift due to GPS inaccuracies.</a:t>
+            </a:r>
+            <a:endParaRPr lang="en-US" sz="1600" dirty="0">
+              <a:effectLst/>
+              <a:latin typeface="Arial" panose="020B0604020202020204" pitchFamily="34" charset="0"/>
+              <a:ea typeface="Arial" panose="020B0604020202020204" pitchFamily="34" charset="0"/>
+            </a:endParaRPr>
+          </a:p>
+          <a:p>
+            <a:pPr marL="0" marR="0">
+              <a:lnSpc>
+                <a:spcPct val="115000"/>
+              </a:lnSpc>
+              <a:spcBef>
+                <a:spcPts val="0"/>
+              </a:spcBef>
+              <a:spcAft>
+                <a:spcPts val="0"/>
+              </a:spcAft>
+            </a:pPr>
+            <a:r>
+              <a:rPr lang="en-US" sz="1600" b="1" dirty="0">
+                <a:effectLst/>
+                <a:latin typeface="Times New Roman" panose="02020603050405020304" pitchFamily="18" charset="0"/>
+                <a:ea typeface="Times New Roman" panose="02020603050405020304" pitchFamily="18" charset="0"/>
+              </a:rPr>
+              <a:t>Solution:</a:t>
+            </a:r>
+            <a:r>
+              <a:rPr lang="en-US" sz="1600" dirty="0">
+                <a:effectLst/>
+                <a:latin typeface="Times New Roman" panose="02020603050405020304" pitchFamily="18" charset="0"/>
+                <a:ea typeface="Times New Roman" panose="02020603050405020304" pitchFamily="18" charset="0"/>
+              </a:rPr>
+              <a:t> We implemented sensor fusion techniques by integrating data from the IMU (Inertial Measurement Unit) and GPS module to improve stability and navigation accuracy. Fine-tuning the PID (Proportional-Integral-Derivative) controller in the flight control algorithm further enhanced maneuverability.</a:t>
+            </a:r>
+            <a:endParaRPr lang="en-US" sz="1600" dirty="0">
+              <a:effectLst/>
+              <a:latin typeface="Arial" panose="020B0604020202020204" pitchFamily="34" charset="0"/>
+              <a:ea typeface="Arial" panose="020B0604020202020204" pitchFamily="34" charset="0"/>
             </a:endParaRPr>
           </a:p>
         </p:txBody>
@@ -19172,7 +21518,7 @@
     </p:spTree>
     <p:extLst>
       <p:ext uri="{BB962C8B-B14F-4D97-AF65-F5344CB8AC3E}">
-        <p14:creationId xmlns:p14="http://schemas.microsoft.com/office/powerpoint/2010/main" val="1229190984"/>
+        <p14:creationId xmlns:p14="http://schemas.microsoft.com/office/powerpoint/2010/main" val="3594705666"/>
       </p:ext>
     </p:extLst>
   </p:cSld>
@@ -19182,7 +21528,7 @@
 </p:sld>
 </file>
 
-<file path=ppt/slides/slide8.xml><?xml version="1.0" encoding="utf-8"?>
+<file path=ppt/slides/slide9.xml><?xml version="1.0" encoding="utf-8"?>
 <p:sld xmlns:a="http://schemas.openxmlformats.org/drawingml/2006/main" xmlns:r="http://schemas.openxmlformats.org/officeDocument/2006/relationships" xmlns:p="http://schemas.openxmlformats.org/presentationml/2006/main">
   <p:cSld>
     <p:spTree>
@@ -19190,7 +21536,7 @@
         <p:cNvPr id="1" name="">
           <a:extLst>
             <a:ext uri="{FF2B5EF4-FFF2-40B4-BE49-F238E27FC236}">
-              <a16:creationId xmlns:a16="http://schemas.microsoft.com/office/drawing/2014/main" id="{8384FB4E-AB25-B986-6544-C0296069542F}"/>
+              <a16:creationId xmlns:a16="http://schemas.microsoft.com/office/drawing/2014/main" id="{DE012333-A005-FEA0-4811-C852E2C24B39}"/>
             </a:ext>
           </a:extLst>
         </p:cNvPr>
@@ -19210,7 +21556,7 @@
           <p:cNvPr id="3" name="Slide Number Placeholder 2">
             <a:extLst>
               <a:ext uri="{FF2B5EF4-FFF2-40B4-BE49-F238E27FC236}">
-                <a16:creationId xmlns:a16="http://schemas.microsoft.com/office/drawing/2014/main" id="{F62EDE2B-D87B-D03F-3482-F7F114A4F0D9}"/>
+                <a16:creationId xmlns:a16="http://schemas.microsoft.com/office/drawing/2014/main" id="{2FAD13B1-3AD5-5F48-5EA6-8283F4D73202}"/>
               </a:ext>
             </a:extLst>
           </p:cNvPr>
@@ -19227,7 +21573,7 @@
           <a:lstStyle/>
           <a:p>
             <a:r>
-              <a:t>Design Considerations</a:t>
+              <a:t>Methodology</a:t>
             </a:r>
           </a:p>
         </p:txBody>
@@ -19237,7 +21583,7 @@
           <p:cNvPr id="4" name="Google Shape;125;p3">
             <a:extLst>
               <a:ext uri="{FF2B5EF4-FFF2-40B4-BE49-F238E27FC236}">
-                <a16:creationId xmlns:a16="http://schemas.microsoft.com/office/drawing/2014/main" id="{C625E54E-A86D-9B94-B470-0435C69F95E5}"/>
+                <a16:creationId xmlns:a16="http://schemas.microsoft.com/office/drawing/2014/main" id="{3B14D212-DF1F-F61D-ECD3-9D20601BCEB3}"/>
               </a:ext>
             </a:extLst>
           </p:cNvPr>
@@ -19290,7 +21636,7 @@
                 <a:cs typeface="Montserrat"/>
                 <a:sym typeface="Montserrat"/>
               </a:rPr>
-              <a:t>Implementation and Results – Iteration 2 </a:t>
+              <a:t>Implementation and Results – Iteration 1 </a:t>
             </a:r>
             <a:endParaRPr lang="en-US" sz="1400" b="0" i="0" u="none" strike="noStrike" cap="none" dirty="0">
               <a:solidFill>
@@ -19309,7 +21655,7 @@
           <p:cNvPr id="5" name="Google Shape;125;p3">
             <a:extLst>
               <a:ext uri="{FF2B5EF4-FFF2-40B4-BE49-F238E27FC236}">
-                <a16:creationId xmlns:a16="http://schemas.microsoft.com/office/drawing/2014/main" id="{67B823CE-7BA9-D714-A424-29AA44BD6144}"/>
+                <a16:creationId xmlns:a16="http://schemas.microsoft.com/office/drawing/2014/main" id="{ECA415C5-05E9-EE8C-B516-CAA160872052}"/>
               </a:ext>
             </a:extLst>
           </p:cNvPr>
@@ -19335,76 +21681,101 @@
           </a:bodyPr>
           <a:lstStyle/>
           <a:p>
-            <a:pPr marL="0" marR="0" lvl="0" indent="0" rtl="0">
-              <a:lnSpc>
-                <a:spcPct val="100000"/>
-              </a:lnSpc>
-              <a:spcBef>
-                <a:spcPts val="0"/>
-              </a:spcBef>
-              <a:spcAft>
-                <a:spcPts val="0"/>
-              </a:spcAft>
-              <a:buNone/>
+            <a:pPr marL="0" marR="0">
+              <a:lnSpc>
+                <a:spcPct val="115000"/>
+              </a:lnSpc>
+              <a:spcBef>
+                <a:spcPts val="0"/>
+              </a:spcBef>
+              <a:spcAft>
+                <a:spcPts val="0"/>
+              </a:spcAft>
             </a:pPr>
             <a:r>
-              <a:rPr lang="en-IN" b="1" dirty="0">
-                <a:latin typeface="Verdana" panose="020B0604030504040204" pitchFamily="34" charset="0"/>
-                <a:ea typeface="Verdana" panose="020B0604030504040204" pitchFamily="34" charset="0"/>
-              </a:rPr>
-              <a:t>Iteration : Results + Validation against the use cases and test cases </a:t>
-            </a:r>
-          </a:p>
-          <a:p>
-            <a:pPr marL="0" marR="0" lvl="0" indent="0" rtl="0">
-              <a:lnSpc>
-                <a:spcPct val="100000"/>
-              </a:lnSpc>
-              <a:spcBef>
-                <a:spcPts val="0"/>
-              </a:spcBef>
-              <a:spcAft>
-                <a:spcPts val="0"/>
-              </a:spcAft>
-              <a:buNone/>
+              <a:rPr lang="en-US" sz="1600" b="1" dirty="0">
+                <a:effectLst/>
+                <a:latin typeface="Times New Roman" panose="02020603050405020304" pitchFamily="18" charset="0"/>
+                <a:ea typeface="Times New Roman" panose="02020603050405020304" pitchFamily="18" charset="0"/>
+              </a:rPr>
+              <a:t>4. Battery Life and Power Management</a:t>
+            </a:r>
+            <a:endParaRPr lang="en-US" sz="1600" dirty="0">
+              <a:effectLst/>
+              <a:latin typeface="Arial" panose="020B0604020202020204" pitchFamily="34" charset="0"/>
+              <a:ea typeface="Arial" panose="020B0604020202020204" pitchFamily="34" charset="0"/>
+            </a:endParaRPr>
+          </a:p>
+          <a:p>
+            <a:pPr marL="0" marR="0">
+              <a:lnSpc>
+                <a:spcPct val="115000"/>
+              </a:lnSpc>
+              <a:spcBef>
+                <a:spcPts val="0"/>
+              </a:spcBef>
+              <a:spcAft>
+                <a:spcPts val="0"/>
+              </a:spcAft>
             </a:pPr>
-            <a:endParaRPr lang="en-IN" dirty="0">
-              <a:latin typeface="Verdana" panose="020B0604030504040204" pitchFamily="34" charset="0"/>
-              <a:ea typeface="Verdana" panose="020B0604030504040204" pitchFamily="34" charset="0"/>
+            <a:r>
+              <a:rPr lang="en-US" sz="1600" dirty="0">
+                <a:effectLst/>
+                <a:latin typeface="Times New Roman" panose="02020603050405020304" pitchFamily="18" charset="0"/>
+                <a:ea typeface="Times New Roman" panose="02020603050405020304" pitchFamily="18" charset="0"/>
+              </a:rPr>
+              <a:t>The drone’s operational time was limited due to high power consumption, which posed a challenge for long-duration reconnaissance missions.</a:t>
+            </a:r>
+            <a:endParaRPr lang="en-US" sz="1600" dirty="0">
+              <a:effectLst/>
+              <a:latin typeface="Arial" panose="020B0604020202020204" pitchFamily="34" charset="0"/>
+              <a:ea typeface="Arial" panose="020B0604020202020204" pitchFamily="34" charset="0"/>
             </a:endParaRPr>
           </a:p>
           <a:p>
-            <a:pPr marL="285750" marR="0" lvl="0" indent="-285750" rtl="0">
-              <a:lnSpc>
-                <a:spcPct val="100000"/>
-              </a:lnSpc>
-              <a:spcBef>
-                <a:spcPts val="0"/>
-              </a:spcBef>
-              <a:spcAft>
-                <a:spcPts val="0"/>
-              </a:spcAft>
-              <a:buFont typeface="Arial" panose="020B0604020202020204" pitchFamily="34" charset="0"/>
-              <a:buChar char="•"/>
+            <a:pPr marL="0" marR="0">
+              <a:lnSpc>
+                <a:spcPct val="115000"/>
+              </a:lnSpc>
+              <a:spcBef>
+                <a:spcPts val="0"/>
+              </a:spcBef>
+              <a:spcAft>
+                <a:spcPts val="0"/>
+              </a:spcAft>
             </a:pPr>
-            <a:endParaRPr lang="en-IN" dirty="0">
-              <a:latin typeface="Verdana" panose="020B0604030504040204" pitchFamily="34" charset="0"/>
-              <a:ea typeface="Verdana" panose="020B0604030504040204" pitchFamily="34" charset="0"/>
+            <a:r>
+              <a:rPr lang="en-US" sz="1600" b="1" dirty="0">
+                <a:effectLst/>
+                <a:latin typeface="Times New Roman" panose="02020603050405020304" pitchFamily="18" charset="0"/>
+                <a:ea typeface="Times New Roman" panose="02020603050405020304" pitchFamily="18" charset="0"/>
+              </a:rPr>
+              <a:t>Solution:</a:t>
+            </a:r>
+            <a:r>
+              <a:rPr lang="en-US" sz="1600" dirty="0">
+                <a:effectLst/>
+                <a:latin typeface="Times New Roman" panose="02020603050405020304" pitchFamily="18" charset="0"/>
+                <a:ea typeface="Times New Roman" panose="02020603050405020304" pitchFamily="18" charset="0"/>
+              </a:rPr>
+              <a:t> A power-efficient flight path was designed to minimize unnecessary energy expenditure. Additionally, a high-capacity LiPo battery was chosen, and a dynamic power management system was implemented to distribute power efficiently among various subsystems.</a:t>
+            </a:r>
+            <a:endParaRPr lang="en-US" sz="1600" dirty="0">
+              <a:effectLst/>
+              <a:latin typeface="Arial" panose="020B0604020202020204" pitchFamily="34" charset="0"/>
+              <a:ea typeface="Arial" panose="020B0604020202020204" pitchFamily="34" charset="0"/>
             </a:endParaRPr>
           </a:p>
           <a:p>
-            <a:pPr marR="0" lvl="0" rtl="0">
-              <a:lnSpc>
-                <a:spcPct val="100000"/>
-              </a:lnSpc>
-              <a:spcBef>
-                <a:spcPts val="0"/>
-              </a:spcBef>
-              <a:spcAft>
-                <a:spcPts val="0"/>
-              </a:spcAft>
-            </a:pPr>
-            <a:endParaRPr lang="en-IN" dirty="0">
+            <a:r>
+              <a:rPr lang="en-US" sz="1600" dirty="0">
+                <a:effectLst/>
+                <a:latin typeface="Times New Roman" panose="02020603050405020304" pitchFamily="18" charset="0"/>
+                <a:ea typeface="Times New Roman" panose="02020603050405020304" pitchFamily="18" charset="0"/>
+              </a:rPr>
+              <a:t>These solutions collectively ensured that the emergency support drone met the required performance standards and provided reliable reconnaissance during disaster scenarios</a:t>
+            </a:r>
+            <a:endParaRPr lang="en-IN" sz="1200" dirty="0">
               <a:latin typeface="Verdana" panose="020B0604030504040204" pitchFamily="34" charset="0"/>
               <a:ea typeface="Verdana" panose="020B0604030504040204" pitchFamily="34" charset="0"/>
             </a:endParaRPr>
@@ -19414,258 +21785,7 @@
     </p:spTree>
     <p:extLst>
       <p:ext uri="{BB962C8B-B14F-4D97-AF65-F5344CB8AC3E}">
-        <p14:creationId xmlns:p14="http://schemas.microsoft.com/office/powerpoint/2010/main" val="2761468039"/>
-      </p:ext>
-    </p:extLst>
-  </p:cSld>
-  <p:clrMapOvr>
-    <a:masterClrMapping/>
-  </p:clrMapOvr>
-</p:sld>
-</file>
-
-<file path=ppt/slides/slide9.xml><?xml version="1.0" encoding="utf-8"?>
-<p:sld xmlns:a="http://schemas.openxmlformats.org/drawingml/2006/main" xmlns:r="http://schemas.openxmlformats.org/officeDocument/2006/relationships" xmlns:p="http://schemas.openxmlformats.org/presentationml/2006/main">
-  <p:cSld>
-    <p:spTree>
-      <p:nvGrpSpPr>
-        <p:cNvPr id="1" name="">
-          <a:extLst>
-            <a:ext uri="{FF2B5EF4-FFF2-40B4-BE49-F238E27FC236}">
-              <a16:creationId xmlns:a16="http://schemas.microsoft.com/office/drawing/2014/main" id="{E0A65F51-F37A-0F0B-AFF4-2134BDC03074}"/>
-            </a:ext>
-          </a:extLst>
-        </p:cNvPr>
-        <p:cNvGrpSpPr/>
-        <p:nvPr/>
-      </p:nvGrpSpPr>
-      <p:grpSpPr>
-        <a:xfrm>
-          <a:off x="0" y="0"/>
-          <a:ext cx="0" cy="0"/>
-          <a:chOff x="0" y="0"/>
-          <a:chExt cx="0" cy="0"/>
-        </a:xfrm>
-      </p:grpSpPr>
-      <p:sp>
-        <p:nvSpPr>
-          <p:cNvPr id="3" name="Slide Number Placeholder 2">
-            <a:extLst>
-              <a:ext uri="{FF2B5EF4-FFF2-40B4-BE49-F238E27FC236}">
-                <a16:creationId xmlns:a16="http://schemas.microsoft.com/office/drawing/2014/main" id="{E60440EB-4A8A-D93C-606D-594A9C00C624}"/>
-              </a:ext>
-            </a:extLst>
-          </p:cNvPr>
-          <p:cNvSpPr>
-            <a:spLocks noGrp="1"/>
-          </p:cNvSpPr>
-          <p:nvPr>
-            <p:ph type="sldNum" idx="12"/>
-          </p:nvPr>
-        </p:nvSpPr>
-        <p:spPr/>
-        <p:txBody>
-          <a:bodyPr/>
-          <a:lstStyle/>
-          <a:p>
-            <a:r>
-              <a:t>Application</a:t>
-            </a:r>
-          </a:p>
-        </p:txBody>
-      </p:sp>
-      <p:sp>
-        <p:nvSpPr>
-          <p:cNvPr id="4" name="Google Shape;125;p3">
-            <a:extLst>
-              <a:ext uri="{FF2B5EF4-FFF2-40B4-BE49-F238E27FC236}">
-                <a16:creationId xmlns:a16="http://schemas.microsoft.com/office/drawing/2014/main" id="{6E899E6C-558C-950D-AACE-666F4910120B}"/>
-              </a:ext>
-            </a:extLst>
-          </p:cNvPr>
-          <p:cNvSpPr txBox="1"/>
-          <p:nvPr/>
-        </p:nvSpPr>
-        <p:spPr>
-          <a:xfrm>
-            <a:off x="1000124" y="232275"/>
-            <a:ext cx="10515600" cy="493857"/>
-          </a:xfrm>
-          <a:prstGeom prst="rect">
-            <a:avLst/>
-          </a:prstGeom>
-          <a:noFill/>
-          <a:ln>
-            <a:noFill/>
-          </a:ln>
-        </p:spPr>
-        <p:txBody>
-          <a:bodyPr spcFirstLastPara="1" wrap="square" lIns="91425" tIns="45700" rIns="91425" bIns="45700" anchor="t" anchorCtr="0">
-            <a:noAutofit/>
-          </a:bodyPr>
-          <a:lstStyle/>
-          <a:p>
-            <a:pPr marL="0" marR="0" lvl="0" indent="0" algn="ctr" rtl="0">
-              <a:lnSpc>
-                <a:spcPct val="100000"/>
-              </a:lnSpc>
-              <a:spcBef>
-                <a:spcPts val="0"/>
-              </a:spcBef>
-              <a:spcAft>
-                <a:spcPts val="0"/>
-              </a:spcAft>
-              <a:buClr>
-                <a:srgbClr val="000000"/>
-              </a:buClr>
-              <a:buSzPts val="2400"/>
-              <a:buFont typeface="Arial"/>
-              <a:buNone/>
-            </a:pPr>
-            <a:r>
-              <a:rPr lang="en-US" sz="2400" b="1" i="0" u="none" strike="noStrike" cap="none" dirty="0">
-                <a:solidFill>
-                  <a:srgbClr val="000000"/>
-                </a:solidFill>
-                <a:latin typeface="Montserrat"/>
-                <a:ea typeface="Montserrat"/>
-                <a:cs typeface="Montserrat"/>
-                <a:sym typeface="Montserrat"/>
-              </a:rPr>
-              <a:t>Implementation and Results – Iteration </a:t>
-            </a:r>
-            <a:r>
-              <a:rPr lang="en-US" sz="2400" b="1" dirty="0">
-                <a:latin typeface="Montserrat"/>
-                <a:ea typeface="Montserrat"/>
-                <a:cs typeface="Montserrat"/>
-                <a:sym typeface="Montserrat"/>
-              </a:rPr>
-              <a:t>3 (Optional)</a:t>
-            </a:r>
-            <a:endParaRPr lang="en-US" sz="1400" b="0" i="0" u="none" strike="noStrike" cap="none" dirty="0">
-              <a:solidFill>
-                <a:srgbClr val="000000"/>
-              </a:solidFill>
-              <a:latin typeface="Arial"/>
-              <a:ea typeface="Arial"/>
-              <a:cs typeface="Arial"/>
-              <a:sym typeface="Arial"/>
-            </a:endParaRPr>
-          </a:p>
-        </p:txBody>
-      </p:sp>
-      <p:sp>
-        <p:nvSpPr>
-          <p:cNvPr id="5" name="Google Shape;125;p3">
-            <a:extLst>
-              <a:ext uri="{FF2B5EF4-FFF2-40B4-BE49-F238E27FC236}">
-                <a16:creationId xmlns:a16="http://schemas.microsoft.com/office/drawing/2014/main" id="{935777F9-D82A-2939-0C57-126FBC7D4C26}"/>
-              </a:ext>
-            </a:extLst>
-          </p:cNvPr>
-          <p:cNvSpPr txBox="1"/>
-          <p:nvPr/>
-        </p:nvSpPr>
-        <p:spPr>
-          <a:xfrm>
-            <a:off x="452283" y="871532"/>
-            <a:ext cx="11326761" cy="5735761"/>
-          </a:xfrm>
-          <a:prstGeom prst="rect">
-            <a:avLst/>
-          </a:prstGeom>
-          <a:noFill/>
-          <a:ln>
-            <a:noFill/>
-          </a:ln>
-        </p:spPr>
-        <p:txBody>
-          <a:bodyPr spcFirstLastPara="1" wrap="square" lIns="91425" tIns="45700" rIns="91425" bIns="45700" anchor="t" anchorCtr="0">
-            <a:noAutofit/>
-          </a:bodyPr>
-          <a:lstStyle/>
-          <a:p>
-            <a:pPr marL="0" marR="0" lvl="0" indent="0" rtl="0">
-              <a:lnSpc>
-                <a:spcPct val="100000"/>
-              </a:lnSpc>
-              <a:spcBef>
-                <a:spcPts val="0"/>
-              </a:spcBef>
-              <a:spcAft>
-                <a:spcPts val="0"/>
-              </a:spcAft>
-              <a:buNone/>
-            </a:pPr>
-            <a:r>
-              <a:rPr lang="en-IN" b="1" dirty="0">
-                <a:latin typeface="Verdana" panose="020B0604030504040204" pitchFamily="34" charset="0"/>
-                <a:ea typeface="Verdana" panose="020B0604030504040204" pitchFamily="34" charset="0"/>
-              </a:rPr>
-              <a:t>Iteration : Results + Validation against the use cases and test cases </a:t>
-            </a:r>
-          </a:p>
-          <a:p>
-            <a:pPr marL="0" marR="0" lvl="0" indent="0" rtl="0">
-              <a:lnSpc>
-                <a:spcPct val="100000"/>
-              </a:lnSpc>
-              <a:spcBef>
-                <a:spcPts val="0"/>
-              </a:spcBef>
-              <a:spcAft>
-                <a:spcPts val="0"/>
-              </a:spcAft>
-              <a:buNone/>
-            </a:pPr>
-            <a:endParaRPr lang="en-IN" dirty="0">
-              <a:latin typeface="Verdana" panose="020B0604030504040204" pitchFamily="34" charset="0"/>
-              <a:ea typeface="Verdana" panose="020B0604030504040204" pitchFamily="34" charset="0"/>
-            </a:endParaRPr>
-          </a:p>
-          <a:p>
-            <a:pPr marL="285750" marR="0" lvl="0" indent="-285750" rtl="0">
-              <a:lnSpc>
-                <a:spcPct val="100000"/>
-              </a:lnSpc>
-              <a:spcBef>
-                <a:spcPts val="0"/>
-              </a:spcBef>
-              <a:spcAft>
-                <a:spcPts val="0"/>
-              </a:spcAft>
-              <a:buFont typeface="Arial" panose="020B0604020202020204" pitchFamily="34" charset="0"/>
-              <a:buChar char="•"/>
-            </a:pPr>
-            <a:endParaRPr lang="en-IN" dirty="0">
-              <a:latin typeface="Verdana" panose="020B0604030504040204" pitchFamily="34" charset="0"/>
-              <a:ea typeface="Verdana" panose="020B0604030504040204" pitchFamily="34" charset="0"/>
-            </a:endParaRPr>
-          </a:p>
-          <a:p>
-            <a:pPr marR="0" lvl="0" rtl="0">
-              <a:lnSpc>
-                <a:spcPct val="100000"/>
-              </a:lnSpc>
-              <a:spcBef>
-                <a:spcPts val="0"/>
-              </a:spcBef>
-              <a:spcAft>
-                <a:spcPts val="0"/>
-              </a:spcAft>
-            </a:pPr>
-            <a:endParaRPr lang="en-IN" dirty="0">
-              <a:latin typeface="Verdana" panose="020B0604030504040204" pitchFamily="34" charset="0"/>
-              <a:ea typeface="Verdana" panose="020B0604030504040204" pitchFamily="34" charset="0"/>
-            </a:endParaRPr>
-          </a:p>
-        </p:txBody>
-      </p:sp>
-    </p:spTree>
-    <p:extLst>
-      <p:ext uri="{BB962C8B-B14F-4D97-AF65-F5344CB8AC3E}">
-        <p14:creationId xmlns:p14="http://schemas.microsoft.com/office/powerpoint/2010/main" val="3238600573"/>
+        <p14:creationId xmlns:p14="http://schemas.microsoft.com/office/powerpoint/2010/main" val="1229190984"/>
       </p:ext>
     </p:extLst>
   </p:cSld>
